--- a/Weekly summary.pptx
+++ b/Weekly summary.pptx
@@ -109,6 +109,11 @@
       </a:defRPr>
     </a:lvl9pPr>
   </p:defaultTextStyle>
+  <p:extLst>
+    <p:ext uri="{EFAFB233-063F-42B5-8137-9DF3F51BA10A}">
+      <p15:sldGuideLst xmlns:p15="http://schemas.microsoft.com/office/powerpoint/2012/main"/>
+    </p:ext>
+  </p:extLst>
 </p:presentation>
 </file>
 
@@ -4487,19 +4492,36 @@
               <a:rPr lang="en-US" dirty="0"/>
               <a:t>Remove lines</a:t>
             </a:r>
+            <a:r>
+              <a:rPr lang="zh-TW" altLang="en-US" dirty="0"/>
+              <a:t> </a:t>
+            </a:r>
+            <a:r>
+              <a:rPr lang="en-US" altLang="zh-TW" dirty="0"/>
+              <a:t>(format error)</a:t>
+            </a:r>
+            <a:endParaRPr lang="en-US" dirty="0"/>
           </a:p>
           <a:p>
             <a:pPr lvl="2"/>
             <a:r>
               <a:rPr lang="en-US" dirty="0"/>
-              <a:t>Left blank lines</a:t>
+              <a:t>Left blank lines (</a:t>
+            </a:r>
+            <a:r>
+              <a:rPr lang="en-US" altLang="zh-TW" dirty="0"/>
+              <a:t>format error</a:t>
+            </a:r>
+            <a:r>
+              <a:rPr lang="en-US" dirty="0"/>
+              <a:t>)</a:t>
             </a:r>
           </a:p>
           <a:p>
             <a:pPr lvl="2"/>
             <a:r>
               <a:rPr lang="en-US" dirty="0"/>
-              <a:t>Get closest non-question text to replace removed text</a:t>
+              <a:t>Get closest non-question text to replace removed text, with old line number(O)/ line number changed (X)</a:t>
             </a:r>
           </a:p>
           <a:p>

--- a/Weekly summary.pptx
+++ b/Weekly summary.pptx
@@ -4,13 +4,21 @@
   <p:sldMasterIdLst>
     <p:sldMasterId id="2147483779" r:id="rId1"/>
   </p:sldMasterIdLst>
+  <p:notesMasterIdLst>
+    <p:notesMasterId r:id="rId13"/>
+  </p:notesMasterIdLst>
   <p:sldIdLst>
     <p:sldId id="256" r:id="rId2"/>
     <p:sldId id="257" r:id="rId3"/>
     <p:sldId id="259" r:id="rId4"/>
     <p:sldId id="261" r:id="rId5"/>
-    <p:sldId id="260" r:id="rId6"/>
-    <p:sldId id="258" r:id="rId7"/>
+    <p:sldId id="262" r:id="rId6"/>
+    <p:sldId id="263" r:id="rId7"/>
+    <p:sldId id="266" r:id="rId8"/>
+    <p:sldId id="264" r:id="rId9"/>
+    <p:sldId id="265" r:id="rId10"/>
+    <p:sldId id="260" r:id="rId11"/>
+    <p:sldId id="258" r:id="rId12"/>
   </p:sldIdLst>
   <p:sldSz cx="12192000" cy="6858000"/>
   <p:notesSz cx="6858000" cy="9144000"/>
@@ -117,6 +125,439 @@
 </p:presentation>
 </file>
 
+<file path=ppt/notesMasters/notesMaster1.xml><?xml version="1.0" encoding="utf-8"?>
+<p:notesMaster xmlns:a="http://schemas.openxmlformats.org/drawingml/2006/main" xmlns:r="http://schemas.openxmlformats.org/officeDocument/2006/relationships" xmlns:p="http://schemas.openxmlformats.org/presentationml/2006/main">
+  <p:cSld>
+    <p:bg>
+      <p:bgRef idx="1001">
+        <a:schemeClr val="bg1"/>
+      </p:bgRef>
+    </p:bg>
+    <p:spTree>
+      <p:nvGrpSpPr>
+        <p:cNvPr id="1" name=""/>
+        <p:cNvGrpSpPr/>
+        <p:nvPr/>
+      </p:nvGrpSpPr>
+      <p:grpSpPr>
+        <a:xfrm>
+          <a:off x="0" y="0"/>
+          <a:ext cx="0" cy="0"/>
+          <a:chOff x="0" y="0"/>
+          <a:chExt cx="0" cy="0"/>
+        </a:xfrm>
+      </p:grpSpPr>
+      <p:sp>
+        <p:nvSpPr>
+          <p:cNvPr id="2" name="Header Placeholder 1"/>
+          <p:cNvSpPr>
+            <a:spLocks noGrp="1"/>
+          </p:cNvSpPr>
+          <p:nvPr>
+            <p:ph type="hdr" sz="quarter"/>
+          </p:nvPr>
+        </p:nvSpPr>
+        <p:spPr>
+          <a:xfrm>
+            <a:off x="0" y="0"/>
+            <a:ext cx="2971800" cy="458788"/>
+          </a:xfrm>
+          <a:prstGeom prst="rect">
+            <a:avLst/>
+          </a:prstGeom>
+        </p:spPr>
+        <p:txBody>
+          <a:bodyPr vert="horz" lIns="91440" tIns="45720" rIns="91440" bIns="45720" rtlCol="0"/>
+          <a:lstStyle>
+            <a:lvl1pPr algn="l">
+              <a:defRPr sz="1200"/>
+            </a:lvl1pPr>
+          </a:lstStyle>
+          <a:p>
+            <a:endParaRPr lang="en-US"/>
+          </a:p>
+        </p:txBody>
+      </p:sp>
+      <p:sp>
+        <p:nvSpPr>
+          <p:cNvPr id="3" name="Date Placeholder 2"/>
+          <p:cNvSpPr>
+            <a:spLocks noGrp="1"/>
+          </p:cNvSpPr>
+          <p:nvPr>
+            <p:ph type="dt" idx="1"/>
+          </p:nvPr>
+        </p:nvSpPr>
+        <p:spPr>
+          <a:xfrm>
+            <a:off x="3884613" y="0"/>
+            <a:ext cx="2971800" cy="458788"/>
+          </a:xfrm>
+          <a:prstGeom prst="rect">
+            <a:avLst/>
+          </a:prstGeom>
+        </p:spPr>
+        <p:txBody>
+          <a:bodyPr vert="horz" lIns="91440" tIns="45720" rIns="91440" bIns="45720" rtlCol="0"/>
+          <a:lstStyle>
+            <a:lvl1pPr algn="r">
+              <a:defRPr sz="1200"/>
+            </a:lvl1pPr>
+          </a:lstStyle>
+          <a:p>
+            <a:fld id="{5C1E4B4F-065B-4806-AECA-278796DA8016}" type="datetimeFigureOut">
+              <a:rPr lang="en-US" smtClean="0"/>
+              <a:t>4/23/2018</a:t>
+            </a:fld>
+            <a:endParaRPr lang="en-US"/>
+          </a:p>
+        </p:txBody>
+      </p:sp>
+      <p:sp>
+        <p:nvSpPr>
+          <p:cNvPr id="4" name="Slide Image Placeholder 3"/>
+          <p:cNvSpPr>
+            <a:spLocks noGrp="1" noRot="1" noChangeAspect="1"/>
+          </p:cNvSpPr>
+          <p:nvPr>
+            <p:ph type="sldImg" idx="2"/>
+          </p:nvPr>
+        </p:nvSpPr>
+        <p:spPr>
+          <a:xfrm>
+            <a:off x="685800" y="1143000"/>
+            <a:ext cx="5486400" cy="3086100"/>
+          </a:xfrm>
+          <a:prstGeom prst="rect">
+            <a:avLst/>
+          </a:prstGeom>
+          <a:noFill/>
+          <a:ln w="12700">
+            <a:solidFill>
+              <a:prstClr val="black"/>
+            </a:solidFill>
+          </a:ln>
+        </p:spPr>
+        <p:txBody>
+          <a:bodyPr vert="horz" lIns="91440" tIns="45720" rIns="91440" bIns="45720" rtlCol="0" anchor="ctr"/>
+          <a:lstStyle/>
+          <a:p>
+            <a:endParaRPr lang="en-US"/>
+          </a:p>
+        </p:txBody>
+      </p:sp>
+      <p:sp>
+        <p:nvSpPr>
+          <p:cNvPr id="5" name="Notes Placeholder 4"/>
+          <p:cNvSpPr>
+            <a:spLocks noGrp="1"/>
+          </p:cNvSpPr>
+          <p:nvPr>
+            <p:ph type="body" sz="quarter" idx="3"/>
+          </p:nvPr>
+        </p:nvSpPr>
+        <p:spPr>
+          <a:xfrm>
+            <a:off x="685800" y="4400550"/>
+            <a:ext cx="5486400" cy="3600450"/>
+          </a:xfrm>
+          <a:prstGeom prst="rect">
+            <a:avLst/>
+          </a:prstGeom>
+        </p:spPr>
+        <p:txBody>
+          <a:bodyPr vert="horz" lIns="91440" tIns="45720" rIns="91440" bIns="45720" rtlCol="0"/>
+          <a:lstStyle/>
+          <a:p>
+            <a:pPr lvl="0"/>
+            <a:r>
+              <a:rPr lang="en-US"/>
+              <a:t>Edit Master text styles</a:t>
+            </a:r>
+          </a:p>
+          <a:p>
+            <a:pPr lvl="1"/>
+            <a:r>
+              <a:rPr lang="en-US"/>
+              <a:t>Second level</a:t>
+            </a:r>
+          </a:p>
+          <a:p>
+            <a:pPr lvl="2"/>
+            <a:r>
+              <a:rPr lang="en-US"/>
+              <a:t>Third level</a:t>
+            </a:r>
+          </a:p>
+          <a:p>
+            <a:pPr lvl="3"/>
+            <a:r>
+              <a:rPr lang="en-US"/>
+              <a:t>Fourth level</a:t>
+            </a:r>
+          </a:p>
+          <a:p>
+            <a:pPr lvl="4"/>
+            <a:r>
+              <a:rPr lang="en-US"/>
+              <a:t>Fifth level</a:t>
+            </a:r>
+          </a:p>
+        </p:txBody>
+      </p:sp>
+      <p:sp>
+        <p:nvSpPr>
+          <p:cNvPr id="6" name="Footer Placeholder 5"/>
+          <p:cNvSpPr>
+            <a:spLocks noGrp="1"/>
+          </p:cNvSpPr>
+          <p:nvPr>
+            <p:ph type="ftr" sz="quarter" idx="4"/>
+          </p:nvPr>
+        </p:nvSpPr>
+        <p:spPr>
+          <a:xfrm>
+            <a:off x="0" y="8685213"/>
+            <a:ext cx="2971800" cy="458787"/>
+          </a:xfrm>
+          <a:prstGeom prst="rect">
+            <a:avLst/>
+          </a:prstGeom>
+        </p:spPr>
+        <p:txBody>
+          <a:bodyPr vert="horz" lIns="91440" tIns="45720" rIns="91440" bIns="45720" rtlCol="0" anchor="b"/>
+          <a:lstStyle>
+            <a:lvl1pPr algn="l">
+              <a:defRPr sz="1200"/>
+            </a:lvl1pPr>
+          </a:lstStyle>
+          <a:p>
+            <a:endParaRPr lang="en-US"/>
+          </a:p>
+        </p:txBody>
+      </p:sp>
+      <p:sp>
+        <p:nvSpPr>
+          <p:cNvPr id="7" name="Slide Number Placeholder 6"/>
+          <p:cNvSpPr>
+            <a:spLocks noGrp="1"/>
+          </p:cNvSpPr>
+          <p:nvPr>
+            <p:ph type="sldNum" sz="quarter" idx="5"/>
+          </p:nvPr>
+        </p:nvSpPr>
+        <p:spPr>
+          <a:xfrm>
+            <a:off x="3884613" y="8685213"/>
+            <a:ext cx="2971800" cy="458787"/>
+          </a:xfrm>
+          <a:prstGeom prst="rect">
+            <a:avLst/>
+          </a:prstGeom>
+        </p:spPr>
+        <p:txBody>
+          <a:bodyPr vert="horz" lIns="91440" tIns="45720" rIns="91440" bIns="45720" rtlCol="0" anchor="b"/>
+          <a:lstStyle>
+            <a:lvl1pPr algn="r">
+              <a:defRPr sz="1200"/>
+            </a:lvl1pPr>
+          </a:lstStyle>
+          <a:p>
+            <a:fld id="{AC928313-6375-4BC7-9F75-A615DAE9CC83}" type="slidenum">
+              <a:rPr lang="en-US" smtClean="0"/>
+              <a:t>‹#›</a:t>
+            </a:fld>
+            <a:endParaRPr lang="en-US"/>
+          </a:p>
+        </p:txBody>
+      </p:sp>
+    </p:spTree>
+    <p:extLst>
+      <p:ext uri="{BB962C8B-B14F-4D97-AF65-F5344CB8AC3E}">
+        <p14:creationId xmlns:p14="http://schemas.microsoft.com/office/powerpoint/2010/main" val="3888496940"/>
+      </p:ext>
+    </p:extLst>
+  </p:cSld>
+  <p:clrMap bg1="lt1" tx1="dk1" bg2="lt2" tx2="dk2" accent1="accent1" accent2="accent2" accent3="accent3" accent4="accent4" accent5="accent5" accent6="accent6" hlink="hlink" folHlink="folHlink"/>
+  <p:notesStyle>
+    <a:lvl1pPr marL="0" algn="l" defTabSz="914400" rtl="0" eaLnBrk="1" latinLnBrk="0" hangingPunct="1">
+      <a:defRPr sz="1200" kern="1200">
+        <a:solidFill>
+          <a:schemeClr val="tx1"/>
+        </a:solidFill>
+        <a:latin typeface="+mn-lt"/>
+        <a:ea typeface="+mn-ea"/>
+        <a:cs typeface="+mn-cs"/>
+      </a:defRPr>
+    </a:lvl1pPr>
+    <a:lvl2pPr marL="457200" algn="l" defTabSz="914400" rtl="0" eaLnBrk="1" latinLnBrk="0" hangingPunct="1">
+      <a:defRPr sz="1200" kern="1200">
+        <a:solidFill>
+          <a:schemeClr val="tx1"/>
+        </a:solidFill>
+        <a:latin typeface="+mn-lt"/>
+        <a:ea typeface="+mn-ea"/>
+        <a:cs typeface="+mn-cs"/>
+      </a:defRPr>
+    </a:lvl2pPr>
+    <a:lvl3pPr marL="914400" algn="l" defTabSz="914400" rtl="0" eaLnBrk="1" latinLnBrk="0" hangingPunct="1">
+      <a:defRPr sz="1200" kern="1200">
+        <a:solidFill>
+          <a:schemeClr val="tx1"/>
+        </a:solidFill>
+        <a:latin typeface="+mn-lt"/>
+        <a:ea typeface="+mn-ea"/>
+        <a:cs typeface="+mn-cs"/>
+      </a:defRPr>
+    </a:lvl3pPr>
+    <a:lvl4pPr marL="1371600" algn="l" defTabSz="914400" rtl="0" eaLnBrk="1" latinLnBrk="0" hangingPunct="1">
+      <a:defRPr sz="1200" kern="1200">
+        <a:solidFill>
+          <a:schemeClr val="tx1"/>
+        </a:solidFill>
+        <a:latin typeface="+mn-lt"/>
+        <a:ea typeface="+mn-ea"/>
+        <a:cs typeface="+mn-cs"/>
+      </a:defRPr>
+    </a:lvl4pPr>
+    <a:lvl5pPr marL="1828800" algn="l" defTabSz="914400" rtl="0" eaLnBrk="1" latinLnBrk="0" hangingPunct="1">
+      <a:defRPr sz="1200" kern="1200">
+        <a:solidFill>
+          <a:schemeClr val="tx1"/>
+        </a:solidFill>
+        <a:latin typeface="+mn-lt"/>
+        <a:ea typeface="+mn-ea"/>
+        <a:cs typeface="+mn-cs"/>
+      </a:defRPr>
+    </a:lvl5pPr>
+    <a:lvl6pPr marL="2286000" algn="l" defTabSz="914400" rtl="0" eaLnBrk="1" latinLnBrk="0" hangingPunct="1">
+      <a:defRPr sz="1200" kern="1200">
+        <a:solidFill>
+          <a:schemeClr val="tx1"/>
+        </a:solidFill>
+        <a:latin typeface="+mn-lt"/>
+        <a:ea typeface="+mn-ea"/>
+        <a:cs typeface="+mn-cs"/>
+      </a:defRPr>
+    </a:lvl6pPr>
+    <a:lvl7pPr marL="2743200" algn="l" defTabSz="914400" rtl="0" eaLnBrk="1" latinLnBrk="0" hangingPunct="1">
+      <a:defRPr sz="1200" kern="1200">
+        <a:solidFill>
+          <a:schemeClr val="tx1"/>
+        </a:solidFill>
+        <a:latin typeface="+mn-lt"/>
+        <a:ea typeface="+mn-ea"/>
+        <a:cs typeface="+mn-cs"/>
+      </a:defRPr>
+    </a:lvl7pPr>
+    <a:lvl8pPr marL="3200400" algn="l" defTabSz="914400" rtl="0" eaLnBrk="1" latinLnBrk="0" hangingPunct="1">
+      <a:defRPr sz="1200" kern="1200">
+        <a:solidFill>
+          <a:schemeClr val="tx1"/>
+        </a:solidFill>
+        <a:latin typeface="+mn-lt"/>
+        <a:ea typeface="+mn-ea"/>
+        <a:cs typeface="+mn-cs"/>
+      </a:defRPr>
+    </a:lvl8pPr>
+    <a:lvl9pPr marL="3657600" algn="l" defTabSz="914400" rtl="0" eaLnBrk="1" latinLnBrk="0" hangingPunct="1">
+      <a:defRPr sz="1200" kern="1200">
+        <a:solidFill>
+          <a:schemeClr val="tx1"/>
+        </a:solidFill>
+        <a:latin typeface="+mn-lt"/>
+        <a:ea typeface="+mn-ea"/>
+        <a:cs typeface="+mn-cs"/>
+      </a:defRPr>
+    </a:lvl9pPr>
+  </p:notesStyle>
+</p:notesMaster>
+</file>
+
+<file path=ppt/notesSlides/notesSlide1.xml><?xml version="1.0" encoding="utf-8"?>
+<p:notes xmlns:a="http://schemas.openxmlformats.org/drawingml/2006/main" xmlns:r="http://schemas.openxmlformats.org/officeDocument/2006/relationships" xmlns:p="http://schemas.openxmlformats.org/presentationml/2006/main">
+  <p:cSld>
+    <p:spTree>
+      <p:nvGrpSpPr>
+        <p:cNvPr id="1" name=""/>
+        <p:cNvGrpSpPr/>
+        <p:nvPr/>
+      </p:nvGrpSpPr>
+      <p:grpSpPr>
+        <a:xfrm>
+          <a:off x="0" y="0"/>
+          <a:ext cx="0" cy="0"/>
+          <a:chOff x="0" y="0"/>
+          <a:chExt cx="0" cy="0"/>
+        </a:xfrm>
+      </p:grpSpPr>
+      <p:sp>
+        <p:nvSpPr>
+          <p:cNvPr id="2" name="Slide Image Placeholder 1"/>
+          <p:cNvSpPr>
+            <a:spLocks noGrp="1" noRot="1" noChangeAspect="1"/>
+          </p:cNvSpPr>
+          <p:nvPr>
+            <p:ph type="sldImg"/>
+          </p:nvPr>
+        </p:nvSpPr>
+        <p:spPr/>
+      </p:sp>
+      <p:sp>
+        <p:nvSpPr>
+          <p:cNvPr id="3" name="Notes Placeholder 2"/>
+          <p:cNvSpPr>
+            <a:spLocks noGrp="1"/>
+          </p:cNvSpPr>
+          <p:nvPr>
+            <p:ph type="body" idx="1"/>
+          </p:nvPr>
+        </p:nvSpPr>
+        <p:spPr/>
+        <p:txBody>
+          <a:bodyPr/>
+          <a:lstStyle/>
+          <a:p>
+            <a:endParaRPr lang="en-US" dirty="0"/>
+          </a:p>
+        </p:txBody>
+      </p:sp>
+      <p:sp>
+        <p:nvSpPr>
+          <p:cNvPr id="4" name="Slide Number Placeholder 3"/>
+          <p:cNvSpPr>
+            <a:spLocks noGrp="1"/>
+          </p:cNvSpPr>
+          <p:nvPr>
+            <p:ph type="sldNum" sz="quarter" idx="10"/>
+          </p:nvPr>
+        </p:nvSpPr>
+        <p:spPr/>
+        <p:txBody>
+          <a:bodyPr/>
+          <a:lstStyle/>
+          <a:p>
+            <a:fld id="{AC928313-6375-4BC7-9F75-A615DAE9CC83}" type="slidenum">
+              <a:rPr lang="en-US" smtClean="0"/>
+              <a:t>8</a:t>
+            </a:fld>
+            <a:endParaRPr lang="en-US"/>
+          </a:p>
+        </p:txBody>
+      </p:sp>
+    </p:spTree>
+    <p:extLst>
+      <p:ext uri="{BB962C8B-B14F-4D97-AF65-F5344CB8AC3E}">
+        <p14:creationId xmlns:p14="http://schemas.microsoft.com/office/powerpoint/2010/main" val="1623685549"/>
+      </p:ext>
+    </p:extLst>
+  </p:cSld>
+  <p:clrMapOvr>
+    <a:masterClrMapping/>
+  </p:clrMapOvr>
+</p:notes>
+</file>
+
 <file path=ppt/slideLayouts/slideLayout1.xml><?xml version="1.0" encoding="utf-8"?>
 <p:sldLayout xmlns:a="http://schemas.openxmlformats.org/drawingml/2006/main" xmlns:r="http://schemas.openxmlformats.org/officeDocument/2006/relationships" xmlns:p="http://schemas.openxmlformats.org/presentationml/2006/main" showMasterSp="0" type="title" preserve="1">
   <p:cSld name="Title Slide">
@@ -520,7 +961,7 @@
           <a:p>
             <a:fld id="{D22BAA74-15F4-4F7F-9702-0632D04FA5EB}" type="datetimeFigureOut">
               <a:rPr lang="en-US" smtClean="0"/>
-              <a:t>4/22/2018</a:t>
+              <a:t>4/23/2018</a:t>
             </a:fld>
             <a:endParaRPr lang="en-US"/>
           </a:p>
@@ -699,7 +1140,7 @@
           <a:p>
             <a:fld id="{D22BAA74-15F4-4F7F-9702-0632D04FA5EB}" type="datetimeFigureOut">
               <a:rPr lang="en-US" smtClean="0"/>
-              <a:t>4/22/2018</a:t>
+              <a:t>4/23/2018</a:t>
             </a:fld>
             <a:endParaRPr lang="en-US"/>
           </a:p>
@@ -879,7 +1320,7 @@
           <a:p>
             <a:fld id="{D22BAA74-15F4-4F7F-9702-0632D04FA5EB}" type="datetimeFigureOut">
               <a:rPr lang="en-US" smtClean="0"/>
-              <a:t>4/22/2018</a:t>
+              <a:t>4/23/2018</a:t>
             </a:fld>
             <a:endParaRPr lang="en-US"/>
           </a:p>
@@ -1049,7 +1490,7 @@
           <a:p>
             <a:fld id="{D22BAA74-15F4-4F7F-9702-0632D04FA5EB}" type="datetimeFigureOut">
               <a:rPr lang="en-US" smtClean="0"/>
-              <a:t>4/22/2018</a:t>
+              <a:t>4/23/2018</a:t>
             </a:fld>
             <a:endParaRPr lang="en-US"/>
           </a:p>
@@ -1362,7 +1803,7 @@
           <a:p>
             <a:fld id="{D22BAA74-15F4-4F7F-9702-0632D04FA5EB}" type="datetimeFigureOut">
               <a:rPr lang="en-US" smtClean="0"/>
-              <a:t>4/22/2018</a:t>
+              <a:t>4/23/2018</a:t>
             </a:fld>
             <a:endParaRPr lang="en-US"/>
           </a:p>
@@ -1748,7 +2189,7 @@
           <a:p>
             <a:fld id="{D22BAA74-15F4-4F7F-9702-0632D04FA5EB}" type="datetimeFigureOut">
               <a:rPr lang="en-US" smtClean="0"/>
-              <a:t>4/22/2018</a:t>
+              <a:t>4/23/2018</a:t>
             </a:fld>
             <a:endParaRPr lang="en-US"/>
           </a:p>
@@ -2182,7 +2623,7 @@
           <a:p>
             <a:fld id="{D22BAA74-15F4-4F7F-9702-0632D04FA5EB}" type="datetimeFigureOut">
               <a:rPr lang="en-US" smtClean="0"/>
-              <a:t>4/22/2018</a:t>
+              <a:t>4/23/2018</a:t>
             </a:fld>
             <a:endParaRPr lang="en-US"/>
           </a:p>
@@ -2300,7 +2741,7 @@
           <a:p>
             <a:fld id="{D22BAA74-15F4-4F7F-9702-0632D04FA5EB}" type="datetimeFigureOut">
               <a:rPr lang="en-US" smtClean="0"/>
-              <a:t>4/22/2018</a:t>
+              <a:t>4/23/2018</a:t>
             </a:fld>
             <a:endParaRPr lang="en-US"/>
           </a:p>
@@ -2395,7 +2836,7 @@
           <a:p>
             <a:fld id="{D22BAA74-15F4-4F7F-9702-0632D04FA5EB}" type="datetimeFigureOut">
               <a:rPr lang="en-US" smtClean="0"/>
-              <a:t>4/22/2018</a:t>
+              <a:t>4/23/2018</a:t>
             </a:fld>
             <a:endParaRPr lang="en-US"/>
           </a:p>
@@ -2745,7 +3186,7 @@
           <a:p>
             <a:fld id="{D22BAA74-15F4-4F7F-9702-0632D04FA5EB}" type="datetimeFigureOut">
               <a:rPr lang="en-US" smtClean="0"/>
-              <a:t>4/22/2018</a:t>
+              <a:t>4/23/2018</a:t>
             </a:fld>
             <a:endParaRPr lang="en-US"/>
           </a:p>
@@ -3170,7 +3611,7 @@
           <a:p>
             <a:fld id="{D22BAA74-15F4-4F7F-9702-0632D04FA5EB}" type="datetimeFigureOut">
               <a:rPr lang="en-US" smtClean="0"/>
-              <a:t>4/22/2018</a:t>
+              <a:t>4/23/2018</a:t>
             </a:fld>
             <a:endParaRPr lang="en-US"/>
           </a:p>
@@ -3451,7 +3892,7 @@
           <a:p>
             <a:fld id="{D22BAA74-15F4-4F7F-9702-0632D04FA5EB}" type="datetimeFigureOut">
               <a:rPr lang="en-US" smtClean="0"/>
-              <a:t>4/22/2018</a:t>
+              <a:t>4/23/2018</a:t>
             </a:fld>
             <a:endParaRPr lang="en-US"/>
           </a:p>
@@ -4103,6 +4544,174 @@
 </p:sld>
 </file>
 
+<file path=ppt/slides/slide10.xml><?xml version="1.0" encoding="utf-8"?>
+<p:sld xmlns:a="http://schemas.openxmlformats.org/drawingml/2006/main" xmlns:r="http://schemas.openxmlformats.org/officeDocument/2006/relationships" xmlns:p="http://schemas.openxmlformats.org/presentationml/2006/main">
+  <p:cSld>
+    <p:spTree>
+      <p:nvGrpSpPr>
+        <p:cNvPr id="1" name=""/>
+        <p:cNvGrpSpPr/>
+        <p:nvPr/>
+      </p:nvGrpSpPr>
+      <p:grpSpPr>
+        <a:xfrm>
+          <a:off x="0" y="0"/>
+          <a:ext cx="0" cy="0"/>
+          <a:chOff x="0" y="0"/>
+          <a:chExt cx="0" cy="0"/>
+        </a:xfrm>
+      </p:grpSpPr>
+      <p:sp>
+        <p:nvSpPr>
+          <p:cNvPr id="2" name="Title 1">
+            <a:extLst>
+              <a:ext uri="{FF2B5EF4-FFF2-40B4-BE49-F238E27FC236}">
+                <a16:creationId xmlns:a16="http://schemas.microsoft.com/office/drawing/2014/main" id="{D43E87D5-87D8-4A7E-A875-C44ED21E466F}"/>
+              </a:ext>
+            </a:extLst>
+          </p:cNvPr>
+          <p:cNvSpPr>
+            <a:spLocks noGrp="1"/>
+          </p:cNvSpPr>
+          <p:nvPr>
+            <p:ph type="title"/>
+          </p:nvPr>
+        </p:nvSpPr>
+        <p:spPr/>
+        <p:txBody>
+          <a:bodyPr/>
+          <a:lstStyle/>
+          <a:p>
+            <a:r>
+              <a:rPr lang="en-US" dirty="0"/>
+              <a:t>QA reference papers</a:t>
+            </a:r>
+          </a:p>
+        </p:txBody>
+      </p:sp>
+      <p:sp>
+        <p:nvSpPr>
+          <p:cNvPr id="5" name="Content Placeholder 4">
+            <a:extLst>
+              <a:ext uri="{FF2B5EF4-FFF2-40B4-BE49-F238E27FC236}">
+                <a16:creationId xmlns:a16="http://schemas.microsoft.com/office/drawing/2014/main" id="{CA17C93B-E3D3-4E4B-88B6-91E75176ABAA}"/>
+              </a:ext>
+            </a:extLst>
+          </p:cNvPr>
+          <p:cNvSpPr>
+            <a:spLocks noGrp="1"/>
+          </p:cNvSpPr>
+          <p:nvPr>
+            <p:ph idx="1"/>
+          </p:nvPr>
+        </p:nvSpPr>
+        <p:spPr/>
+        <p:txBody>
+          <a:bodyPr/>
+          <a:lstStyle/>
+          <a:p>
+            <a:endParaRPr lang="en-US"/>
+          </a:p>
+        </p:txBody>
+      </p:sp>
+    </p:spTree>
+    <p:extLst>
+      <p:ext uri="{BB962C8B-B14F-4D97-AF65-F5344CB8AC3E}">
+        <p14:creationId xmlns:p14="http://schemas.microsoft.com/office/powerpoint/2010/main" val="719593413"/>
+      </p:ext>
+    </p:extLst>
+  </p:cSld>
+  <p:clrMapOvr>
+    <a:masterClrMapping/>
+  </p:clrMapOvr>
+</p:sld>
+</file>
+
+<file path=ppt/slides/slide11.xml><?xml version="1.0" encoding="utf-8"?>
+<p:sld xmlns:a="http://schemas.openxmlformats.org/drawingml/2006/main" xmlns:r="http://schemas.openxmlformats.org/officeDocument/2006/relationships" xmlns:p="http://schemas.openxmlformats.org/presentationml/2006/main">
+  <p:cSld>
+    <p:spTree>
+      <p:nvGrpSpPr>
+        <p:cNvPr id="1" name=""/>
+        <p:cNvGrpSpPr/>
+        <p:nvPr/>
+      </p:nvGrpSpPr>
+      <p:grpSpPr>
+        <a:xfrm>
+          <a:off x="0" y="0"/>
+          <a:ext cx="0" cy="0"/>
+          <a:chOff x="0" y="0"/>
+          <a:chExt cx="0" cy="0"/>
+        </a:xfrm>
+      </p:grpSpPr>
+      <p:sp>
+        <p:nvSpPr>
+          <p:cNvPr id="2" name="Title 1">
+            <a:extLst>
+              <a:ext uri="{FF2B5EF4-FFF2-40B4-BE49-F238E27FC236}">
+                <a16:creationId xmlns:a16="http://schemas.microsoft.com/office/drawing/2014/main" id="{353CDAA7-0811-40DD-A2E7-C4FA5CD55BDE}"/>
+              </a:ext>
+            </a:extLst>
+          </p:cNvPr>
+          <p:cNvSpPr>
+            <a:spLocks noGrp="1"/>
+          </p:cNvSpPr>
+          <p:nvPr>
+            <p:ph type="title"/>
+          </p:nvPr>
+        </p:nvSpPr>
+        <p:spPr/>
+        <p:txBody>
+          <a:bodyPr>
+            <a:normAutofit/>
+          </a:bodyPr>
+          <a:lstStyle/>
+          <a:p>
+            <a:r>
+              <a:rPr lang="en-US" dirty="0"/>
+              <a:t>Novel visualization (Interactive interface) </a:t>
+            </a:r>
+          </a:p>
+        </p:txBody>
+      </p:sp>
+      <p:sp>
+        <p:nvSpPr>
+          <p:cNvPr id="3" name="Content Placeholder 2">
+            <a:extLst>
+              <a:ext uri="{FF2B5EF4-FFF2-40B4-BE49-F238E27FC236}">
+                <a16:creationId xmlns:a16="http://schemas.microsoft.com/office/drawing/2014/main" id="{95EE8CEF-8D27-4E43-B67C-F698D4718886}"/>
+              </a:ext>
+            </a:extLst>
+          </p:cNvPr>
+          <p:cNvSpPr>
+            <a:spLocks noGrp="1"/>
+          </p:cNvSpPr>
+          <p:nvPr>
+            <p:ph idx="1"/>
+          </p:nvPr>
+        </p:nvSpPr>
+        <p:spPr/>
+        <p:txBody>
+          <a:bodyPr/>
+          <a:lstStyle/>
+          <a:p>
+            <a:endParaRPr lang="en-US" dirty="0"/>
+          </a:p>
+        </p:txBody>
+      </p:sp>
+    </p:spTree>
+    <p:extLst>
+      <p:ext uri="{BB962C8B-B14F-4D97-AF65-F5344CB8AC3E}">
+        <p14:creationId xmlns:p14="http://schemas.microsoft.com/office/powerpoint/2010/main" val="1337596506"/>
+      </p:ext>
+    </p:extLst>
+  </p:cSld>
+  <p:clrMapOvr>
+    <a:masterClrMapping/>
+  </p:clrMapOvr>
+</p:sld>
+</file>
+
 <file path=ppt/slides/slide2.xml><?xml version="1.0" encoding="utf-8"?>
 <p:sld xmlns:a="http://schemas.openxmlformats.org/drawingml/2006/main" xmlns:r="http://schemas.openxmlformats.org/officeDocument/2006/relationships" xmlns:p="http://schemas.openxmlformats.org/presentationml/2006/main">
   <p:cSld>
@@ -4298,10 +4907,38 @@
           </a:p>
           <a:p>
             <a:pPr lvl="2"/>
-            <a:endParaRPr lang="en-US" dirty="0"/>
+            <a:r>
+              <a:rPr lang="en-US" dirty="0"/>
+              <a:t>Link to </a:t>
+            </a:r>
+            <a:r>
+              <a:rPr lang="en-US" dirty="0" err="1"/>
+              <a:t>verbnet</a:t>
+            </a:r>
+            <a:r>
+              <a:rPr lang="en-US" dirty="0"/>
+              <a:t> semantic predicates</a:t>
+            </a:r>
           </a:p>
           <a:p>
             <a:pPr lvl="2"/>
+            <a:r>
+              <a:rPr lang="en-US" dirty="0"/>
+              <a:t>Link </a:t>
+            </a:r>
+            <a:r>
+              <a:rPr lang="en-US" dirty="0" err="1"/>
+              <a:t>verbnet</a:t>
+            </a:r>
+            <a:r>
+              <a:rPr lang="en-US" dirty="0"/>
+              <a:t> frame to sentence frames </a:t>
+            </a:r>
+          </a:p>
+          <a:p>
+            <a:pPr marL="548640" lvl="2" indent="0">
+              <a:buNone/>
+            </a:pPr>
             <a:endParaRPr lang="en-US" dirty="0"/>
           </a:p>
           <a:p>
@@ -4368,20 +5005,35 @@
               <a:rPr lang="en-US" dirty="0"/>
               <a:t>Others</a:t>
             </a:r>
+            <a:r>
+              <a:rPr lang="zh-TW" altLang="en-US" dirty="0"/>
+              <a:t> </a:t>
+            </a:r>
+            <a:r>
+              <a:rPr lang="en-US" altLang="zh-TW" dirty="0"/>
+              <a:t>(would like to try)</a:t>
+            </a:r>
+            <a:endParaRPr lang="en-US" dirty="0"/>
           </a:p>
           <a:p>
             <a:pPr lvl="2"/>
             <a:r>
-              <a:rPr lang="en-US" dirty="0"/>
+              <a:rPr lang="en-US" dirty="0">
+                <a:hlinkClick r:id="rId3" action="ppaction://hlinksldjump"/>
+              </a:rPr>
               <a:t>Task visualization interface</a:t>
             </a:r>
+            <a:endParaRPr lang="en-US" dirty="0"/>
           </a:p>
           <a:p>
             <a:pPr lvl="2"/>
             <a:r>
-              <a:rPr lang="en-US" dirty="0"/>
+              <a:rPr lang="en-US" dirty="0">
+                <a:hlinkClick r:id="rId4" action="ppaction://hlinksldjump"/>
+              </a:rPr>
               <a:t>Simple learning method for new verb</a:t>
             </a:r>
+            <a:endParaRPr lang="en-US" dirty="0"/>
           </a:p>
         </p:txBody>
       </p:sp>
@@ -4589,7 +5241,7 @@
           <p:cNvPr id="2" name="Title 1">
             <a:extLst>
               <a:ext uri="{FF2B5EF4-FFF2-40B4-BE49-F238E27FC236}">
-                <a16:creationId xmlns:a16="http://schemas.microsoft.com/office/drawing/2014/main" id="{D43E87D5-87D8-4A7E-A875-C44ED21E466F}"/>
+                <a16:creationId xmlns:a16="http://schemas.microsoft.com/office/drawing/2014/main" id="{B87D798A-64B7-40E7-9082-7E4E7B4FDFC3}"/>
               </a:ext>
             </a:extLst>
           </p:cNvPr>
@@ -4607,17 +5259,17 @@
           <a:p>
             <a:r>
               <a:rPr lang="en-US" dirty="0"/>
-              <a:t>QA reference papers</a:t>
-            </a:r>
-          </a:p>
-        </p:txBody>
-      </p:sp>
-      <p:sp>
-        <p:nvSpPr>
-          <p:cNvPr id="5" name="Content Placeholder 4">
+              <a:t>Simple learning(?)     </a:t>
+            </a:r>
+          </a:p>
+        </p:txBody>
+      </p:sp>
+      <p:sp>
+        <p:nvSpPr>
+          <p:cNvPr id="3" name="Content Placeholder 2">
             <a:extLst>
               <a:ext uri="{FF2B5EF4-FFF2-40B4-BE49-F238E27FC236}">
-                <a16:creationId xmlns:a16="http://schemas.microsoft.com/office/drawing/2014/main" id="{CA17C93B-E3D3-4E4B-88B6-91E75176ABAA}"/>
+                <a16:creationId xmlns:a16="http://schemas.microsoft.com/office/drawing/2014/main" id="{1B1F9A0B-D638-4971-92AE-ABD7AF192C67}"/>
               </a:ext>
             </a:extLst>
           </p:cNvPr>
@@ -4628,19 +5280,995 @@
             <p:ph idx="1"/>
           </p:nvPr>
         </p:nvSpPr>
-        <p:spPr/>
+        <p:spPr>
+          <a:xfrm>
+            <a:off x="1069848" y="2121408"/>
+            <a:ext cx="10058400" cy="4736592"/>
+          </a:xfrm>
+        </p:spPr>
         <p:txBody>
           <a:bodyPr/>
           <a:lstStyle/>
           <a:p>
-            <a:endParaRPr lang="en-US"/>
+            <a:r>
+              <a:rPr lang="en-US" dirty="0"/>
+              <a:t>Add unknown verbs (how new verbs influence states?)</a:t>
+            </a:r>
+          </a:p>
+          <a:p>
+            <a:pPr lvl="1"/>
+            <a:r>
+              <a:rPr lang="en-US" dirty="0"/>
+              <a:t>Action</a:t>
+            </a:r>
+          </a:p>
+          <a:p>
+            <a:pPr lvl="2"/>
+            <a:r>
+              <a:rPr lang="en-US" dirty="0"/>
+              <a:t>Add states list</a:t>
+            </a:r>
+          </a:p>
+          <a:p>
+            <a:pPr lvl="2"/>
+            <a:r>
+              <a:rPr lang="en-US" dirty="0"/>
+              <a:t>Minus states list</a:t>
+            </a:r>
+          </a:p>
+          <a:p>
+            <a:pPr lvl="2"/>
+            <a:r>
+              <a:rPr lang="en-US" dirty="0"/>
+              <a:t>Update states list  - Minus(old),  Add(new)</a:t>
+            </a:r>
+          </a:p>
+          <a:p>
+            <a:r>
+              <a:rPr lang="en-US" dirty="0"/>
+              <a:t>State tree for actors( like behavior tree)</a:t>
+            </a:r>
+          </a:p>
+        </p:txBody>
+      </p:sp>
+      <p:sp>
+        <p:nvSpPr>
+          <p:cNvPr id="12" name="Rectangle 11">
+            <a:extLst>
+              <a:ext uri="{FF2B5EF4-FFF2-40B4-BE49-F238E27FC236}">
+                <a16:creationId xmlns:a16="http://schemas.microsoft.com/office/drawing/2014/main" id="{A5556229-500C-43BD-9B9E-5053E385E035}"/>
+              </a:ext>
+            </a:extLst>
+          </p:cNvPr>
+          <p:cNvSpPr/>
+          <p:nvPr/>
+        </p:nvSpPr>
+        <p:spPr>
+          <a:xfrm>
+            <a:off x="739124" y="4165007"/>
+            <a:ext cx="1568741" cy="436228"/>
+          </a:xfrm>
+          <a:prstGeom prst="rect">
+            <a:avLst/>
+          </a:prstGeom>
+        </p:spPr>
+        <p:style>
+          <a:lnRef idx="2">
+            <a:schemeClr val="accent5"/>
+          </a:lnRef>
+          <a:fillRef idx="1">
+            <a:schemeClr val="lt1"/>
+          </a:fillRef>
+          <a:effectRef idx="0">
+            <a:schemeClr val="accent5"/>
+          </a:effectRef>
+          <a:fontRef idx="minor">
+            <a:schemeClr val="dk1"/>
+          </a:fontRef>
+        </p:style>
+        <p:txBody>
+          <a:bodyPr rtlCol="0" anchor="ctr"/>
+          <a:lstStyle/>
+          <a:p>
+            <a:pPr algn="ctr"/>
+            <a:r>
+              <a:rPr lang="en-US" dirty="0"/>
+              <a:t>Move</a:t>
+            </a:r>
+          </a:p>
+        </p:txBody>
+      </p:sp>
+      <p:sp>
+        <p:nvSpPr>
+          <p:cNvPr id="13" name="Rectangle 12">
+            <a:extLst>
+              <a:ext uri="{FF2B5EF4-FFF2-40B4-BE49-F238E27FC236}">
+                <a16:creationId xmlns:a16="http://schemas.microsoft.com/office/drawing/2014/main" id="{8777B11B-579F-4EA0-9F5D-F47E60020D56}"/>
+              </a:ext>
+            </a:extLst>
+          </p:cNvPr>
+          <p:cNvSpPr/>
+          <p:nvPr/>
+        </p:nvSpPr>
+        <p:spPr>
+          <a:xfrm>
+            <a:off x="739123" y="5216860"/>
+            <a:ext cx="1568741" cy="436228"/>
+          </a:xfrm>
+          <a:prstGeom prst="rect">
+            <a:avLst/>
+          </a:prstGeom>
+        </p:spPr>
+        <p:style>
+          <a:lnRef idx="2">
+            <a:schemeClr val="accent5"/>
+          </a:lnRef>
+          <a:fillRef idx="1">
+            <a:schemeClr val="lt1"/>
+          </a:fillRef>
+          <a:effectRef idx="0">
+            <a:schemeClr val="accent5"/>
+          </a:effectRef>
+          <a:fontRef idx="minor">
+            <a:schemeClr val="dk1"/>
+          </a:fontRef>
+        </p:style>
+        <p:txBody>
+          <a:bodyPr rtlCol="0" anchor="ctr"/>
+          <a:lstStyle/>
+          <a:p>
+            <a:pPr algn="ctr"/>
+            <a:r>
+              <a:rPr lang="en-US" dirty="0"/>
+              <a:t>Update (at)</a:t>
+            </a:r>
+          </a:p>
+        </p:txBody>
+      </p:sp>
+      <p:cxnSp>
+        <p:nvCxnSpPr>
+          <p:cNvPr id="23" name="Straight Arrow Connector 22">
+            <a:extLst>
+              <a:ext uri="{FF2B5EF4-FFF2-40B4-BE49-F238E27FC236}">
+                <a16:creationId xmlns:a16="http://schemas.microsoft.com/office/drawing/2014/main" id="{A3D451D4-C006-4DDC-B228-3B1DD1E32DBF}"/>
+              </a:ext>
+            </a:extLst>
+          </p:cNvPr>
+          <p:cNvCxnSpPr>
+            <a:stCxn id="12" idx="2"/>
+            <a:endCxn id="13" idx="0"/>
+          </p:cNvCxnSpPr>
+          <p:nvPr/>
+        </p:nvCxnSpPr>
+        <p:spPr>
+          <a:xfrm flipH="1">
+            <a:off x="1523494" y="4601235"/>
+            <a:ext cx="1" cy="615625"/>
+          </a:xfrm>
+          <a:prstGeom prst="straightConnector1">
+            <a:avLst/>
+          </a:prstGeom>
+          <a:ln>
+            <a:tailEnd type="triangle"/>
+          </a:ln>
+        </p:spPr>
+        <p:style>
+          <a:lnRef idx="1">
+            <a:schemeClr val="accent1"/>
+          </a:lnRef>
+          <a:fillRef idx="0">
+            <a:schemeClr val="accent1"/>
+          </a:fillRef>
+          <a:effectRef idx="0">
+            <a:schemeClr val="accent1"/>
+          </a:effectRef>
+          <a:fontRef idx="minor">
+            <a:schemeClr val="tx1"/>
+          </a:fontRef>
+        </p:style>
+      </p:cxnSp>
+      <p:sp>
+        <p:nvSpPr>
+          <p:cNvPr id="52" name="Rectangle 51">
+            <a:extLst>
+              <a:ext uri="{FF2B5EF4-FFF2-40B4-BE49-F238E27FC236}">
+                <a16:creationId xmlns:a16="http://schemas.microsoft.com/office/drawing/2014/main" id="{83A2D514-B5F0-43F0-8B98-D503B12A0E08}"/>
+              </a:ext>
+            </a:extLst>
+          </p:cNvPr>
+          <p:cNvSpPr/>
+          <p:nvPr/>
+        </p:nvSpPr>
+        <p:spPr>
+          <a:xfrm>
+            <a:off x="525204" y="6244636"/>
+            <a:ext cx="1996578" cy="436228"/>
+          </a:xfrm>
+          <a:prstGeom prst="rect">
+            <a:avLst/>
+          </a:prstGeom>
+        </p:spPr>
+        <p:style>
+          <a:lnRef idx="2">
+            <a:schemeClr val="accent5"/>
+          </a:lnRef>
+          <a:fillRef idx="1">
+            <a:schemeClr val="lt1"/>
+          </a:fillRef>
+          <a:effectRef idx="0">
+            <a:schemeClr val="accent5"/>
+          </a:effectRef>
+          <a:fontRef idx="minor">
+            <a:schemeClr val="dk1"/>
+          </a:fontRef>
+        </p:style>
+        <p:txBody>
+          <a:bodyPr rtlCol="0" anchor="ctr"/>
+          <a:lstStyle/>
+          <a:p>
+            <a:pPr algn="ctr"/>
+            <a:r>
+              <a:rPr lang="en-US" dirty="0"/>
+              <a:t>Minus (old at)</a:t>
+            </a:r>
+          </a:p>
+        </p:txBody>
+      </p:sp>
+      <p:sp>
+        <p:nvSpPr>
+          <p:cNvPr id="53" name="Rectangle 52">
+            <a:extLst>
+              <a:ext uri="{FF2B5EF4-FFF2-40B4-BE49-F238E27FC236}">
+                <a16:creationId xmlns:a16="http://schemas.microsoft.com/office/drawing/2014/main" id="{1E33A576-4CC7-47F1-9E91-B3E7EC2CFE88}"/>
+              </a:ext>
+            </a:extLst>
+          </p:cNvPr>
+          <p:cNvSpPr/>
+          <p:nvPr/>
+        </p:nvSpPr>
+        <p:spPr>
+          <a:xfrm>
+            <a:off x="2833440" y="6244956"/>
+            <a:ext cx="1568741" cy="436228"/>
+          </a:xfrm>
+          <a:prstGeom prst="rect">
+            <a:avLst/>
+          </a:prstGeom>
+        </p:spPr>
+        <p:style>
+          <a:lnRef idx="2">
+            <a:schemeClr val="accent5"/>
+          </a:lnRef>
+          <a:fillRef idx="1">
+            <a:schemeClr val="lt1"/>
+          </a:fillRef>
+          <a:effectRef idx="0">
+            <a:schemeClr val="accent5"/>
+          </a:effectRef>
+          <a:fontRef idx="minor">
+            <a:schemeClr val="dk1"/>
+          </a:fontRef>
+        </p:style>
+        <p:txBody>
+          <a:bodyPr rtlCol="0" anchor="ctr"/>
+          <a:lstStyle/>
+          <a:p>
+            <a:pPr algn="ctr"/>
+            <a:r>
+              <a:rPr lang="en-US" dirty="0"/>
+              <a:t>Add (new at)</a:t>
+            </a:r>
+          </a:p>
+        </p:txBody>
+      </p:sp>
+      <p:cxnSp>
+        <p:nvCxnSpPr>
+          <p:cNvPr id="64" name="Straight Arrow Connector 63">
+            <a:extLst>
+              <a:ext uri="{FF2B5EF4-FFF2-40B4-BE49-F238E27FC236}">
+                <a16:creationId xmlns:a16="http://schemas.microsoft.com/office/drawing/2014/main" id="{6AAF6B51-EC9E-49E7-8F97-473C7F5135AA}"/>
+              </a:ext>
+            </a:extLst>
+          </p:cNvPr>
+          <p:cNvCxnSpPr>
+            <a:cxnSpLocks/>
+            <a:stCxn id="13" idx="2"/>
+            <a:endCxn id="52" idx="0"/>
+          </p:cNvCxnSpPr>
+          <p:nvPr/>
+        </p:nvCxnSpPr>
+        <p:spPr>
+          <a:xfrm flipH="1">
+            <a:off x="1523493" y="5653088"/>
+            <a:ext cx="1" cy="591548"/>
+          </a:xfrm>
+          <a:prstGeom prst="straightConnector1">
+            <a:avLst/>
+          </a:prstGeom>
+          <a:ln>
+            <a:tailEnd type="triangle"/>
+          </a:ln>
+        </p:spPr>
+        <p:style>
+          <a:lnRef idx="1">
+            <a:schemeClr val="accent1"/>
+          </a:lnRef>
+          <a:fillRef idx="0">
+            <a:schemeClr val="accent1"/>
+          </a:fillRef>
+          <a:effectRef idx="0">
+            <a:schemeClr val="accent1"/>
+          </a:effectRef>
+          <a:fontRef idx="minor">
+            <a:schemeClr val="tx1"/>
+          </a:fontRef>
+        </p:style>
+      </p:cxnSp>
+      <p:sp>
+        <p:nvSpPr>
+          <p:cNvPr id="68" name="Rectangle 67">
+            <a:extLst>
+              <a:ext uri="{FF2B5EF4-FFF2-40B4-BE49-F238E27FC236}">
+                <a16:creationId xmlns:a16="http://schemas.microsoft.com/office/drawing/2014/main" id="{3D477AFC-2694-43D1-B557-35C5A9094289}"/>
+              </a:ext>
+            </a:extLst>
+          </p:cNvPr>
+          <p:cNvSpPr/>
+          <p:nvPr/>
+        </p:nvSpPr>
+        <p:spPr>
+          <a:xfrm>
+            <a:off x="4677639" y="4165007"/>
+            <a:ext cx="1568741" cy="436228"/>
+          </a:xfrm>
+          <a:prstGeom prst="rect">
+            <a:avLst/>
+          </a:prstGeom>
+        </p:spPr>
+        <p:style>
+          <a:lnRef idx="2">
+            <a:schemeClr val="accent5"/>
+          </a:lnRef>
+          <a:fillRef idx="1">
+            <a:schemeClr val="lt1"/>
+          </a:fillRef>
+          <a:effectRef idx="0">
+            <a:schemeClr val="accent5"/>
+          </a:effectRef>
+          <a:fontRef idx="minor">
+            <a:schemeClr val="dk1"/>
+          </a:fontRef>
+        </p:style>
+        <p:txBody>
+          <a:bodyPr rtlCol="0" anchor="ctr"/>
+          <a:lstStyle/>
+          <a:p>
+            <a:pPr algn="ctr"/>
+            <a:r>
+              <a:rPr lang="en-US" dirty="0"/>
+              <a:t>Cut</a:t>
+            </a:r>
+          </a:p>
+        </p:txBody>
+      </p:sp>
+      <p:sp>
+        <p:nvSpPr>
+          <p:cNvPr id="69" name="Rectangle 68">
+            <a:extLst>
+              <a:ext uri="{FF2B5EF4-FFF2-40B4-BE49-F238E27FC236}">
+                <a16:creationId xmlns:a16="http://schemas.microsoft.com/office/drawing/2014/main" id="{BFB15700-ACF7-40CF-9CEB-3766E16474C0}"/>
+              </a:ext>
+            </a:extLst>
+          </p:cNvPr>
+          <p:cNvSpPr/>
+          <p:nvPr/>
+        </p:nvSpPr>
+        <p:spPr>
+          <a:xfrm>
+            <a:off x="4682902" y="5130137"/>
+            <a:ext cx="1568741" cy="436228"/>
+          </a:xfrm>
+          <a:prstGeom prst="rect">
+            <a:avLst/>
+          </a:prstGeom>
+        </p:spPr>
+        <p:style>
+          <a:lnRef idx="2">
+            <a:schemeClr val="accent5"/>
+          </a:lnRef>
+          <a:fillRef idx="1">
+            <a:schemeClr val="lt1"/>
+          </a:fillRef>
+          <a:effectRef idx="0">
+            <a:schemeClr val="accent5"/>
+          </a:effectRef>
+          <a:fontRef idx="minor">
+            <a:schemeClr val="dk1"/>
+          </a:fontRef>
+        </p:style>
+        <p:txBody>
+          <a:bodyPr rtlCol="0" anchor="ctr"/>
+          <a:lstStyle/>
+          <a:p>
+            <a:pPr algn="ctr"/>
+            <a:r>
+              <a:rPr lang="en-US" dirty="0"/>
+              <a:t>Minus (has)</a:t>
+            </a:r>
+          </a:p>
+        </p:txBody>
+      </p:sp>
+      <p:cxnSp>
+        <p:nvCxnSpPr>
+          <p:cNvPr id="71" name="Straight Arrow Connector 70">
+            <a:extLst>
+              <a:ext uri="{FF2B5EF4-FFF2-40B4-BE49-F238E27FC236}">
+                <a16:creationId xmlns:a16="http://schemas.microsoft.com/office/drawing/2014/main" id="{3B231A08-0DCC-4D6D-A1F3-95F97543EBF1}"/>
+              </a:ext>
+            </a:extLst>
+          </p:cNvPr>
+          <p:cNvCxnSpPr>
+            <a:stCxn id="68" idx="2"/>
+            <a:endCxn id="69" idx="0"/>
+          </p:cNvCxnSpPr>
+          <p:nvPr/>
+        </p:nvCxnSpPr>
+        <p:spPr>
+          <a:xfrm>
+            <a:off x="5462010" y="4601235"/>
+            <a:ext cx="5263" cy="528902"/>
+          </a:xfrm>
+          <a:prstGeom prst="straightConnector1">
+            <a:avLst/>
+          </a:prstGeom>
+          <a:ln>
+            <a:tailEnd type="triangle"/>
+          </a:ln>
+        </p:spPr>
+        <p:style>
+          <a:lnRef idx="1">
+            <a:schemeClr val="accent1"/>
+          </a:lnRef>
+          <a:fillRef idx="0">
+            <a:schemeClr val="accent1"/>
+          </a:fillRef>
+          <a:effectRef idx="0">
+            <a:schemeClr val="accent1"/>
+          </a:effectRef>
+          <a:fontRef idx="minor">
+            <a:schemeClr val="tx1"/>
+          </a:fontRef>
+        </p:style>
+      </p:cxnSp>
+      <p:sp>
+        <p:nvSpPr>
+          <p:cNvPr id="77" name="Rectangle 76">
+            <a:extLst>
+              <a:ext uri="{FF2B5EF4-FFF2-40B4-BE49-F238E27FC236}">
+                <a16:creationId xmlns:a16="http://schemas.microsoft.com/office/drawing/2014/main" id="{533A38BE-E26B-4B4C-9E25-9D022440CE86}"/>
+              </a:ext>
+            </a:extLst>
+          </p:cNvPr>
+          <p:cNvSpPr/>
+          <p:nvPr/>
+        </p:nvSpPr>
+        <p:spPr>
+          <a:xfrm>
+            <a:off x="6906879" y="4165007"/>
+            <a:ext cx="1568741" cy="436228"/>
+          </a:xfrm>
+          <a:prstGeom prst="rect">
+            <a:avLst/>
+          </a:prstGeom>
+        </p:spPr>
+        <p:style>
+          <a:lnRef idx="2">
+            <a:schemeClr val="accent5"/>
+          </a:lnRef>
+          <a:fillRef idx="1">
+            <a:schemeClr val="lt1"/>
+          </a:fillRef>
+          <a:effectRef idx="0">
+            <a:schemeClr val="accent5"/>
+          </a:effectRef>
+          <a:fontRef idx="minor">
+            <a:schemeClr val="dk1"/>
+          </a:fontRef>
+        </p:style>
+        <p:txBody>
+          <a:bodyPr rtlCol="0" anchor="ctr"/>
+          <a:lstStyle/>
+          <a:p>
+            <a:pPr algn="ctr"/>
+            <a:r>
+              <a:rPr lang="en-US" dirty="0"/>
+              <a:t>Link</a:t>
+            </a:r>
+          </a:p>
+        </p:txBody>
+      </p:sp>
+      <p:sp>
+        <p:nvSpPr>
+          <p:cNvPr id="78" name="Rectangle 77">
+            <a:extLst>
+              <a:ext uri="{FF2B5EF4-FFF2-40B4-BE49-F238E27FC236}">
+                <a16:creationId xmlns:a16="http://schemas.microsoft.com/office/drawing/2014/main" id="{16514988-E302-4023-9D69-23140216A07F}"/>
+              </a:ext>
+            </a:extLst>
+          </p:cNvPr>
+          <p:cNvSpPr/>
+          <p:nvPr/>
+        </p:nvSpPr>
+        <p:spPr>
+          <a:xfrm>
+            <a:off x="6906880" y="5211571"/>
+            <a:ext cx="1568741" cy="436228"/>
+          </a:xfrm>
+          <a:prstGeom prst="rect">
+            <a:avLst/>
+          </a:prstGeom>
+        </p:spPr>
+        <p:style>
+          <a:lnRef idx="2">
+            <a:schemeClr val="accent5"/>
+          </a:lnRef>
+          <a:fillRef idx="1">
+            <a:schemeClr val="lt1"/>
+          </a:fillRef>
+          <a:effectRef idx="0">
+            <a:schemeClr val="accent5"/>
+          </a:effectRef>
+          <a:fontRef idx="minor">
+            <a:schemeClr val="dk1"/>
+          </a:fontRef>
+        </p:style>
+        <p:txBody>
+          <a:bodyPr rtlCol="0" anchor="ctr"/>
+          <a:lstStyle/>
+          <a:p>
+            <a:pPr algn="ctr"/>
+            <a:r>
+              <a:rPr lang="en-US" dirty="0"/>
+              <a:t>Add (has)</a:t>
+            </a:r>
+          </a:p>
+        </p:txBody>
+      </p:sp>
+      <p:sp>
+        <p:nvSpPr>
+          <p:cNvPr id="79" name="Rectangle 78">
+            <a:extLst>
+              <a:ext uri="{FF2B5EF4-FFF2-40B4-BE49-F238E27FC236}">
+                <a16:creationId xmlns:a16="http://schemas.microsoft.com/office/drawing/2014/main" id="{511AF983-FDA2-4FD4-8FBE-103C27C72CC1}"/>
+              </a:ext>
+            </a:extLst>
+          </p:cNvPr>
+          <p:cNvSpPr/>
+          <p:nvPr/>
+        </p:nvSpPr>
+        <p:spPr>
+          <a:xfrm>
+            <a:off x="8724744" y="5211571"/>
+            <a:ext cx="1568741" cy="436228"/>
+          </a:xfrm>
+          <a:prstGeom prst="rect">
+            <a:avLst/>
+          </a:prstGeom>
+        </p:spPr>
+        <p:style>
+          <a:lnRef idx="2">
+            <a:schemeClr val="accent5"/>
+          </a:lnRef>
+          <a:fillRef idx="1">
+            <a:schemeClr val="lt1"/>
+          </a:fillRef>
+          <a:effectRef idx="0">
+            <a:schemeClr val="accent5"/>
+          </a:effectRef>
+          <a:fontRef idx="minor">
+            <a:schemeClr val="dk1"/>
+          </a:fontRef>
+        </p:style>
+        <p:txBody>
+          <a:bodyPr rtlCol="0" anchor="ctr"/>
+          <a:lstStyle/>
+          <a:p>
+            <a:pPr algn="ctr"/>
+            <a:r>
+              <a:rPr lang="en-US" dirty="0"/>
+              <a:t>Update (at)</a:t>
+            </a:r>
+          </a:p>
+        </p:txBody>
+      </p:sp>
+      <p:cxnSp>
+        <p:nvCxnSpPr>
+          <p:cNvPr id="80" name="Straight Arrow Connector 79">
+            <a:extLst>
+              <a:ext uri="{FF2B5EF4-FFF2-40B4-BE49-F238E27FC236}">
+                <a16:creationId xmlns:a16="http://schemas.microsoft.com/office/drawing/2014/main" id="{C6886B77-C009-4696-817A-1D021B15BCE8}"/>
+              </a:ext>
+            </a:extLst>
+          </p:cNvPr>
+          <p:cNvCxnSpPr>
+            <a:stCxn id="77" idx="2"/>
+            <a:endCxn id="78" idx="0"/>
+          </p:cNvCxnSpPr>
+          <p:nvPr/>
+        </p:nvCxnSpPr>
+        <p:spPr>
+          <a:xfrm>
+            <a:off x="7691250" y="4601235"/>
+            <a:ext cx="1" cy="610336"/>
+          </a:xfrm>
+          <a:prstGeom prst="straightConnector1">
+            <a:avLst/>
+          </a:prstGeom>
+          <a:ln>
+            <a:tailEnd type="triangle"/>
+          </a:ln>
+        </p:spPr>
+        <p:style>
+          <a:lnRef idx="1">
+            <a:schemeClr val="accent1"/>
+          </a:lnRef>
+          <a:fillRef idx="0">
+            <a:schemeClr val="accent1"/>
+          </a:fillRef>
+          <a:effectRef idx="0">
+            <a:schemeClr val="accent1"/>
+          </a:effectRef>
+          <a:fontRef idx="minor">
+            <a:schemeClr val="tx1"/>
+          </a:fontRef>
+        </p:style>
+      </p:cxnSp>
+      <p:sp>
+        <p:nvSpPr>
+          <p:cNvPr id="81" name="Rectangle 80">
+            <a:extLst>
+              <a:ext uri="{FF2B5EF4-FFF2-40B4-BE49-F238E27FC236}">
+                <a16:creationId xmlns:a16="http://schemas.microsoft.com/office/drawing/2014/main" id="{0DA460DF-F4B1-4967-B8B0-BC94D28DA131}"/>
+              </a:ext>
+            </a:extLst>
+          </p:cNvPr>
+          <p:cNvSpPr/>
+          <p:nvPr/>
+        </p:nvSpPr>
+        <p:spPr>
+          <a:xfrm>
+            <a:off x="7400682" y="6219020"/>
+            <a:ext cx="1996578" cy="436228"/>
+          </a:xfrm>
+          <a:prstGeom prst="rect">
+            <a:avLst/>
+          </a:prstGeom>
+        </p:spPr>
+        <p:style>
+          <a:lnRef idx="2">
+            <a:schemeClr val="accent5"/>
+          </a:lnRef>
+          <a:fillRef idx="1">
+            <a:schemeClr val="lt1"/>
+          </a:fillRef>
+          <a:effectRef idx="0">
+            <a:schemeClr val="accent5"/>
+          </a:effectRef>
+          <a:fontRef idx="minor">
+            <a:schemeClr val="dk1"/>
+          </a:fontRef>
+        </p:style>
+        <p:txBody>
+          <a:bodyPr rtlCol="0" anchor="ctr"/>
+          <a:lstStyle/>
+          <a:p>
+            <a:pPr algn="ctr"/>
+            <a:r>
+              <a:rPr lang="en-US" dirty="0"/>
+              <a:t>Minus (old at)</a:t>
+            </a:r>
+          </a:p>
+        </p:txBody>
+      </p:sp>
+      <p:sp>
+        <p:nvSpPr>
+          <p:cNvPr id="82" name="Rectangle 81">
+            <a:extLst>
+              <a:ext uri="{FF2B5EF4-FFF2-40B4-BE49-F238E27FC236}">
+                <a16:creationId xmlns:a16="http://schemas.microsoft.com/office/drawing/2014/main" id="{38537B87-0D6E-4C56-AFBA-A02E2DC364BF}"/>
+              </a:ext>
+            </a:extLst>
+          </p:cNvPr>
+          <p:cNvSpPr/>
+          <p:nvPr/>
+        </p:nvSpPr>
+        <p:spPr>
+          <a:xfrm>
+            <a:off x="9475359" y="6219020"/>
+            <a:ext cx="1568741" cy="436228"/>
+          </a:xfrm>
+          <a:prstGeom prst="rect">
+            <a:avLst/>
+          </a:prstGeom>
+        </p:spPr>
+        <p:style>
+          <a:lnRef idx="2">
+            <a:schemeClr val="accent5"/>
+          </a:lnRef>
+          <a:fillRef idx="1">
+            <a:schemeClr val="lt1"/>
+          </a:fillRef>
+          <a:effectRef idx="0">
+            <a:schemeClr val="accent5"/>
+          </a:effectRef>
+          <a:fontRef idx="minor">
+            <a:schemeClr val="dk1"/>
+          </a:fontRef>
+        </p:style>
+        <p:txBody>
+          <a:bodyPr rtlCol="0" anchor="ctr"/>
+          <a:lstStyle/>
+          <a:p>
+            <a:pPr algn="ctr"/>
+            <a:r>
+              <a:rPr lang="en-US" dirty="0"/>
+              <a:t>Add (new at)</a:t>
+            </a:r>
+          </a:p>
+        </p:txBody>
+      </p:sp>
+      <p:cxnSp>
+        <p:nvCxnSpPr>
+          <p:cNvPr id="83" name="Straight Arrow Connector 82">
+            <a:extLst>
+              <a:ext uri="{FF2B5EF4-FFF2-40B4-BE49-F238E27FC236}">
+                <a16:creationId xmlns:a16="http://schemas.microsoft.com/office/drawing/2014/main" id="{D0416BCE-C21C-4052-92C2-3CC4E7459C9E}"/>
+              </a:ext>
+            </a:extLst>
+          </p:cNvPr>
+          <p:cNvCxnSpPr>
+            <a:cxnSpLocks/>
+            <a:stCxn id="79" idx="2"/>
+            <a:endCxn id="81" idx="0"/>
+          </p:cNvCxnSpPr>
+          <p:nvPr/>
+        </p:nvCxnSpPr>
+        <p:spPr>
+          <a:xfrm flipH="1">
+            <a:off x="8398971" y="5647799"/>
+            <a:ext cx="1110144" cy="571221"/>
+          </a:xfrm>
+          <a:prstGeom prst="straightConnector1">
+            <a:avLst/>
+          </a:prstGeom>
+          <a:ln>
+            <a:tailEnd type="triangle"/>
+          </a:ln>
+        </p:spPr>
+        <p:style>
+          <a:lnRef idx="1">
+            <a:schemeClr val="accent1"/>
+          </a:lnRef>
+          <a:fillRef idx="0">
+            <a:schemeClr val="accent1"/>
+          </a:fillRef>
+          <a:effectRef idx="0">
+            <a:schemeClr val="accent1"/>
+          </a:effectRef>
+          <a:fontRef idx="minor">
+            <a:schemeClr val="tx1"/>
+          </a:fontRef>
+        </p:style>
+      </p:cxnSp>
+      <p:cxnSp>
+        <p:nvCxnSpPr>
+          <p:cNvPr id="84" name="Straight Arrow Connector 83">
+            <a:extLst>
+              <a:ext uri="{FF2B5EF4-FFF2-40B4-BE49-F238E27FC236}">
+                <a16:creationId xmlns:a16="http://schemas.microsoft.com/office/drawing/2014/main" id="{752009EC-FB84-4DC8-B877-E62F5F70AFA1}"/>
+              </a:ext>
+            </a:extLst>
+          </p:cNvPr>
+          <p:cNvCxnSpPr>
+            <a:cxnSpLocks/>
+            <a:stCxn id="79" idx="2"/>
+            <a:endCxn id="82" idx="0"/>
+          </p:cNvCxnSpPr>
+          <p:nvPr/>
+        </p:nvCxnSpPr>
+        <p:spPr>
+          <a:xfrm>
+            <a:off x="9509115" y="5647799"/>
+            <a:ext cx="750615" cy="571221"/>
+          </a:xfrm>
+          <a:prstGeom prst="straightConnector1">
+            <a:avLst/>
+          </a:prstGeom>
+          <a:ln>
+            <a:tailEnd type="triangle"/>
+          </a:ln>
+        </p:spPr>
+        <p:style>
+          <a:lnRef idx="1">
+            <a:schemeClr val="accent1"/>
+          </a:lnRef>
+          <a:fillRef idx="0">
+            <a:schemeClr val="accent1"/>
+          </a:fillRef>
+          <a:effectRef idx="0">
+            <a:schemeClr val="accent1"/>
+          </a:effectRef>
+          <a:fontRef idx="minor">
+            <a:schemeClr val="tx1"/>
+          </a:fontRef>
+        </p:style>
+      </p:cxnSp>
+      <p:cxnSp>
+        <p:nvCxnSpPr>
+          <p:cNvPr id="89" name="Straight Arrow Connector 88">
+            <a:extLst>
+              <a:ext uri="{FF2B5EF4-FFF2-40B4-BE49-F238E27FC236}">
+                <a16:creationId xmlns:a16="http://schemas.microsoft.com/office/drawing/2014/main" id="{E05D2E4C-D472-4E0A-9306-93E25E04B481}"/>
+              </a:ext>
+            </a:extLst>
+          </p:cNvPr>
+          <p:cNvCxnSpPr>
+            <a:stCxn id="78" idx="3"/>
+            <a:endCxn id="79" idx="1"/>
+          </p:cNvCxnSpPr>
+          <p:nvPr/>
+        </p:nvCxnSpPr>
+        <p:spPr>
+          <a:xfrm>
+            <a:off x="8475621" y="5429685"/>
+            <a:ext cx="249123" cy="0"/>
+          </a:xfrm>
+          <a:prstGeom prst="straightConnector1">
+            <a:avLst/>
+          </a:prstGeom>
+          <a:ln>
+            <a:tailEnd type="triangle"/>
+          </a:ln>
+        </p:spPr>
+        <p:style>
+          <a:lnRef idx="1">
+            <a:schemeClr val="accent1"/>
+          </a:lnRef>
+          <a:fillRef idx="0">
+            <a:schemeClr val="accent1"/>
+          </a:fillRef>
+          <a:effectRef idx="0">
+            <a:schemeClr val="accent1"/>
+          </a:effectRef>
+          <a:fontRef idx="minor">
+            <a:schemeClr val="tx1"/>
+          </a:fontRef>
+        </p:style>
+      </p:cxnSp>
+      <p:cxnSp>
+        <p:nvCxnSpPr>
+          <p:cNvPr id="95" name="Straight Arrow Connector 94">
+            <a:extLst>
+              <a:ext uri="{FF2B5EF4-FFF2-40B4-BE49-F238E27FC236}">
+                <a16:creationId xmlns:a16="http://schemas.microsoft.com/office/drawing/2014/main" id="{92F32DED-E444-4BFA-B772-821A87EDA3F0}"/>
+              </a:ext>
+            </a:extLst>
+          </p:cNvPr>
+          <p:cNvCxnSpPr>
+            <a:stCxn id="52" idx="3"/>
+            <a:endCxn id="53" idx="1"/>
+          </p:cNvCxnSpPr>
+          <p:nvPr/>
+        </p:nvCxnSpPr>
+        <p:spPr>
+          <a:xfrm>
+            <a:off x="2521782" y="6462750"/>
+            <a:ext cx="311658" cy="320"/>
+          </a:xfrm>
+          <a:prstGeom prst="straightConnector1">
+            <a:avLst/>
+          </a:prstGeom>
+          <a:ln>
+            <a:tailEnd type="triangle"/>
+          </a:ln>
+        </p:spPr>
+        <p:style>
+          <a:lnRef idx="1">
+            <a:schemeClr val="accent1"/>
+          </a:lnRef>
+          <a:fillRef idx="0">
+            <a:schemeClr val="accent1"/>
+          </a:fillRef>
+          <a:effectRef idx="0">
+            <a:schemeClr val="accent1"/>
+          </a:effectRef>
+          <a:fontRef idx="minor">
+            <a:schemeClr val="tx1"/>
+          </a:fontRef>
+        </p:style>
+      </p:cxnSp>
+      <p:sp>
+        <p:nvSpPr>
+          <p:cNvPr id="97" name="TextBox 96">
+            <a:extLst>
+              <a:ext uri="{FF2B5EF4-FFF2-40B4-BE49-F238E27FC236}">
+                <a16:creationId xmlns:a16="http://schemas.microsoft.com/office/drawing/2014/main" id="{F26E4D36-6481-4A34-8770-282B39F41AFD}"/>
+              </a:ext>
+            </a:extLst>
+          </p:cNvPr>
+          <p:cNvSpPr txBox="1"/>
+          <p:nvPr/>
+        </p:nvSpPr>
+        <p:spPr>
+          <a:xfrm>
+            <a:off x="10544783" y="4017523"/>
+            <a:ext cx="1243964" cy="369332"/>
+          </a:xfrm>
+          <a:prstGeom prst="rect">
+            <a:avLst/>
+          </a:prstGeom>
+          <a:noFill/>
+        </p:spPr>
+        <p:txBody>
+          <a:bodyPr wrap="square" rtlCol="0">
+            <a:spAutoFit/>
+          </a:bodyPr>
+          <a:lstStyle/>
+          <a:p>
+            <a:r>
+              <a:rPr lang="en-US" dirty="0">
+                <a:solidFill>
+                  <a:srgbClr val="0070C0"/>
+                </a:solidFill>
+              </a:rPr>
+              <a:t>Action</a:t>
+            </a:r>
+          </a:p>
+        </p:txBody>
+      </p:sp>
+      <p:sp>
+        <p:nvSpPr>
+          <p:cNvPr id="98" name="TextBox 97">
+            <a:extLst>
+              <a:ext uri="{FF2B5EF4-FFF2-40B4-BE49-F238E27FC236}">
+                <a16:creationId xmlns:a16="http://schemas.microsoft.com/office/drawing/2014/main" id="{9E45A853-C1A7-495A-B0A5-1007B8868278}"/>
+              </a:ext>
+            </a:extLst>
+          </p:cNvPr>
+          <p:cNvSpPr txBox="1"/>
+          <p:nvPr/>
+        </p:nvSpPr>
+        <p:spPr>
+          <a:xfrm>
+            <a:off x="10566092" y="5082653"/>
+            <a:ext cx="1607564" cy="646331"/>
+          </a:xfrm>
+          <a:prstGeom prst="rect">
+            <a:avLst/>
+          </a:prstGeom>
+          <a:noFill/>
+        </p:spPr>
+        <p:txBody>
+          <a:bodyPr wrap="square" rtlCol="0">
+            <a:spAutoFit/>
+          </a:bodyPr>
+          <a:lstStyle/>
+          <a:p>
+            <a:r>
+              <a:rPr lang="en-US" dirty="0">
+                <a:solidFill>
+                  <a:srgbClr val="0070C0"/>
+                </a:solidFill>
+              </a:rPr>
+              <a:t>State operation list</a:t>
+            </a:r>
           </a:p>
         </p:txBody>
       </p:sp>
     </p:spTree>
     <p:extLst>
       <p:ext uri="{BB962C8B-B14F-4D97-AF65-F5344CB8AC3E}">
-        <p14:creationId xmlns:p14="http://schemas.microsoft.com/office/powerpoint/2010/main" val="719593413"/>
+        <p14:creationId xmlns:p14="http://schemas.microsoft.com/office/powerpoint/2010/main" val="2612034820"/>
       </p:ext>
     </p:extLst>
   </p:cSld>
@@ -4672,7 +6300,7 @@
           <p:cNvPr id="2" name="Title 1">
             <a:extLst>
               <a:ext uri="{FF2B5EF4-FFF2-40B4-BE49-F238E27FC236}">
-                <a16:creationId xmlns:a16="http://schemas.microsoft.com/office/drawing/2014/main" id="{353CDAA7-0811-40DD-A2E7-C4FA5CD55BDE}"/>
+                <a16:creationId xmlns:a16="http://schemas.microsoft.com/office/drawing/2014/main" id="{10DEB6D8-D472-4102-A9C4-DD9F1F3CF2B5}"/>
               </a:ext>
             </a:extLst>
           </p:cNvPr>
@@ -4685,14 +6313,12 @@
         </p:nvSpPr>
         <p:spPr/>
         <p:txBody>
-          <a:bodyPr>
-            <a:normAutofit/>
-          </a:bodyPr>
+          <a:bodyPr/>
           <a:lstStyle/>
           <a:p>
             <a:r>
               <a:rPr lang="en-US" dirty="0"/>
-              <a:t>Novel visualization (Interactive interface) </a:t>
+              <a:t>Simple learning(?)</a:t>
             </a:r>
           </a:p>
         </p:txBody>
@@ -4702,7 +6328,7 @@
           <p:cNvPr id="3" name="Content Placeholder 2">
             <a:extLst>
               <a:ext uri="{FF2B5EF4-FFF2-40B4-BE49-F238E27FC236}">
-                <a16:creationId xmlns:a16="http://schemas.microsoft.com/office/drawing/2014/main" id="{95EE8CEF-8D27-4E43-B67C-F698D4718886}"/>
+                <a16:creationId xmlns:a16="http://schemas.microsoft.com/office/drawing/2014/main" id="{3C581E20-9DC8-4C74-9D55-DD30A2A01C58}"/>
               </a:ext>
             </a:extLst>
           </p:cNvPr>
@@ -4713,19 +6339,836 @@
             <p:ph idx="1"/>
           </p:nvPr>
         </p:nvSpPr>
-        <p:spPr/>
-        <p:txBody>
-          <a:bodyPr/>
-          <a:lstStyle/>
-          <a:p>
+        <p:spPr>
+          <a:xfrm>
+            <a:off x="1069848" y="2121408"/>
+            <a:ext cx="10058400" cy="4561494"/>
+          </a:xfrm>
+        </p:spPr>
+        <p:txBody>
+          <a:bodyPr>
+            <a:normAutofit fontScale="85000" lnSpcReduction="20000"/>
+          </a:bodyPr>
+          <a:lstStyle/>
+          <a:p>
+            <a:r>
+              <a:rPr lang="en-US" dirty="0"/>
+              <a:t>When meet a new verb</a:t>
+            </a:r>
+          </a:p>
+          <a:p>
+            <a:pPr lvl="1"/>
+            <a:r>
+              <a:rPr lang="en-US" altLang="zh-TW" dirty="0"/>
+              <a:t>Assume one sentence contain only one action</a:t>
+            </a:r>
+          </a:p>
+          <a:p>
+            <a:pPr lvl="1"/>
+            <a:r>
+              <a:rPr lang="en-US" dirty="0"/>
+              <a:t>State :  </a:t>
+            </a:r>
+            <a:r>
+              <a:rPr lang="en-US" dirty="0" err="1"/>
+              <a:t>State_type</a:t>
+            </a:r>
+            <a:r>
+              <a:rPr lang="en-US" dirty="0"/>
+              <a:t>(Subject, A type of Object)</a:t>
+            </a:r>
+          </a:p>
+          <a:p>
+            <a:pPr lvl="2"/>
+            <a:r>
+              <a:rPr lang="en-US" dirty="0"/>
+              <a:t>At(subject, </a:t>
+            </a:r>
+            <a:r>
+              <a:rPr lang="en-US" dirty="0" err="1"/>
+              <a:t>location_object</a:t>
+            </a:r>
+            <a:r>
+              <a:rPr lang="en-US" dirty="0"/>
+              <a:t>)</a:t>
+            </a:r>
+          </a:p>
+          <a:p>
+            <a:pPr lvl="2"/>
+            <a:r>
+              <a:rPr lang="en-US" dirty="0"/>
+              <a:t>Has(subject, </a:t>
+            </a:r>
+            <a:r>
+              <a:rPr lang="en-US" dirty="0" err="1"/>
+              <a:t>item_object</a:t>
+            </a:r>
+            <a:r>
+              <a:rPr lang="en-US" dirty="0"/>
+              <a:t>)</a:t>
+            </a:r>
+          </a:p>
+          <a:p>
+            <a:pPr lvl="2"/>
+            <a:r>
+              <a:rPr lang="en-US" dirty="0"/>
+              <a:t>Attribute(subject, </a:t>
+            </a:r>
+            <a:r>
+              <a:rPr lang="en-US" dirty="0" err="1"/>
+              <a:t>empty_object</a:t>
+            </a:r>
+            <a:r>
+              <a:rPr lang="en-US" dirty="0"/>
+              <a:t>)</a:t>
+            </a:r>
+          </a:p>
+          <a:p>
+            <a:pPr lvl="2"/>
             <a:endParaRPr lang="en-US" dirty="0"/>
           </a:p>
-        </p:txBody>
-      </p:sp>
+          <a:p>
+            <a:pPr lvl="2"/>
+            <a:endParaRPr lang="en-US" dirty="0"/>
+          </a:p>
+          <a:p>
+            <a:endParaRPr lang="en-US" dirty="0"/>
+          </a:p>
+          <a:p>
+            <a:endParaRPr lang="en-US" dirty="0"/>
+          </a:p>
+          <a:p>
+            <a:endParaRPr lang="en-US" dirty="0"/>
+          </a:p>
+          <a:p>
+            <a:endParaRPr lang="en-US" dirty="0"/>
+          </a:p>
+          <a:p>
+            <a:endParaRPr lang="en-US" dirty="0"/>
+          </a:p>
+          <a:p>
+            <a:pPr lvl="1"/>
+            <a:r>
+              <a:rPr lang="en-US" dirty="0"/>
+              <a:t>Update: find a exist state, which contain old information</a:t>
+            </a:r>
+          </a:p>
+          <a:p>
+            <a:pPr lvl="1"/>
+            <a:r>
+              <a:rPr lang="en-US" dirty="0"/>
+              <a:t>Minus: find a exist type of state</a:t>
+            </a:r>
+          </a:p>
+          <a:p>
+            <a:pPr lvl="1"/>
+            <a:r>
+              <a:rPr lang="en-US" dirty="0"/>
+              <a:t>Add: find a non-exist type of state</a:t>
+            </a:r>
+          </a:p>
+        </p:txBody>
+      </p:sp>
+      <p:sp>
+        <p:nvSpPr>
+          <p:cNvPr id="4" name="Rectangle 3">
+            <a:extLst>
+              <a:ext uri="{FF2B5EF4-FFF2-40B4-BE49-F238E27FC236}">
+                <a16:creationId xmlns:a16="http://schemas.microsoft.com/office/drawing/2014/main" id="{6391D05D-BAAD-464B-B670-89FE44382161}"/>
+              </a:ext>
+            </a:extLst>
+          </p:cNvPr>
+          <p:cNvSpPr/>
+          <p:nvPr/>
+        </p:nvSpPr>
+        <p:spPr>
+          <a:xfrm>
+            <a:off x="1443592" y="3798653"/>
+            <a:ext cx="1568741" cy="436228"/>
+          </a:xfrm>
+          <a:prstGeom prst="rect">
+            <a:avLst/>
+          </a:prstGeom>
+        </p:spPr>
+        <p:style>
+          <a:lnRef idx="2">
+            <a:schemeClr val="accent5"/>
+          </a:lnRef>
+          <a:fillRef idx="1">
+            <a:schemeClr val="lt1"/>
+          </a:fillRef>
+          <a:effectRef idx="0">
+            <a:schemeClr val="accent5"/>
+          </a:effectRef>
+          <a:fontRef idx="minor">
+            <a:schemeClr val="dk1"/>
+          </a:fontRef>
+        </p:style>
+        <p:txBody>
+          <a:bodyPr rtlCol="0" anchor="ctr"/>
+          <a:lstStyle/>
+          <a:p>
+            <a:pPr algn="ctr"/>
+            <a:r>
+              <a:rPr lang="en-US" dirty="0"/>
+              <a:t>Action</a:t>
+            </a:r>
+          </a:p>
+        </p:txBody>
+      </p:sp>
+      <p:sp>
+        <p:nvSpPr>
+          <p:cNvPr id="5" name="Rectangle 4">
+            <a:extLst>
+              <a:ext uri="{FF2B5EF4-FFF2-40B4-BE49-F238E27FC236}">
+                <a16:creationId xmlns:a16="http://schemas.microsoft.com/office/drawing/2014/main" id="{A292AB95-A911-4053-9297-C7AE91E535D6}"/>
+              </a:ext>
+            </a:extLst>
+          </p:cNvPr>
+          <p:cNvSpPr/>
+          <p:nvPr/>
+        </p:nvSpPr>
+        <p:spPr>
+          <a:xfrm>
+            <a:off x="1443592" y="4822151"/>
+            <a:ext cx="1568741" cy="436228"/>
+          </a:xfrm>
+          <a:prstGeom prst="rect">
+            <a:avLst/>
+          </a:prstGeom>
+        </p:spPr>
+        <p:style>
+          <a:lnRef idx="2">
+            <a:schemeClr val="accent5"/>
+          </a:lnRef>
+          <a:fillRef idx="1">
+            <a:schemeClr val="lt1"/>
+          </a:fillRef>
+          <a:effectRef idx="0">
+            <a:schemeClr val="accent5"/>
+          </a:effectRef>
+          <a:fontRef idx="minor">
+            <a:schemeClr val="dk1"/>
+          </a:fontRef>
+        </p:style>
+        <p:txBody>
+          <a:bodyPr rtlCol="0" anchor="ctr"/>
+          <a:lstStyle/>
+          <a:p>
+            <a:pPr algn="ctr"/>
+            <a:r>
+              <a:rPr lang="en-US" dirty="0"/>
+              <a:t>Update (S1)</a:t>
+            </a:r>
+          </a:p>
+        </p:txBody>
+      </p:sp>
+      <p:sp>
+        <p:nvSpPr>
+          <p:cNvPr id="6" name="Rectangle 5">
+            <a:extLst>
+              <a:ext uri="{FF2B5EF4-FFF2-40B4-BE49-F238E27FC236}">
+                <a16:creationId xmlns:a16="http://schemas.microsoft.com/office/drawing/2014/main" id="{A9E3D7CB-48AA-4224-9669-2E75E2B3DD07}"/>
+              </a:ext>
+            </a:extLst>
+          </p:cNvPr>
+          <p:cNvSpPr/>
+          <p:nvPr/>
+        </p:nvSpPr>
+        <p:spPr>
+          <a:xfrm>
+            <a:off x="3162149" y="4818907"/>
+            <a:ext cx="1568741" cy="436228"/>
+          </a:xfrm>
+          <a:prstGeom prst="rect">
+            <a:avLst/>
+          </a:prstGeom>
+        </p:spPr>
+        <p:style>
+          <a:lnRef idx="2">
+            <a:schemeClr val="accent5"/>
+          </a:lnRef>
+          <a:fillRef idx="1">
+            <a:schemeClr val="lt1"/>
+          </a:fillRef>
+          <a:effectRef idx="0">
+            <a:schemeClr val="accent5"/>
+          </a:effectRef>
+          <a:fontRef idx="minor">
+            <a:schemeClr val="dk1"/>
+          </a:fontRef>
+        </p:style>
+        <p:txBody>
+          <a:bodyPr rtlCol="0" anchor="ctr"/>
+          <a:lstStyle/>
+          <a:p>
+            <a:pPr algn="ctr"/>
+            <a:r>
+              <a:rPr lang="en-US" dirty="0"/>
+              <a:t>Minus (</a:t>
+            </a:r>
+            <a:r>
+              <a:rPr lang="en-US" altLang="zh-TW" dirty="0"/>
+              <a:t>S2</a:t>
+            </a:r>
+            <a:r>
+              <a:rPr lang="en-US" dirty="0"/>
+              <a:t>)</a:t>
+            </a:r>
+          </a:p>
+        </p:txBody>
+      </p:sp>
+      <p:sp>
+        <p:nvSpPr>
+          <p:cNvPr id="7" name="Rectangle 6">
+            <a:extLst>
+              <a:ext uri="{FF2B5EF4-FFF2-40B4-BE49-F238E27FC236}">
+                <a16:creationId xmlns:a16="http://schemas.microsoft.com/office/drawing/2014/main" id="{F03C93BE-75C7-412B-9223-E060B17E8B2A}"/>
+              </a:ext>
+            </a:extLst>
+          </p:cNvPr>
+          <p:cNvSpPr/>
+          <p:nvPr/>
+        </p:nvSpPr>
+        <p:spPr>
+          <a:xfrm>
+            <a:off x="4841793" y="4815663"/>
+            <a:ext cx="1568741" cy="436228"/>
+          </a:xfrm>
+          <a:prstGeom prst="rect">
+            <a:avLst/>
+          </a:prstGeom>
+        </p:spPr>
+        <p:style>
+          <a:lnRef idx="2">
+            <a:schemeClr val="accent5"/>
+          </a:lnRef>
+          <a:fillRef idx="1">
+            <a:schemeClr val="lt1"/>
+          </a:fillRef>
+          <a:effectRef idx="0">
+            <a:schemeClr val="accent5"/>
+          </a:effectRef>
+          <a:fontRef idx="minor">
+            <a:schemeClr val="dk1"/>
+          </a:fontRef>
+        </p:style>
+        <p:txBody>
+          <a:bodyPr rtlCol="0" anchor="ctr"/>
+          <a:lstStyle/>
+          <a:p>
+            <a:pPr algn="ctr"/>
+            <a:r>
+              <a:rPr lang="en-US" dirty="0"/>
+              <a:t>Add (S3)</a:t>
+            </a:r>
+          </a:p>
+        </p:txBody>
+      </p:sp>
+      <mc:AlternateContent xmlns:mc="http://schemas.openxmlformats.org/markup-compatibility/2006">
+        <mc:Choice xmlns:a14="http://schemas.microsoft.com/office/drawing/2010/main" Requires="a14">
+          <p:sp>
+            <p:nvSpPr>
+              <p:cNvPr id="8" name="TextBox 7">
+                <a:extLst>
+                  <a:ext uri="{FF2B5EF4-FFF2-40B4-BE49-F238E27FC236}">
+                    <a16:creationId xmlns:a16="http://schemas.microsoft.com/office/drawing/2014/main" id="{91043F6E-EADA-4C51-9BA1-EE37AC704ACB}"/>
+                  </a:ext>
+                </a:extLst>
+              </p:cNvPr>
+              <p:cNvSpPr txBox="1"/>
+              <p:nvPr/>
+            </p:nvSpPr>
+            <p:spPr>
+              <a:xfrm>
+                <a:off x="7153658" y="4981380"/>
+                <a:ext cx="4572534" cy="276999"/>
+              </a:xfrm>
+              <a:prstGeom prst="rect">
+                <a:avLst/>
+              </a:prstGeom>
+              <a:noFill/>
+            </p:spPr>
+            <p:txBody>
+              <a:bodyPr wrap="none" lIns="0" tIns="0" rIns="0" bIns="0" rtlCol="0">
+                <a:spAutoFit/>
+              </a:bodyPr>
+              <a:lstStyle/>
+              <a:p>
+                <a:r>
+                  <a:rPr lang="en-US" b="0" dirty="0">
+                    <a:ea typeface="Cambria Math" panose="02040503050406030204" pitchFamily="18" charset="0"/>
+                  </a:rPr>
+                  <a:t>Sn</a:t>
+                </a:r>
+                <a14:m>
+                  <m:oMath xmlns:m="http://schemas.openxmlformats.org/officeDocument/2006/math">
+                    <m:r>
+                      <a:rPr lang="en-US" b="0" i="1" smtClean="0">
+                        <a:latin typeface="Cambria Math" panose="02040503050406030204" pitchFamily="18" charset="0"/>
+                        <a:ea typeface="Cambria Math" panose="02040503050406030204" pitchFamily="18" charset="0"/>
+                      </a:rPr>
+                      <m:t>∈</m:t>
+                    </m:r>
+                  </m:oMath>
+                </a14:m>
+                <a:r>
+                  <a:rPr lang="en-US" dirty="0"/>
+                  <a:t> State type set, could be empty element</a:t>
+                </a:r>
+              </a:p>
+            </p:txBody>
+          </p:sp>
+        </mc:Choice>
+        <mc:Fallback>
+          <p:sp>
+            <p:nvSpPr>
+              <p:cNvPr id="8" name="TextBox 7">
+                <a:extLst>
+                  <a:ext uri="{FF2B5EF4-FFF2-40B4-BE49-F238E27FC236}">
+                    <a16:creationId xmlns:a16="http://schemas.microsoft.com/office/drawing/2014/main" id="{91043F6E-EADA-4C51-9BA1-EE37AC704ACB}"/>
+                  </a:ext>
+                </a:extLst>
+              </p:cNvPr>
+              <p:cNvSpPr txBox="1">
+                <a:spLocks noRot="1" noChangeAspect="1" noMove="1" noResize="1" noEditPoints="1" noAdjustHandles="1" noChangeArrowheads="1" noChangeShapeType="1" noTextEdit="1"/>
+              </p:cNvSpPr>
+              <p:nvPr/>
+            </p:nvSpPr>
+            <p:spPr>
+              <a:xfrm>
+                <a:off x="7153658" y="4981380"/>
+                <a:ext cx="4572534" cy="276999"/>
+              </a:xfrm>
+              <a:prstGeom prst="rect">
+                <a:avLst/>
+              </a:prstGeom>
+              <a:blipFill>
+                <a:blip r:embed="rId2"/>
+                <a:stretch>
+                  <a:fillRect l="-3200" t="-28261" r="-2267" b="-50000"/>
+                </a:stretch>
+              </a:blipFill>
+            </p:spPr>
+            <p:txBody>
+              <a:bodyPr/>
+              <a:lstStyle/>
+              <a:p>
+                <a:r>
+                  <a:rPr lang="en-US">
+                    <a:noFill/>
+                  </a:rPr>
+                  <a:t> </a:t>
+                </a:r>
+              </a:p>
+            </p:txBody>
+          </p:sp>
+        </mc:Fallback>
+      </mc:AlternateContent>
+      <p:cxnSp>
+        <p:nvCxnSpPr>
+          <p:cNvPr id="10" name="Straight Arrow Connector 9">
+            <a:extLst>
+              <a:ext uri="{FF2B5EF4-FFF2-40B4-BE49-F238E27FC236}">
+                <a16:creationId xmlns:a16="http://schemas.microsoft.com/office/drawing/2014/main" id="{48A4161F-3D9E-4E1B-B032-F27D440DA3FC}"/>
+              </a:ext>
+            </a:extLst>
+          </p:cNvPr>
+          <p:cNvCxnSpPr>
+            <a:stCxn id="4" idx="2"/>
+            <a:endCxn id="5" idx="0"/>
+          </p:cNvCxnSpPr>
+          <p:nvPr/>
+        </p:nvCxnSpPr>
+        <p:spPr>
+          <a:xfrm>
+            <a:off x="2227963" y="4234881"/>
+            <a:ext cx="0" cy="587270"/>
+          </a:xfrm>
+          <a:prstGeom prst="straightConnector1">
+            <a:avLst/>
+          </a:prstGeom>
+          <a:ln>
+            <a:tailEnd type="triangle"/>
+          </a:ln>
+        </p:spPr>
+        <p:style>
+          <a:lnRef idx="1">
+            <a:schemeClr val="accent1"/>
+          </a:lnRef>
+          <a:fillRef idx="0">
+            <a:schemeClr val="accent1"/>
+          </a:fillRef>
+          <a:effectRef idx="0">
+            <a:schemeClr val="accent1"/>
+          </a:effectRef>
+          <a:fontRef idx="minor">
+            <a:schemeClr val="tx1"/>
+          </a:fontRef>
+        </p:style>
+      </p:cxnSp>
+      <p:cxnSp>
+        <p:nvCxnSpPr>
+          <p:cNvPr id="12" name="Straight Arrow Connector 11">
+            <a:extLst>
+              <a:ext uri="{FF2B5EF4-FFF2-40B4-BE49-F238E27FC236}">
+                <a16:creationId xmlns:a16="http://schemas.microsoft.com/office/drawing/2014/main" id="{9FF298BC-97F0-4F1D-9B87-CA742124C0A3}"/>
+              </a:ext>
+            </a:extLst>
+          </p:cNvPr>
+          <p:cNvCxnSpPr>
+            <a:stCxn id="5" idx="3"/>
+            <a:endCxn id="6" idx="1"/>
+          </p:cNvCxnSpPr>
+          <p:nvPr/>
+        </p:nvCxnSpPr>
+        <p:spPr>
+          <a:xfrm flipV="1">
+            <a:off x="3012333" y="5037021"/>
+            <a:ext cx="149816" cy="3244"/>
+          </a:xfrm>
+          <a:prstGeom prst="straightConnector1">
+            <a:avLst/>
+          </a:prstGeom>
+          <a:ln>
+            <a:tailEnd type="triangle"/>
+          </a:ln>
+        </p:spPr>
+        <p:style>
+          <a:lnRef idx="1">
+            <a:schemeClr val="accent1"/>
+          </a:lnRef>
+          <a:fillRef idx="0">
+            <a:schemeClr val="accent1"/>
+          </a:fillRef>
+          <a:effectRef idx="0">
+            <a:schemeClr val="accent1"/>
+          </a:effectRef>
+          <a:fontRef idx="minor">
+            <a:schemeClr val="tx1"/>
+          </a:fontRef>
+        </p:style>
+      </p:cxnSp>
+      <p:cxnSp>
+        <p:nvCxnSpPr>
+          <p:cNvPr id="14" name="Straight Arrow Connector 13">
+            <a:extLst>
+              <a:ext uri="{FF2B5EF4-FFF2-40B4-BE49-F238E27FC236}">
+                <a16:creationId xmlns:a16="http://schemas.microsoft.com/office/drawing/2014/main" id="{6A5347BD-3B7F-43B8-92CF-9862EFD56491}"/>
+              </a:ext>
+            </a:extLst>
+          </p:cNvPr>
+          <p:cNvCxnSpPr>
+            <a:stCxn id="6" idx="3"/>
+            <a:endCxn id="7" idx="1"/>
+          </p:cNvCxnSpPr>
+          <p:nvPr/>
+        </p:nvCxnSpPr>
+        <p:spPr>
+          <a:xfrm flipV="1">
+            <a:off x="4730890" y="5033777"/>
+            <a:ext cx="110903" cy="3244"/>
+          </a:xfrm>
+          <a:prstGeom prst="straightConnector1">
+            <a:avLst/>
+          </a:prstGeom>
+          <a:ln>
+            <a:tailEnd type="triangle"/>
+          </a:ln>
+        </p:spPr>
+        <p:style>
+          <a:lnRef idx="1">
+            <a:schemeClr val="accent1"/>
+          </a:lnRef>
+          <a:fillRef idx="0">
+            <a:schemeClr val="accent1"/>
+          </a:fillRef>
+          <a:effectRef idx="0">
+            <a:schemeClr val="accent1"/>
+          </a:effectRef>
+          <a:fontRef idx="minor">
+            <a:schemeClr val="tx1"/>
+          </a:fontRef>
+        </p:style>
+      </p:cxnSp>
     </p:spTree>
     <p:extLst>
       <p:ext uri="{BB962C8B-B14F-4D97-AF65-F5344CB8AC3E}">
-        <p14:creationId xmlns:p14="http://schemas.microsoft.com/office/powerpoint/2010/main" val="1337596506"/>
+        <p14:creationId xmlns:p14="http://schemas.microsoft.com/office/powerpoint/2010/main" val="452047759"/>
+      </p:ext>
+    </p:extLst>
+  </p:cSld>
+  <p:clrMapOvr>
+    <a:masterClrMapping/>
+  </p:clrMapOvr>
+</p:sld>
+</file>
+
+<file path=ppt/slides/slide7.xml><?xml version="1.0" encoding="utf-8"?>
+<p:sld xmlns:a="http://schemas.openxmlformats.org/drawingml/2006/main" xmlns:r="http://schemas.openxmlformats.org/officeDocument/2006/relationships" xmlns:p="http://schemas.openxmlformats.org/presentationml/2006/main">
+  <p:cSld>
+    <p:spTree>
+      <p:nvGrpSpPr>
+        <p:cNvPr id="1" name=""/>
+        <p:cNvGrpSpPr/>
+        <p:nvPr/>
+      </p:nvGrpSpPr>
+      <p:grpSpPr>
+        <a:xfrm>
+          <a:off x="0" y="0"/>
+          <a:ext cx="0" cy="0"/>
+          <a:chOff x="0" y="0"/>
+          <a:chExt cx="0" cy="0"/>
+        </a:xfrm>
+      </p:grpSpPr>
+      <p:sp>
+        <p:nvSpPr>
+          <p:cNvPr id="2" name="Title 1">
+            <a:extLst>
+              <a:ext uri="{FF2B5EF4-FFF2-40B4-BE49-F238E27FC236}">
+                <a16:creationId xmlns:a16="http://schemas.microsoft.com/office/drawing/2014/main" id="{45A7D8F7-9FA3-4A30-BDA6-9F7EBC645BA3}"/>
+              </a:ext>
+            </a:extLst>
+          </p:cNvPr>
+          <p:cNvSpPr>
+            <a:spLocks noGrp="1"/>
+          </p:cNvSpPr>
+          <p:nvPr>
+            <p:ph type="title"/>
+          </p:nvPr>
+        </p:nvSpPr>
+        <p:spPr/>
+        <p:txBody>
+          <a:bodyPr/>
+          <a:lstStyle/>
+          <a:p>
+            <a:r>
+              <a:rPr lang="en-US" dirty="0"/>
+              <a:t>Simple learning(?)</a:t>
+            </a:r>
+          </a:p>
+        </p:txBody>
+      </p:sp>
+      <p:sp>
+        <p:nvSpPr>
+          <p:cNvPr id="3" name="Content Placeholder 2">
+            <a:extLst>
+              <a:ext uri="{FF2B5EF4-FFF2-40B4-BE49-F238E27FC236}">
+                <a16:creationId xmlns:a16="http://schemas.microsoft.com/office/drawing/2014/main" id="{30BB70A6-098B-457B-9763-C2F6C0CF03A1}"/>
+              </a:ext>
+            </a:extLst>
+          </p:cNvPr>
+          <p:cNvSpPr>
+            <a:spLocks noGrp="1"/>
+          </p:cNvSpPr>
+          <p:nvPr>
+            <p:ph idx="1"/>
+          </p:nvPr>
+        </p:nvSpPr>
+        <p:spPr/>
+        <p:txBody>
+          <a:bodyPr/>
+          <a:lstStyle/>
+          <a:p>
+            <a:r>
+              <a:rPr lang="en-US" dirty="0"/>
+              <a:t>When detect a new action in a sentence</a:t>
+            </a:r>
+          </a:p>
+          <a:p>
+            <a:pPr lvl="1"/>
+            <a:r>
+              <a:rPr lang="en-US" dirty="0"/>
+              <a:t>1. Look up the state list (Main subject of this sentence)</a:t>
+            </a:r>
+          </a:p>
+          <a:p>
+            <a:pPr lvl="1"/>
+            <a:r>
+              <a:rPr lang="en-US" dirty="0"/>
+              <a:t>2.  For each state operation (update, minus, add), choose </a:t>
+            </a:r>
+            <a:r>
+              <a:rPr lang="en-US"/>
+              <a:t>a random</a:t>
+            </a:r>
+            <a:endParaRPr lang="en-US" dirty="0"/>
+          </a:p>
+        </p:txBody>
+      </p:sp>
+    </p:spTree>
+    <p:extLst>
+      <p:ext uri="{BB962C8B-B14F-4D97-AF65-F5344CB8AC3E}">
+        <p14:creationId xmlns:p14="http://schemas.microsoft.com/office/powerpoint/2010/main" val="4264672275"/>
+      </p:ext>
+    </p:extLst>
+  </p:cSld>
+  <p:clrMapOvr>
+    <a:masterClrMapping/>
+  </p:clrMapOvr>
+</p:sld>
+</file>
+
+<file path=ppt/slides/slide8.xml><?xml version="1.0" encoding="utf-8"?>
+<p:sld xmlns:a="http://schemas.openxmlformats.org/drawingml/2006/main" xmlns:r="http://schemas.openxmlformats.org/officeDocument/2006/relationships" xmlns:p="http://schemas.openxmlformats.org/presentationml/2006/main">
+  <p:cSld>
+    <p:spTree>
+      <p:nvGrpSpPr>
+        <p:cNvPr id="1" name=""/>
+        <p:cNvGrpSpPr/>
+        <p:nvPr/>
+      </p:nvGrpSpPr>
+      <p:grpSpPr>
+        <a:xfrm>
+          <a:off x="0" y="0"/>
+          <a:ext cx="0" cy="0"/>
+          <a:chOff x="0" y="0"/>
+          <a:chExt cx="0" cy="0"/>
+        </a:xfrm>
+      </p:grpSpPr>
+      <p:sp>
+        <p:nvSpPr>
+          <p:cNvPr id="2" name="Title 1">
+            <a:extLst>
+              <a:ext uri="{FF2B5EF4-FFF2-40B4-BE49-F238E27FC236}">
+                <a16:creationId xmlns:a16="http://schemas.microsoft.com/office/drawing/2014/main" id="{0896BAB0-67B5-458A-87FA-614F1243266A}"/>
+              </a:ext>
+            </a:extLst>
+          </p:cNvPr>
+          <p:cNvSpPr>
+            <a:spLocks noGrp="1"/>
+          </p:cNvSpPr>
+          <p:nvPr>
+            <p:ph type="title"/>
+          </p:nvPr>
+        </p:nvSpPr>
+        <p:spPr/>
+        <p:txBody>
+          <a:bodyPr/>
+          <a:lstStyle/>
+          <a:p>
+            <a:r>
+              <a:rPr lang="en-US" dirty="0"/>
+              <a:t>Entities in a sentence</a:t>
+            </a:r>
+          </a:p>
+        </p:txBody>
+      </p:sp>
+      <p:sp>
+        <p:nvSpPr>
+          <p:cNvPr id="3" name="Content Placeholder 2">
+            <a:extLst>
+              <a:ext uri="{FF2B5EF4-FFF2-40B4-BE49-F238E27FC236}">
+                <a16:creationId xmlns:a16="http://schemas.microsoft.com/office/drawing/2014/main" id="{7F2AEC45-C667-4A69-9FC7-8E6751E84E77}"/>
+              </a:ext>
+            </a:extLst>
+          </p:cNvPr>
+          <p:cNvSpPr>
+            <a:spLocks noGrp="1"/>
+          </p:cNvSpPr>
+          <p:nvPr>
+            <p:ph idx="1"/>
+          </p:nvPr>
+        </p:nvSpPr>
+        <p:spPr/>
+        <p:txBody>
+          <a:bodyPr/>
+          <a:lstStyle/>
+          <a:p>
+            <a:r>
+              <a:rPr lang="en-US" dirty="0"/>
+              <a:t>Actor, location, non-actor item……</a:t>
+            </a:r>
+          </a:p>
+        </p:txBody>
+      </p:sp>
+    </p:spTree>
+    <p:extLst>
+      <p:ext uri="{BB962C8B-B14F-4D97-AF65-F5344CB8AC3E}">
+        <p14:creationId xmlns:p14="http://schemas.microsoft.com/office/powerpoint/2010/main" val="1070168866"/>
+      </p:ext>
+    </p:extLst>
+  </p:cSld>
+  <p:clrMapOvr>
+    <a:masterClrMapping/>
+  </p:clrMapOvr>
+</p:sld>
+</file>
+
+<file path=ppt/slides/slide9.xml><?xml version="1.0" encoding="utf-8"?>
+<p:sld xmlns:a="http://schemas.openxmlformats.org/drawingml/2006/main" xmlns:r="http://schemas.openxmlformats.org/officeDocument/2006/relationships" xmlns:p="http://schemas.openxmlformats.org/presentationml/2006/main">
+  <p:cSld>
+    <p:spTree>
+      <p:nvGrpSpPr>
+        <p:cNvPr id="1" name=""/>
+        <p:cNvGrpSpPr/>
+        <p:nvPr/>
+      </p:nvGrpSpPr>
+      <p:grpSpPr>
+        <a:xfrm>
+          <a:off x="0" y="0"/>
+          <a:ext cx="0" cy="0"/>
+          <a:chOff x="0" y="0"/>
+          <a:chExt cx="0" cy="0"/>
+        </a:xfrm>
+      </p:grpSpPr>
+      <p:sp>
+        <p:nvSpPr>
+          <p:cNvPr id="2" name="Title 1">
+            <a:extLst>
+              <a:ext uri="{FF2B5EF4-FFF2-40B4-BE49-F238E27FC236}">
+                <a16:creationId xmlns:a16="http://schemas.microsoft.com/office/drawing/2014/main" id="{D9DD8290-0F94-4869-A15E-55897323AADF}"/>
+              </a:ext>
+            </a:extLst>
+          </p:cNvPr>
+          <p:cNvSpPr>
+            <a:spLocks noGrp="1"/>
+          </p:cNvSpPr>
+          <p:nvPr>
+            <p:ph type="title"/>
+          </p:nvPr>
+        </p:nvSpPr>
+        <p:spPr/>
+        <p:txBody>
+          <a:bodyPr/>
+          <a:lstStyle/>
+          <a:p>
+            <a:r>
+              <a:rPr lang="en-US" dirty="0"/>
+              <a:t>Visualization interface</a:t>
+            </a:r>
+          </a:p>
+        </p:txBody>
+      </p:sp>
+      <p:sp>
+        <p:nvSpPr>
+          <p:cNvPr id="3" name="Content Placeholder 2">
+            <a:extLst>
+              <a:ext uri="{FF2B5EF4-FFF2-40B4-BE49-F238E27FC236}">
+                <a16:creationId xmlns:a16="http://schemas.microsoft.com/office/drawing/2014/main" id="{99B0FBBD-26C1-4CA2-95EC-7D7F1281CB7C}"/>
+              </a:ext>
+            </a:extLst>
+          </p:cNvPr>
+          <p:cNvSpPr>
+            <a:spLocks noGrp="1"/>
+          </p:cNvSpPr>
+          <p:nvPr>
+            <p:ph idx="1"/>
+          </p:nvPr>
+        </p:nvSpPr>
+        <p:spPr/>
+        <p:txBody>
+          <a:bodyPr/>
+          <a:lstStyle/>
+          <a:p>
+            <a:endParaRPr lang="en-US"/>
+          </a:p>
+        </p:txBody>
+      </p:sp>
+    </p:spTree>
+    <p:extLst>
+      <p:ext uri="{BB962C8B-B14F-4D97-AF65-F5344CB8AC3E}">
+        <p14:creationId xmlns:p14="http://schemas.microsoft.com/office/powerpoint/2010/main" val="3211698571"/>
       </p:ext>
     </p:extLst>
   </p:cSld>
@@ -4962,4 +7405,299 @@
     </a:ext>
   </a:extLst>
 </a:theme>
+</file>
+
+<file path=ppt/theme/theme2.xml><?xml version="1.0" encoding="utf-8"?>
+<a:theme xmlns:a="http://schemas.openxmlformats.org/drawingml/2006/main" name="Office Theme">
+  <a:themeElements>
+    <a:clrScheme name="Office">
+      <a:dk1>
+        <a:sysClr val="windowText" lastClr="000000"/>
+      </a:dk1>
+      <a:lt1>
+        <a:sysClr val="window" lastClr="FFFFFF"/>
+      </a:lt1>
+      <a:dk2>
+        <a:srgbClr val="44546A"/>
+      </a:dk2>
+      <a:lt2>
+        <a:srgbClr val="E7E6E6"/>
+      </a:lt2>
+      <a:accent1>
+        <a:srgbClr val="4472C4"/>
+      </a:accent1>
+      <a:accent2>
+        <a:srgbClr val="ED7D31"/>
+      </a:accent2>
+      <a:accent3>
+        <a:srgbClr val="A5A5A5"/>
+      </a:accent3>
+      <a:accent4>
+        <a:srgbClr val="FFC000"/>
+      </a:accent4>
+      <a:accent5>
+        <a:srgbClr val="5B9BD5"/>
+      </a:accent5>
+      <a:accent6>
+        <a:srgbClr val="70AD47"/>
+      </a:accent6>
+      <a:hlink>
+        <a:srgbClr val="0563C1"/>
+      </a:hlink>
+      <a:folHlink>
+        <a:srgbClr val="954F72"/>
+      </a:folHlink>
+    </a:clrScheme>
+    <a:fontScheme name="Office">
+      <a:majorFont>
+        <a:latin typeface="Calibri Light" panose="020F0302020204030204"/>
+        <a:ea typeface=""/>
+        <a:cs typeface=""/>
+        <a:font script="Jpan" typeface="游ゴシック Light"/>
+        <a:font script="Hang" typeface="맑은 고딕"/>
+        <a:font script="Hans" typeface="等线 Light"/>
+        <a:font script="Hant" typeface="新細明體"/>
+        <a:font script="Arab" typeface="Times New Roman"/>
+        <a:font script="Hebr" typeface="Times New Roman"/>
+        <a:font script="Thai" typeface="Angsana New"/>
+        <a:font script="Ethi" typeface="Nyala"/>
+        <a:font script="Beng" typeface="Vrinda"/>
+        <a:font script="Gujr" typeface="Shruti"/>
+        <a:font script="Khmr" typeface="MoolBoran"/>
+        <a:font script="Knda" typeface="Tunga"/>
+        <a:font script="Guru" typeface="Raavi"/>
+        <a:font script="Cans" typeface="Euphemia"/>
+        <a:font script="Cher" typeface="Plantagenet Cherokee"/>
+        <a:font script="Yiii" typeface="Microsoft Yi Baiti"/>
+        <a:font script="Tibt" typeface="Microsoft Himalaya"/>
+        <a:font script="Thaa" typeface="MV Boli"/>
+        <a:font script="Deva" typeface="Mangal"/>
+        <a:font script="Telu" typeface="Gautami"/>
+        <a:font script="Taml" typeface="Latha"/>
+        <a:font script="Syrc" typeface="Estrangelo Edessa"/>
+        <a:font script="Orya" typeface="Kalinga"/>
+        <a:font script="Mlym" typeface="Kartika"/>
+        <a:font script="Laoo" typeface="DokChampa"/>
+        <a:font script="Sinh" typeface="Iskoola Pota"/>
+        <a:font script="Mong" typeface="Mongolian Baiti"/>
+        <a:font script="Viet" typeface="Times New Roman"/>
+        <a:font script="Uigh" typeface="Microsoft Uighur"/>
+        <a:font script="Geor" typeface="Sylfaen"/>
+        <a:font script="Armn" typeface="Arial"/>
+        <a:font script="Bugi" typeface="Leelawadee UI"/>
+        <a:font script="Bopo" typeface="Microsoft JhengHei"/>
+        <a:font script="Java" typeface="Javanese Text"/>
+        <a:font script="Lisu" typeface="Segoe UI"/>
+        <a:font script="Mymr" typeface="Myanmar Text"/>
+        <a:font script="Nkoo" typeface="Ebrima"/>
+        <a:font script="Olck" typeface="Nirmala UI"/>
+        <a:font script="Osma" typeface="Ebrima"/>
+        <a:font script="Phag" typeface="Phagspa"/>
+        <a:font script="Syrn" typeface="Estrangelo Edessa"/>
+        <a:font script="Syrj" typeface="Estrangelo Edessa"/>
+        <a:font script="Syre" typeface="Estrangelo Edessa"/>
+        <a:font script="Sora" typeface="Nirmala UI"/>
+        <a:font script="Tale" typeface="Microsoft Tai Le"/>
+        <a:font script="Talu" typeface="Microsoft New Tai Lue"/>
+        <a:font script="Tfng" typeface="Ebrima"/>
+      </a:majorFont>
+      <a:minorFont>
+        <a:latin typeface="Calibri" panose="020F0502020204030204"/>
+        <a:ea typeface=""/>
+        <a:cs typeface=""/>
+        <a:font script="Jpan" typeface="游ゴシック"/>
+        <a:font script="Hang" typeface="맑은 고딕"/>
+        <a:font script="Hans" typeface="等线"/>
+        <a:font script="Hant" typeface="新細明體"/>
+        <a:font script="Arab" typeface="Arial"/>
+        <a:font script="Hebr" typeface="Arial"/>
+        <a:font script="Thai" typeface="Cordia New"/>
+        <a:font script="Ethi" typeface="Nyala"/>
+        <a:font script="Beng" typeface="Vrinda"/>
+        <a:font script="Gujr" typeface="Shruti"/>
+        <a:font script="Khmr" typeface="DaunPenh"/>
+        <a:font script="Knda" typeface="Tunga"/>
+        <a:font script="Guru" typeface="Raavi"/>
+        <a:font script="Cans" typeface="Euphemia"/>
+        <a:font script="Cher" typeface="Plantagenet Cherokee"/>
+        <a:font script="Yiii" typeface="Microsoft Yi Baiti"/>
+        <a:font script="Tibt" typeface="Microsoft Himalaya"/>
+        <a:font script="Thaa" typeface="MV Boli"/>
+        <a:font script="Deva" typeface="Mangal"/>
+        <a:font script="Telu" typeface="Gautami"/>
+        <a:font script="Taml" typeface="Latha"/>
+        <a:font script="Syrc" typeface="Estrangelo Edessa"/>
+        <a:font script="Orya" typeface="Kalinga"/>
+        <a:font script="Mlym" typeface="Kartika"/>
+        <a:font script="Laoo" typeface="DokChampa"/>
+        <a:font script="Sinh" typeface="Iskoola Pota"/>
+        <a:font script="Mong" typeface="Mongolian Baiti"/>
+        <a:font script="Viet" typeface="Arial"/>
+        <a:font script="Uigh" typeface="Microsoft Uighur"/>
+        <a:font script="Geor" typeface="Sylfaen"/>
+        <a:font script="Armn" typeface="Arial"/>
+        <a:font script="Bugi" typeface="Leelawadee UI"/>
+        <a:font script="Bopo" typeface="Microsoft JhengHei"/>
+        <a:font script="Java" typeface="Javanese Text"/>
+        <a:font script="Lisu" typeface="Segoe UI"/>
+        <a:font script="Mymr" typeface="Myanmar Text"/>
+        <a:font script="Nkoo" typeface="Ebrima"/>
+        <a:font script="Olck" typeface="Nirmala UI"/>
+        <a:font script="Osma" typeface="Ebrima"/>
+        <a:font script="Phag" typeface="Phagspa"/>
+        <a:font script="Syrn" typeface="Estrangelo Edessa"/>
+        <a:font script="Syrj" typeface="Estrangelo Edessa"/>
+        <a:font script="Syre" typeface="Estrangelo Edessa"/>
+        <a:font script="Sora" typeface="Nirmala UI"/>
+        <a:font script="Tale" typeface="Microsoft Tai Le"/>
+        <a:font script="Talu" typeface="Microsoft New Tai Lue"/>
+        <a:font script="Tfng" typeface="Ebrima"/>
+      </a:minorFont>
+    </a:fontScheme>
+    <a:fmtScheme name="Office">
+      <a:fillStyleLst>
+        <a:solidFill>
+          <a:schemeClr val="phClr"/>
+        </a:solidFill>
+        <a:gradFill rotWithShape="1">
+          <a:gsLst>
+            <a:gs pos="0">
+              <a:schemeClr val="phClr">
+                <a:lumMod val="110000"/>
+                <a:satMod val="105000"/>
+                <a:tint val="67000"/>
+              </a:schemeClr>
+            </a:gs>
+            <a:gs pos="50000">
+              <a:schemeClr val="phClr">
+                <a:lumMod val="105000"/>
+                <a:satMod val="103000"/>
+                <a:tint val="73000"/>
+              </a:schemeClr>
+            </a:gs>
+            <a:gs pos="100000">
+              <a:schemeClr val="phClr">
+                <a:lumMod val="105000"/>
+                <a:satMod val="109000"/>
+                <a:tint val="81000"/>
+              </a:schemeClr>
+            </a:gs>
+          </a:gsLst>
+          <a:lin ang="5400000" scaled="0"/>
+        </a:gradFill>
+        <a:gradFill rotWithShape="1">
+          <a:gsLst>
+            <a:gs pos="0">
+              <a:schemeClr val="phClr">
+                <a:satMod val="103000"/>
+                <a:lumMod val="102000"/>
+                <a:tint val="94000"/>
+              </a:schemeClr>
+            </a:gs>
+            <a:gs pos="50000">
+              <a:schemeClr val="phClr">
+                <a:satMod val="110000"/>
+                <a:lumMod val="100000"/>
+                <a:shade val="100000"/>
+              </a:schemeClr>
+            </a:gs>
+            <a:gs pos="100000">
+              <a:schemeClr val="phClr">
+                <a:lumMod val="99000"/>
+                <a:satMod val="120000"/>
+                <a:shade val="78000"/>
+              </a:schemeClr>
+            </a:gs>
+          </a:gsLst>
+          <a:lin ang="5400000" scaled="0"/>
+        </a:gradFill>
+      </a:fillStyleLst>
+      <a:lnStyleLst>
+        <a:ln w="6350" cap="flat" cmpd="sng" algn="ctr">
+          <a:solidFill>
+            <a:schemeClr val="phClr"/>
+          </a:solidFill>
+          <a:prstDash val="solid"/>
+          <a:miter lim="800000"/>
+        </a:ln>
+        <a:ln w="12700" cap="flat" cmpd="sng" algn="ctr">
+          <a:solidFill>
+            <a:schemeClr val="phClr"/>
+          </a:solidFill>
+          <a:prstDash val="solid"/>
+          <a:miter lim="800000"/>
+        </a:ln>
+        <a:ln w="19050" cap="flat" cmpd="sng" algn="ctr">
+          <a:solidFill>
+            <a:schemeClr val="phClr"/>
+          </a:solidFill>
+          <a:prstDash val="solid"/>
+          <a:miter lim="800000"/>
+        </a:ln>
+      </a:lnStyleLst>
+      <a:effectStyleLst>
+        <a:effectStyle>
+          <a:effectLst/>
+        </a:effectStyle>
+        <a:effectStyle>
+          <a:effectLst/>
+        </a:effectStyle>
+        <a:effectStyle>
+          <a:effectLst>
+            <a:outerShdw blurRad="57150" dist="19050" dir="5400000" algn="ctr" rotWithShape="0">
+              <a:srgbClr val="000000">
+                <a:alpha val="63000"/>
+              </a:srgbClr>
+            </a:outerShdw>
+          </a:effectLst>
+        </a:effectStyle>
+      </a:effectStyleLst>
+      <a:bgFillStyleLst>
+        <a:solidFill>
+          <a:schemeClr val="phClr"/>
+        </a:solidFill>
+        <a:solidFill>
+          <a:schemeClr val="phClr">
+            <a:tint val="95000"/>
+            <a:satMod val="170000"/>
+          </a:schemeClr>
+        </a:solidFill>
+        <a:gradFill rotWithShape="1">
+          <a:gsLst>
+            <a:gs pos="0">
+              <a:schemeClr val="phClr">
+                <a:tint val="93000"/>
+                <a:satMod val="150000"/>
+                <a:shade val="98000"/>
+                <a:lumMod val="102000"/>
+              </a:schemeClr>
+            </a:gs>
+            <a:gs pos="50000">
+              <a:schemeClr val="phClr">
+                <a:tint val="98000"/>
+                <a:satMod val="130000"/>
+                <a:shade val="90000"/>
+                <a:lumMod val="103000"/>
+              </a:schemeClr>
+            </a:gs>
+            <a:gs pos="100000">
+              <a:schemeClr val="phClr">
+                <a:shade val="63000"/>
+                <a:satMod val="120000"/>
+              </a:schemeClr>
+            </a:gs>
+          </a:gsLst>
+          <a:lin ang="5400000" scaled="0"/>
+        </a:gradFill>
+      </a:bgFillStyleLst>
+    </a:fmtScheme>
+  </a:themeElements>
+  <a:objectDefaults/>
+  <a:extraClrSchemeLst/>
+  <a:extLst>
+    <a:ext uri="{05A4C25C-085E-4340-85A3-A5531E510DB2}">
+      <thm15:themeFamily xmlns:thm15="http://schemas.microsoft.com/office/thememl/2012/main" name="Office Theme" id="{62F939B6-93AF-4DB8-9C6B-D6C7DFDC589F}" vid="{4A3C46E8-61CC-4603-A589-7422A47A8E4A}"/>
+    </a:ext>
+  </a:extLst>
+</a:theme>
 </file>
--- a/Weekly summary.pptx
+++ b/Weekly summary.pptx
@@ -207,7 +207,7 @@
           <a:p>
             <a:fld id="{5C1E4B4F-065B-4806-AECA-278796DA8016}" type="datetimeFigureOut">
               <a:rPr lang="en-US" smtClean="0"/>
-              <a:t>4/23/2018</a:t>
+              <a:t>4/24/2018</a:t>
             </a:fld>
             <a:endParaRPr lang="en-US"/>
           </a:p>
@@ -961,7 +961,7 @@
           <a:p>
             <a:fld id="{D22BAA74-15F4-4F7F-9702-0632D04FA5EB}" type="datetimeFigureOut">
               <a:rPr lang="en-US" smtClean="0"/>
-              <a:t>4/23/2018</a:t>
+              <a:t>4/24/2018</a:t>
             </a:fld>
             <a:endParaRPr lang="en-US"/>
           </a:p>
@@ -1140,7 +1140,7 @@
           <a:p>
             <a:fld id="{D22BAA74-15F4-4F7F-9702-0632D04FA5EB}" type="datetimeFigureOut">
               <a:rPr lang="en-US" smtClean="0"/>
-              <a:t>4/23/2018</a:t>
+              <a:t>4/24/2018</a:t>
             </a:fld>
             <a:endParaRPr lang="en-US"/>
           </a:p>
@@ -1320,7 +1320,7 @@
           <a:p>
             <a:fld id="{D22BAA74-15F4-4F7F-9702-0632D04FA5EB}" type="datetimeFigureOut">
               <a:rPr lang="en-US" smtClean="0"/>
-              <a:t>4/23/2018</a:t>
+              <a:t>4/24/2018</a:t>
             </a:fld>
             <a:endParaRPr lang="en-US"/>
           </a:p>
@@ -1490,7 +1490,7 @@
           <a:p>
             <a:fld id="{D22BAA74-15F4-4F7F-9702-0632D04FA5EB}" type="datetimeFigureOut">
               <a:rPr lang="en-US" smtClean="0"/>
-              <a:t>4/23/2018</a:t>
+              <a:t>4/24/2018</a:t>
             </a:fld>
             <a:endParaRPr lang="en-US"/>
           </a:p>
@@ -1803,7 +1803,7 @@
           <a:p>
             <a:fld id="{D22BAA74-15F4-4F7F-9702-0632D04FA5EB}" type="datetimeFigureOut">
               <a:rPr lang="en-US" smtClean="0"/>
-              <a:t>4/23/2018</a:t>
+              <a:t>4/24/2018</a:t>
             </a:fld>
             <a:endParaRPr lang="en-US"/>
           </a:p>
@@ -2189,7 +2189,7 @@
           <a:p>
             <a:fld id="{D22BAA74-15F4-4F7F-9702-0632D04FA5EB}" type="datetimeFigureOut">
               <a:rPr lang="en-US" smtClean="0"/>
-              <a:t>4/23/2018</a:t>
+              <a:t>4/24/2018</a:t>
             </a:fld>
             <a:endParaRPr lang="en-US"/>
           </a:p>
@@ -2623,7 +2623,7 @@
           <a:p>
             <a:fld id="{D22BAA74-15F4-4F7F-9702-0632D04FA5EB}" type="datetimeFigureOut">
               <a:rPr lang="en-US" smtClean="0"/>
-              <a:t>4/23/2018</a:t>
+              <a:t>4/24/2018</a:t>
             </a:fld>
             <a:endParaRPr lang="en-US"/>
           </a:p>
@@ -2741,7 +2741,7 @@
           <a:p>
             <a:fld id="{D22BAA74-15F4-4F7F-9702-0632D04FA5EB}" type="datetimeFigureOut">
               <a:rPr lang="en-US" smtClean="0"/>
-              <a:t>4/23/2018</a:t>
+              <a:t>4/24/2018</a:t>
             </a:fld>
             <a:endParaRPr lang="en-US"/>
           </a:p>
@@ -2836,7 +2836,7 @@
           <a:p>
             <a:fld id="{D22BAA74-15F4-4F7F-9702-0632D04FA5EB}" type="datetimeFigureOut">
               <a:rPr lang="en-US" smtClean="0"/>
-              <a:t>4/23/2018</a:t>
+              <a:t>4/24/2018</a:t>
             </a:fld>
             <a:endParaRPr lang="en-US"/>
           </a:p>
@@ -3186,7 +3186,7 @@
           <a:p>
             <a:fld id="{D22BAA74-15F4-4F7F-9702-0632D04FA5EB}" type="datetimeFigureOut">
               <a:rPr lang="en-US" smtClean="0"/>
-              <a:t>4/23/2018</a:t>
+              <a:t>4/24/2018</a:t>
             </a:fld>
             <a:endParaRPr lang="en-US"/>
           </a:p>
@@ -3611,7 +3611,7 @@
           <a:p>
             <a:fld id="{D22BAA74-15F4-4F7F-9702-0632D04FA5EB}" type="datetimeFigureOut">
               <a:rPr lang="en-US" smtClean="0"/>
-              <a:t>4/23/2018</a:t>
+              <a:t>4/24/2018</a:t>
             </a:fld>
             <a:endParaRPr lang="en-US"/>
           </a:p>
@@ -3892,7 +3892,7 @@
           <a:p>
             <a:fld id="{D22BAA74-15F4-4F7F-9702-0632D04FA5EB}" type="datetimeFigureOut">
               <a:rPr lang="en-US" smtClean="0"/>
-              <a:t>4/23/2018</a:t>
+              <a:t>4/24/2018</a:t>
             </a:fld>
             <a:endParaRPr lang="en-US"/>
           </a:p>
@@ -6665,8 +6665,8 @@
           </a:p>
         </p:txBody>
       </p:sp>
-      <mc:AlternateContent xmlns:mc="http://schemas.openxmlformats.org/markup-compatibility/2006">
-        <mc:Choice xmlns:a14="http://schemas.microsoft.com/office/drawing/2010/main" Requires="a14">
+      <mc:AlternateContent xmlns:mc="http://schemas.openxmlformats.org/markup-compatibility/2006" xmlns:a14="http://schemas.microsoft.com/office/drawing/2010/main">
+        <mc:Choice Requires="a14">
           <p:sp>
             <p:nvSpPr>
               <p:cNvPr id="8" name="TextBox 7">
@@ -6720,7 +6720,7 @@
             </p:txBody>
           </p:sp>
         </mc:Choice>
-        <mc:Fallback>
+        <mc:Fallback xmlns="">
           <p:sp>
             <p:nvSpPr>
               <p:cNvPr id="8" name="TextBox 7">

--- a/Weekly summary.pptx
+++ b/Weekly summary.pptx
@@ -5,20 +5,22 @@
     <p:sldMasterId id="2147483779" r:id="rId1"/>
   </p:sldMasterIdLst>
   <p:notesMasterIdLst>
-    <p:notesMasterId r:id="rId13"/>
+    <p:notesMasterId r:id="rId15"/>
   </p:notesMasterIdLst>
   <p:sldIdLst>
     <p:sldId id="256" r:id="rId2"/>
     <p:sldId id="257" r:id="rId3"/>
     <p:sldId id="259" r:id="rId4"/>
     <p:sldId id="261" r:id="rId5"/>
-    <p:sldId id="262" r:id="rId6"/>
-    <p:sldId id="263" r:id="rId7"/>
-    <p:sldId id="266" r:id="rId8"/>
-    <p:sldId id="264" r:id="rId9"/>
-    <p:sldId id="265" r:id="rId10"/>
-    <p:sldId id="260" r:id="rId11"/>
-    <p:sldId id="258" r:id="rId12"/>
+    <p:sldId id="268" r:id="rId6"/>
+    <p:sldId id="267" r:id="rId7"/>
+    <p:sldId id="262" r:id="rId8"/>
+    <p:sldId id="263" r:id="rId9"/>
+    <p:sldId id="266" r:id="rId10"/>
+    <p:sldId id="264" r:id="rId11"/>
+    <p:sldId id="265" r:id="rId12"/>
+    <p:sldId id="260" r:id="rId13"/>
+    <p:sldId id="258" r:id="rId14"/>
   </p:sldIdLst>
   <p:sldSz cx="12192000" cy="6858000"/>
   <p:notesSz cx="6858000" cy="9144000"/>
@@ -207,7 +209,7 @@
           <a:p>
             <a:fld id="{5C1E4B4F-065B-4806-AECA-278796DA8016}" type="datetimeFigureOut">
               <a:rPr lang="en-US" smtClean="0"/>
-              <a:t>4/24/2018</a:t>
+              <a:t>4/25/2018</a:t>
             </a:fld>
             <a:endParaRPr lang="en-US"/>
           </a:p>
@@ -539,7 +541,7 @@
           <a:p>
             <a:fld id="{AC928313-6375-4BC7-9F75-A615DAE9CC83}" type="slidenum">
               <a:rPr lang="en-US" smtClean="0"/>
-              <a:t>8</a:t>
+              <a:t>10</a:t>
             </a:fld>
             <a:endParaRPr lang="en-US"/>
           </a:p>
@@ -961,7 +963,7 @@
           <a:p>
             <a:fld id="{D22BAA74-15F4-4F7F-9702-0632D04FA5EB}" type="datetimeFigureOut">
               <a:rPr lang="en-US" smtClean="0"/>
-              <a:t>4/24/2018</a:t>
+              <a:t>4/25/2018</a:t>
             </a:fld>
             <a:endParaRPr lang="en-US"/>
           </a:p>
@@ -1140,7 +1142,7 @@
           <a:p>
             <a:fld id="{D22BAA74-15F4-4F7F-9702-0632D04FA5EB}" type="datetimeFigureOut">
               <a:rPr lang="en-US" smtClean="0"/>
-              <a:t>4/24/2018</a:t>
+              <a:t>4/25/2018</a:t>
             </a:fld>
             <a:endParaRPr lang="en-US"/>
           </a:p>
@@ -1320,7 +1322,7 @@
           <a:p>
             <a:fld id="{D22BAA74-15F4-4F7F-9702-0632D04FA5EB}" type="datetimeFigureOut">
               <a:rPr lang="en-US" smtClean="0"/>
-              <a:t>4/24/2018</a:t>
+              <a:t>4/25/2018</a:t>
             </a:fld>
             <a:endParaRPr lang="en-US"/>
           </a:p>
@@ -1490,7 +1492,7 @@
           <a:p>
             <a:fld id="{D22BAA74-15F4-4F7F-9702-0632D04FA5EB}" type="datetimeFigureOut">
               <a:rPr lang="en-US" smtClean="0"/>
-              <a:t>4/24/2018</a:t>
+              <a:t>4/25/2018</a:t>
             </a:fld>
             <a:endParaRPr lang="en-US"/>
           </a:p>
@@ -1803,7 +1805,7 @@
           <a:p>
             <a:fld id="{D22BAA74-15F4-4F7F-9702-0632D04FA5EB}" type="datetimeFigureOut">
               <a:rPr lang="en-US" smtClean="0"/>
-              <a:t>4/24/2018</a:t>
+              <a:t>4/25/2018</a:t>
             </a:fld>
             <a:endParaRPr lang="en-US"/>
           </a:p>
@@ -2189,7 +2191,7 @@
           <a:p>
             <a:fld id="{D22BAA74-15F4-4F7F-9702-0632D04FA5EB}" type="datetimeFigureOut">
               <a:rPr lang="en-US" smtClean="0"/>
-              <a:t>4/24/2018</a:t>
+              <a:t>4/25/2018</a:t>
             </a:fld>
             <a:endParaRPr lang="en-US"/>
           </a:p>
@@ -2623,7 +2625,7 @@
           <a:p>
             <a:fld id="{D22BAA74-15F4-4F7F-9702-0632D04FA5EB}" type="datetimeFigureOut">
               <a:rPr lang="en-US" smtClean="0"/>
-              <a:t>4/24/2018</a:t>
+              <a:t>4/25/2018</a:t>
             </a:fld>
             <a:endParaRPr lang="en-US"/>
           </a:p>
@@ -2741,7 +2743,7 @@
           <a:p>
             <a:fld id="{D22BAA74-15F4-4F7F-9702-0632D04FA5EB}" type="datetimeFigureOut">
               <a:rPr lang="en-US" smtClean="0"/>
-              <a:t>4/24/2018</a:t>
+              <a:t>4/25/2018</a:t>
             </a:fld>
             <a:endParaRPr lang="en-US"/>
           </a:p>
@@ -2836,7 +2838,7 @@
           <a:p>
             <a:fld id="{D22BAA74-15F4-4F7F-9702-0632D04FA5EB}" type="datetimeFigureOut">
               <a:rPr lang="en-US" smtClean="0"/>
-              <a:t>4/24/2018</a:t>
+              <a:t>4/25/2018</a:t>
             </a:fld>
             <a:endParaRPr lang="en-US"/>
           </a:p>
@@ -3186,7 +3188,7 @@
           <a:p>
             <a:fld id="{D22BAA74-15F4-4F7F-9702-0632D04FA5EB}" type="datetimeFigureOut">
               <a:rPr lang="en-US" smtClean="0"/>
-              <a:t>4/24/2018</a:t>
+              <a:t>4/25/2018</a:t>
             </a:fld>
             <a:endParaRPr lang="en-US"/>
           </a:p>
@@ -3611,7 +3613,7 @@
           <a:p>
             <a:fld id="{D22BAA74-15F4-4F7F-9702-0632D04FA5EB}" type="datetimeFigureOut">
               <a:rPr lang="en-US" smtClean="0"/>
-              <a:t>4/24/2018</a:t>
+              <a:t>4/25/2018</a:t>
             </a:fld>
             <a:endParaRPr lang="en-US"/>
           </a:p>
@@ -3892,7 +3894,7 @@
           <a:p>
             <a:fld id="{D22BAA74-15F4-4F7F-9702-0632D04FA5EB}" type="datetimeFigureOut">
               <a:rPr lang="en-US" smtClean="0"/>
-              <a:t>4/24/2018</a:t>
+              <a:t>4/25/2018</a:t>
             </a:fld>
             <a:endParaRPr lang="en-US"/>
           </a:p>
@@ -4566,6 +4568,175 @@
           <p:cNvPr id="2" name="Title 1">
             <a:extLst>
               <a:ext uri="{FF2B5EF4-FFF2-40B4-BE49-F238E27FC236}">
+                <a16:creationId xmlns:a16="http://schemas.microsoft.com/office/drawing/2014/main" id="{0896BAB0-67B5-458A-87FA-614F1243266A}"/>
+              </a:ext>
+            </a:extLst>
+          </p:cNvPr>
+          <p:cNvSpPr>
+            <a:spLocks noGrp="1"/>
+          </p:cNvSpPr>
+          <p:nvPr>
+            <p:ph type="title"/>
+          </p:nvPr>
+        </p:nvSpPr>
+        <p:spPr/>
+        <p:txBody>
+          <a:bodyPr/>
+          <a:lstStyle/>
+          <a:p>
+            <a:r>
+              <a:rPr lang="en-US" dirty="0"/>
+              <a:t>Entities in a sentence</a:t>
+            </a:r>
+          </a:p>
+        </p:txBody>
+      </p:sp>
+      <p:sp>
+        <p:nvSpPr>
+          <p:cNvPr id="3" name="Content Placeholder 2">
+            <a:extLst>
+              <a:ext uri="{FF2B5EF4-FFF2-40B4-BE49-F238E27FC236}">
+                <a16:creationId xmlns:a16="http://schemas.microsoft.com/office/drawing/2014/main" id="{7F2AEC45-C667-4A69-9FC7-8E6751E84E77}"/>
+              </a:ext>
+            </a:extLst>
+          </p:cNvPr>
+          <p:cNvSpPr>
+            <a:spLocks noGrp="1"/>
+          </p:cNvSpPr>
+          <p:nvPr>
+            <p:ph idx="1"/>
+          </p:nvPr>
+        </p:nvSpPr>
+        <p:spPr/>
+        <p:txBody>
+          <a:bodyPr/>
+          <a:lstStyle/>
+          <a:p>
+            <a:r>
+              <a:rPr lang="en-US" dirty="0"/>
+              <a:t>Actor, location, non-actor item……</a:t>
+            </a:r>
+          </a:p>
+        </p:txBody>
+      </p:sp>
+    </p:spTree>
+    <p:extLst>
+      <p:ext uri="{BB962C8B-B14F-4D97-AF65-F5344CB8AC3E}">
+        <p14:creationId xmlns:p14="http://schemas.microsoft.com/office/powerpoint/2010/main" val="1070168866"/>
+      </p:ext>
+    </p:extLst>
+  </p:cSld>
+  <p:clrMapOvr>
+    <a:masterClrMapping/>
+  </p:clrMapOvr>
+</p:sld>
+</file>
+
+<file path=ppt/slides/slide11.xml><?xml version="1.0" encoding="utf-8"?>
+<p:sld xmlns:a="http://schemas.openxmlformats.org/drawingml/2006/main" xmlns:r="http://schemas.openxmlformats.org/officeDocument/2006/relationships" xmlns:p="http://schemas.openxmlformats.org/presentationml/2006/main">
+  <p:cSld>
+    <p:spTree>
+      <p:nvGrpSpPr>
+        <p:cNvPr id="1" name=""/>
+        <p:cNvGrpSpPr/>
+        <p:nvPr/>
+      </p:nvGrpSpPr>
+      <p:grpSpPr>
+        <a:xfrm>
+          <a:off x="0" y="0"/>
+          <a:ext cx="0" cy="0"/>
+          <a:chOff x="0" y="0"/>
+          <a:chExt cx="0" cy="0"/>
+        </a:xfrm>
+      </p:grpSpPr>
+      <p:sp>
+        <p:nvSpPr>
+          <p:cNvPr id="2" name="Title 1">
+            <a:extLst>
+              <a:ext uri="{FF2B5EF4-FFF2-40B4-BE49-F238E27FC236}">
+                <a16:creationId xmlns:a16="http://schemas.microsoft.com/office/drawing/2014/main" id="{D9DD8290-0F94-4869-A15E-55897323AADF}"/>
+              </a:ext>
+            </a:extLst>
+          </p:cNvPr>
+          <p:cNvSpPr>
+            <a:spLocks noGrp="1"/>
+          </p:cNvSpPr>
+          <p:nvPr>
+            <p:ph type="title"/>
+          </p:nvPr>
+        </p:nvSpPr>
+        <p:spPr/>
+        <p:txBody>
+          <a:bodyPr/>
+          <a:lstStyle/>
+          <a:p>
+            <a:r>
+              <a:rPr lang="en-US" dirty="0"/>
+              <a:t>Visualization interface</a:t>
+            </a:r>
+          </a:p>
+        </p:txBody>
+      </p:sp>
+      <p:sp>
+        <p:nvSpPr>
+          <p:cNvPr id="3" name="Content Placeholder 2">
+            <a:extLst>
+              <a:ext uri="{FF2B5EF4-FFF2-40B4-BE49-F238E27FC236}">
+                <a16:creationId xmlns:a16="http://schemas.microsoft.com/office/drawing/2014/main" id="{99B0FBBD-26C1-4CA2-95EC-7D7F1281CB7C}"/>
+              </a:ext>
+            </a:extLst>
+          </p:cNvPr>
+          <p:cNvSpPr>
+            <a:spLocks noGrp="1"/>
+          </p:cNvSpPr>
+          <p:nvPr>
+            <p:ph idx="1"/>
+          </p:nvPr>
+        </p:nvSpPr>
+        <p:spPr/>
+        <p:txBody>
+          <a:bodyPr/>
+          <a:lstStyle/>
+          <a:p>
+            <a:endParaRPr lang="en-US"/>
+          </a:p>
+        </p:txBody>
+      </p:sp>
+    </p:spTree>
+    <p:extLst>
+      <p:ext uri="{BB962C8B-B14F-4D97-AF65-F5344CB8AC3E}">
+        <p14:creationId xmlns:p14="http://schemas.microsoft.com/office/powerpoint/2010/main" val="3211698571"/>
+      </p:ext>
+    </p:extLst>
+  </p:cSld>
+  <p:clrMapOvr>
+    <a:masterClrMapping/>
+  </p:clrMapOvr>
+</p:sld>
+</file>
+
+<file path=ppt/slides/slide12.xml><?xml version="1.0" encoding="utf-8"?>
+<p:sld xmlns:a="http://schemas.openxmlformats.org/drawingml/2006/main" xmlns:r="http://schemas.openxmlformats.org/officeDocument/2006/relationships" xmlns:p="http://schemas.openxmlformats.org/presentationml/2006/main">
+  <p:cSld>
+    <p:spTree>
+      <p:nvGrpSpPr>
+        <p:cNvPr id="1" name=""/>
+        <p:cNvGrpSpPr/>
+        <p:nvPr/>
+      </p:nvGrpSpPr>
+      <p:grpSpPr>
+        <a:xfrm>
+          <a:off x="0" y="0"/>
+          <a:ext cx="0" cy="0"/>
+          <a:chOff x="0" y="0"/>
+          <a:chExt cx="0" cy="0"/>
+        </a:xfrm>
+      </p:grpSpPr>
+      <p:sp>
+        <p:nvSpPr>
+          <p:cNvPr id="2" name="Title 1">
+            <a:extLst>
+              <a:ext uri="{FF2B5EF4-FFF2-40B4-BE49-F238E27FC236}">
                 <a16:creationId xmlns:a16="http://schemas.microsoft.com/office/drawing/2014/main" id="{D43E87D5-87D8-4A7E-A875-C44ED21E466F}"/>
               </a:ext>
             </a:extLst>
@@ -4627,7 +4798,7 @@
 </p:sld>
 </file>
 
-<file path=ppt/slides/slide11.xml><?xml version="1.0" encoding="utf-8"?>
+<file path=ppt/slides/slide13.xml><?xml version="1.0" encoding="utf-8"?>
 <p:sld xmlns:a="http://schemas.openxmlformats.org/drawingml/2006/main" xmlns:r="http://schemas.openxmlformats.org/officeDocument/2006/relationships" xmlns:p="http://schemas.openxmlformats.org/presentationml/2006/main">
   <p:cSld>
     <p:spTree>
@@ -4942,13 +5113,6 @@
             <a:endParaRPr lang="en-US" dirty="0"/>
           </a:p>
           <a:p>
-            <a:pPr lvl="1"/>
-            <a:r>
-              <a:rPr lang="en-US" dirty="0"/>
-              <a:t>Reference papers</a:t>
-            </a:r>
-          </a:p>
-          <a:p>
             <a:pPr lvl="2"/>
             <a:endParaRPr lang="en-US" dirty="0"/>
           </a:p>
@@ -5000,6 +5164,28 @@
             <a:endParaRPr lang="en-US" dirty="0"/>
           </a:p>
           <a:p>
+            <a:pPr lvl="2"/>
+            <a:r>
+              <a:rPr lang="en-US" altLang="zh-TW" dirty="0">
+                <a:hlinkClick r:id="rId3" action="ppaction://hlinksldjump"/>
+              </a:rPr>
+              <a:t>Link </a:t>
+            </a:r>
+            <a:r>
+              <a:rPr lang="en-US" altLang="zh-TW" dirty="0" err="1">
+                <a:hlinkClick r:id="rId3" action="ppaction://hlinksldjump"/>
+              </a:rPr>
+              <a:t>verbnet</a:t>
+            </a:r>
+            <a:r>
+              <a:rPr lang="en-US" altLang="zh-TW" dirty="0">
+                <a:hlinkClick r:id="rId3" action="ppaction://hlinksldjump"/>
+              </a:rPr>
+              <a:t> frame and predicate</a:t>
+            </a:r>
+            <a:endParaRPr lang="en-US" dirty="0"/>
+          </a:p>
+          <a:p>
             <a:pPr lvl="1"/>
             <a:r>
               <a:rPr lang="en-US" dirty="0"/>
@@ -5019,7 +5205,7 @@
             <a:pPr lvl="2"/>
             <a:r>
               <a:rPr lang="en-US" dirty="0">
-                <a:hlinkClick r:id="rId3" action="ppaction://hlinksldjump"/>
+                <a:hlinkClick r:id="rId4" action="ppaction://hlinksldjump"/>
               </a:rPr>
               <a:t>Task visualization interface</a:t>
             </a:r>
@@ -5029,7 +5215,7 @@
             <a:pPr lvl="2"/>
             <a:r>
               <a:rPr lang="en-US" dirty="0">
-                <a:hlinkClick r:id="rId4" action="ppaction://hlinksldjump"/>
+                <a:hlinkClick r:id="rId5" action="ppaction://hlinksldjump"/>
               </a:rPr>
               <a:t>Simple learning method for new verb</a:t>
             </a:r>
@@ -5220,6 +5406,840 @@
 </file>
 
 <file path=ppt/slides/slide5.xml><?xml version="1.0" encoding="utf-8"?>
+<p:sld xmlns:a="http://schemas.openxmlformats.org/drawingml/2006/main" xmlns:r="http://schemas.openxmlformats.org/officeDocument/2006/relationships" xmlns:p="http://schemas.openxmlformats.org/presentationml/2006/main">
+  <p:cSld>
+    <p:spTree>
+      <p:nvGrpSpPr>
+        <p:cNvPr id="1" name=""/>
+        <p:cNvGrpSpPr/>
+        <p:nvPr/>
+      </p:nvGrpSpPr>
+      <p:grpSpPr>
+        <a:xfrm>
+          <a:off x="0" y="0"/>
+          <a:ext cx="0" cy="0"/>
+          <a:chOff x="0" y="0"/>
+          <a:chExt cx="0" cy="0"/>
+        </a:xfrm>
+      </p:grpSpPr>
+      <p:sp>
+        <p:nvSpPr>
+          <p:cNvPr id="2" name="Title 1">
+            <a:extLst>
+              <a:ext uri="{FF2B5EF4-FFF2-40B4-BE49-F238E27FC236}">
+                <a16:creationId xmlns:a16="http://schemas.microsoft.com/office/drawing/2014/main" id="{727E0659-E569-4423-919C-6E5A040F2A45}"/>
+              </a:ext>
+            </a:extLst>
+          </p:cNvPr>
+          <p:cNvSpPr>
+            <a:spLocks noGrp="1"/>
+          </p:cNvSpPr>
+          <p:nvPr>
+            <p:ph type="title"/>
+          </p:nvPr>
+        </p:nvSpPr>
+        <p:spPr/>
+        <p:txBody>
+          <a:bodyPr/>
+          <a:lstStyle/>
+          <a:p>
+            <a:r>
+              <a:rPr lang="en-US" dirty="0"/>
+              <a:t>Process</a:t>
+            </a:r>
+          </a:p>
+        </p:txBody>
+      </p:sp>
+      <p:sp>
+        <p:nvSpPr>
+          <p:cNvPr id="4" name="Rectangle 3">
+            <a:extLst>
+              <a:ext uri="{FF2B5EF4-FFF2-40B4-BE49-F238E27FC236}">
+                <a16:creationId xmlns:a16="http://schemas.microsoft.com/office/drawing/2014/main" id="{9438CAA8-617E-4512-9BF0-29A0BE46B9E7}"/>
+              </a:ext>
+            </a:extLst>
+          </p:cNvPr>
+          <p:cNvSpPr/>
+          <p:nvPr/>
+        </p:nvSpPr>
+        <p:spPr>
+          <a:xfrm>
+            <a:off x="914401" y="1957417"/>
+            <a:ext cx="4552749" cy="490888"/>
+          </a:xfrm>
+          <a:prstGeom prst="rect">
+            <a:avLst/>
+          </a:prstGeom>
+        </p:spPr>
+        <p:style>
+          <a:lnRef idx="2">
+            <a:schemeClr val="accent5"/>
+          </a:lnRef>
+          <a:fillRef idx="1">
+            <a:schemeClr val="lt1"/>
+          </a:fillRef>
+          <a:effectRef idx="0">
+            <a:schemeClr val="accent5"/>
+          </a:effectRef>
+          <a:fontRef idx="minor">
+            <a:schemeClr val="dk1"/>
+          </a:fontRef>
+        </p:style>
+        <p:txBody>
+          <a:bodyPr rtlCol="0" anchor="ctr"/>
+          <a:lstStyle/>
+          <a:p>
+            <a:pPr algn="ctr"/>
+            <a:r>
+              <a:rPr lang="en-US" dirty="0"/>
+              <a:t>Sentence:  Mary travelled to the hallway.</a:t>
+            </a:r>
+          </a:p>
+        </p:txBody>
+      </p:sp>
+      <p:sp>
+        <p:nvSpPr>
+          <p:cNvPr id="5" name="Rectangle 4">
+            <a:extLst>
+              <a:ext uri="{FF2B5EF4-FFF2-40B4-BE49-F238E27FC236}">
+                <a16:creationId xmlns:a16="http://schemas.microsoft.com/office/drawing/2014/main" id="{7EBDCC41-239A-45BB-ADCC-A39A5DDEA2F0}"/>
+              </a:ext>
+            </a:extLst>
+          </p:cNvPr>
+          <p:cNvSpPr/>
+          <p:nvPr/>
+        </p:nvSpPr>
+        <p:spPr>
+          <a:xfrm>
+            <a:off x="943276" y="3214837"/>
+            <a:ext cx="3214838" cy="3551723"/>
+          </a:xfrm>
+          <a:prstGeom prst="rect">
+            <a:avLst/>
+          </a:prstGeom>
+        </p:spPr>
+        <p:style>
+          <a:lnRef idx="2">
+            <a:schemeClr val="accent1">
+              <a:shade val="50000"/>
+            </a:schemeClr>
+          </a:lnRef>
+          <a:fillRef idx="1">
+            <a:schemeClr val="accent1"/>
+          </a:fillRef>
+          <a:effectRef idx="0">
+            <a:schemeClr val="accent1"/>
+          </a:effectRef>
+          <a:fontRef idx="minor">
+            <a:schemeClr val="lt1"/>
+          </a:fontRef>
+        </p:style>
+        <p:txBody>
+          <a:bodyPr rtlCol="0" anchor="ctr"/>
+          <a:lstStyle/>
+          <a:p>
+            <a:pPr algn="ctr"/>
+            <a:endParaRPr lang="en-US"/>
+          </a:p>
+        </p:txBody>
+      </p:sp>
+      <p:sp>
+        <p:nvSpPr>
+          <p:cNvPr id="6" name="Rectangle 5">
+            <a:extLst>
+              <a:ext uri="{FF2B5EF4-FFF2-40B4-BE49-F238E27FC236}">
+                <a16:creationId xmlns:a16="http://schemas.microsoft.com/office/drawing/2014/main" id="{E82C3C68-9154-49B4-84F1-2736913B7055}"/>
+              </a:ext>
+            </a:extLst>
+          </p:cNvPr>
+          <p:cNvSpPr/>
+          <p:nvPr/>
+        </p:nvSpPr>
+        <p:spPr>
+          <a:xfrm>
+            <a:off x="1069848" y="3347184"/>
+            <a:ext cx="2926080" cy="1643514"/>
+          </a:xfrm>
+          <a:prstGeom prst="rect">
+            <a:avLst/>
+          </a:prstGeom>
+        </p:spPr>
+        <p:style>
+          <a:lnRef idx="2">
+            <a:schemeClr val="accent5"/>
+          </a:lnRef>
+          <a:fillRef idx="1">
+            <a:schemeClr val="lt1"/>
+          </a:fillRef>
+          <a:effectRef idx="0">
+            <a:schemeClr val="accent5"/>
+          </a:effectRef>
+          <a:fontRef idx="minor">
+            <a:schemeClr val="dk1"/>
+          </a:fontRef>
+        </p:style>
+        <p:txBody>
+          <a:bodyPr rtlCol="0" anchor="ctr"/>
+          <a:lstStyle/>
+          <a:p>
+            <a:r>
+              <a:rPr lang="en-US" dirty="0"/>
+              <a:t>Entities:</a:t>
+            </a:r>
+          </a:p>
+          <a:p>
+            <a:r>
+              <a:rPr lang="en-US" dirty="0"/>
+              <a:t>{</a:t>
+            </a:r>
+          </a:p>
+          <a:p>
+            <a:r>
+              <a:rPr lang="en-US" dirty="0"/>
+              <a:t>	Location:{   hallway  },</a:t>
+            </a:r>
+          </a:p>
+          <a:p>
+            <a:r>
+              <a:rPr lang="en-US" dirty="0"/>
+              <a:t>	Item: {    },</a:t>
+            </a:r>
+          </a:p>
+          <a:p>
+            <a:r>
+              <a:rPr lang="en-US" dirty="0"/>
+              <a:t>	Actor: { Mary}</a:t>
+            </a:r>
+          </a:p>
+          <a:p>
+            <a:r>
+              <a:rPr lang="en-US" dirty="0"/>
+              <a:t>}</a:t>
+            </a:r>
+          </a:p>
+        </p:txBody>
+      </p:sp>
+      <p:sp>
+        <p:nvSpPr>
+          <p:cNvPr id="7" name="Rectangle 6">
+            <a:extLst>
+              <a:ext uri="{FF2B5EF4-FFF2-40B4-BE49-F238E27FC236}">
+                <a16:creationId xmlns:a16="http://schemas.microsoft.com/office/drawing/2014/main" id="{0924F1ED-9A29-4323-AB0F-952D2C913FEC}"/>
+              </a:ext>
+            </a:extLst>
+          </p:cNvPr>
+          <p:cNvSpPr/>
+          <p:nvPr/>
+        </p:nvSpPr>
+        <p:spPr>
+          <a:xfrm>
+            <a:off x="1069848" y="5040026"/>
+            <a:ext cx="2926080" cy="1643514"/>
+          </a:xfrm>
+          <a:prstGeom prst="rect">
+            <a:avLst/>
+          </a:prstGeom>
+        </p:spPr>
+        <p:style>
+          <a:lnRef idx="2">
+            <a:schemeClr val="accent5"/>
+          </a:lnRef>
+          <a:fillRef idx="1">
+            <a:schemeClr val="lt1"/>
+          </a:fillRef>
+          <a:effectRef idx="0">
+            <a:schemeClr val="accent5"/>
+          </a:effectRef>
+          <a:fontRef idx="minor">
+            <a:schemeClr val="dk1"/>
+          </a:fontRef>
+        </p:style>
+        <p:txBody>
+          <a:bodyPr rtlCol="0" anchor="ctr"/>
+          <a:lstStyle/>
+          <a:p>
+            <a:r>
+              <a:rPr lang="en-US" dirty="0"/>
+              <a:t>Action:</a:t>
+            </a:r>
+          </a:p>
+          <a:p>
+            <a:r>
+              <a:rPr lang="en-US" dirty="0"/>
+              <a:t>{</a:t>
+            </a:r>
+          </a:p>
+          <a:p>
+            <a:r>
+              <a:rPr lang="en-US" dirty="0"/>
+              <a:t>	travelled</a:t>
+            </a:r>
+          </a:p>
+          <a:p>
+            <a:r>
+              <a:rPr lang="en-US" dirty="0"/>
+              <a:t>}</a:t>
+            </a:r>
+          </a:p>
+        </p:txBody>
+      </p:sp>
+      <p:sp>
+        <p:nvSpPr>
+          <p:cNvPr id="8" name="Rectangle 7">
+            <a:extLst>
+              <a:ext uri="{FF2B5EF4-FFF2-40B4-BE49-F238E27FC236}">
+                <a16:creationId xmlns:a16="http://schemas.microsoft.com/office/drawing/2014/main" id="{F60F136B-865E-4890-B4A7-CE9EA6E51B10}"/>
+              </a:ext>
+            </a:extLst>
+          </p:cNvPr>
+          <p:cNvSpPr/>
+          <p:nvPr/>
+        </p:nvSpPr>
+        <p:spPr>
+          <a:xfrm>
+            <a:off x="6639830" y="1267646"/>
+            <a:ext cx="3630328" cy="490888"/>
+          </a:xfrm>
+          <a:prstGeom prst="rect">
+            <a:avLst/>
+          </a:prstGeom>
+        </p:spPr>
+        <p:style>
+          <a:lnRef idx="2">
+            <a:schemeClr val="accent5"/>
+          </a:lnRef>
+          <a:fillRef idx="1">
+            <a:schemeClr val="lt1"/>
+          </a:fillRef>
+          <a:effectRef idx="0">
+            <a:schemeClr val="accent5"/>
+          </a:effectRef>
+          <a:fontRef idx="minor">
+            <a:schemeClr val="dk1"/>
+          </a:fontRef>
+        </p:style>
+        <p:txBody>
+          <a:bodyPr rtlCol="0" anchor="ctr"/>
+          <a:lstStyle/>
+          <a:p>
+            <a:r>
+              <a:rPr lang="en-US" dirty="0"/>
+              <a:t>Frame 1:  TO (DT) </a:t>
+            </a:r>
+            <a:r>
+              <a:rPr lang="en-US" dirty="0">
+                <a:solidFill>
+                  <a:srgbClr val="0070C0"/>
+                </a:solidFill>
+              </a:rPr>
+              <a:t>NP</a:t>
+            </a:r>
+          </a:p>
+        </p:txBody>
+      </p:sp>
+      <p:sp>
+        <p:nvSpPr>
+          <p:cNvPr id="9" name="Rectangle 8">
+            <a:extLst>
+              <a:ext uri="{FF2B5EF4-FFF2-40B4-BE49-F238E27FC236}">
+                <a16:creationId xmlns:a16="http://schemas.microsoft.com/office/drawing/2014/main" id="{ADAEBD8B-04D6-454A-87FF-EEFD095AD26B}"/>
+              </a:ext>
+            </a:extLst>
+          </p:cNvPr>
+          <p:cNvSpPr/>
+          <p:nvPr/>
+        </p:nvSpPr>
+        <p:spPr>
+          <a:xfrm>
+            <a:off x="6639830" y="1848532"/>
+            <a:ext cx="3630328" cy="490888"/>
+          </a:xfrm>
+          <a:prstGeom prst="rect">
+            <a:avLst/>
+          </a:prstGeom>
+        </p:spPr>
+        <p:style>
+          <a:lnRef idx="2">
+            <a:schemeClr val="accent5"/>
+          </a:lnRef>
+          <a:fillRef idx="1">
+            <a:schemeClr val="lt1"/>
+          </a:fillRef>
+          <a:effectRef idx="0">
+            <a:schemeClr val="accent5"/>
+          </a:effectRef>
+          <a:fontRef idx="minor">
+            <a:schemeClr val="dk1"/>
+          </a:fontRef>
+        </p:style>
+        <p:txBody>
+          <a:bodyPr rtlCol="0" anchor="ctr"/>
+          <a:lstStyle/>
+          <a:p>
+            <a:r>
+              <a:rPr lang="en-US" dirty="0"/>
+              <a:t>Frame 2:  </a:t>
+            </a:r>
+            <a:r>
+              <a:rPr lang="en-US" dirty="0">
+                <a:solidFill>
+                  <a:srgbClr val="0070C0"/>
+                </a:solidFill>
+              </a:rPr>
+              <a:t>NNP</a:t>
+            </a:r>
+            <a:r>
+              <a:rPr lang="en-US" dirty="0"/>
+              <a:t>  VB</a:t>
+            </a:r>
+          </a:p>
+        </p:txBody>
+      </p:sp>
+      <p:sp>
+        <p:nvSpPr>
+          <p:cNvPr id="10" name="Rectangle 9">
+            <a:extLst>
+              <a:ext uri="{FF2B5EF4-FFF2-40B4-BE49-F238E27FC236}">
+                <a16:creationId xmlns:a16="http://schemas.microsoft.com/office/drawing/2014/main" id="{AC7296E4-7791-43F7-B142-7B733D6FBCF4}"/>
+              </a:ext>
+            </a:extLst>
+          </p:cNvPr>
+          <p:cNvSpPr/>
+          <p:nvPr/>
+        </p:nvSpPr>
+        <p:spPr>
+          <a:xfrm>
+            <a:off x="6639830" y="2468880"/>
+            <a:ext cx="3630328" cy="490888"/>
+          </a:xfrm>
+          <a:prstGeom prst="rect">
+            <a:avLst/>
+          </a:prstGeom>
+        </p:spPr>
+        <p:style>
+          <a:lnRef idx="2">
+            <a:schemeClr val="accent5"/>
+          </a:lnRef>
+          <a:fillRef idx="1">
+            <a:schemeClr val="lt1"/>
+          </a:fillRef>
+          <a:effectRef idx="0">
+            <a:schemeClr val="accent5"/>
+          </a:effectRef>
+          <a:fontRef idx="minor">
+            <a:schemeClr val="dk1"/>
+          </a:fontRef>
+        </p:style>
+        <p:txBody>
+          <a:bodyPr rtlCol="0" anchor="ctr"/>
+          <a:lstStyle/>
+          <a:p>
+            <a:r>
+              <a:rPr lang="en-US" dirty="0"/>
+              <a:t>Frame </a:t>
+            </a:r>
+            <a:r>
+              <a:rPr lang="en-US" altLang="zh-TW" dirty="0"/>
+              <a:t>3</a:t>
+            </a:r>
+            <a:r>
+              <a:rPr lang="en-US" dirty="0"/>
+              <a:t>:  NNP  VB</a:t>
+            </a:r>
+            <a:r>
+              <a:rPr lang="zh-TW" altLang="en-US" dirty="0"/>
+              <a:t>  </a:t>
+            </a:r>
+            <a:r>
+              <a:rPr lang="en-US" altLang="zh-TW" dirty="0">
+                <a:solidFill>
+                  <a:srgbClr val="0070C0"/>
+                </a:solidFill>
+              </a:rPr>
+              <a:t>NN</a:t>
+            </a:r>
+            <a:endParaRPr lang="en-US" dirty="0">
+              <a:solidFill>
+                <a:srgbClr val="0070C0"/>
+              </a:solidFill>
+            </a:endParaRPr>
+          </a:p>
+        </p:txBody>
+      </p:sp>
+      <p:sp>
+        <p:nvSpPr>
+          <p:cNvPr id="11" name="TextBox 10">
+            <a:extLst>
+              <a:ext uri="{FF2B5EF4-FFF2-40B4-BE49-F238E27FC236}">
+                <a16:creationId xmlns:a16="http://schemas.microsoft.com/office/drawing/2014/main" id="{306AC4B8-9259-4B7C-B28D-C8925FDD124C}"/>
+              </a:ext>
+            </a:extLst>
+          </p:cNvPr>
+          <p:cNvSpPr txBox="1"/>
+          <p:nvPr/>
+        </p:nvSpPr>
+        <p:spPr>
+          <a:xfrm>
+            <a:off x="10337534" y="1386038"/>
+            <a:ext cx="1443789" cy="369332"/>
+          </a:xfrm>
+          <a:prstGeom prst="rect">
+            <a:avLst/>
+          </a:prstGeom>
+          <a:noFill/>
+        </p:spPr>
+        <p:txBody>
+          <a:bodyPr wrap="square" rtlCol="0">
+            <a:spAutoFit/>
+          </a:bodyPr>
+          <a:lstStyle/>
+          <a:p>
+            <a:r>
+              <a:rPr lang="en-US" altLang="zh-TW" dirty="0"/>
+              <a:t>Location</a:t>
+            </a:r>
+            <a:endParaRPr lang="en-US" dirty="0"/>
+          </a:p>
+        </p:txBody>
+      </p:sp>
+      <p:sp>
+        <p:nvSpPr>
+          <p:cNvPr id="12" name="TextBox 11">
+            <a:extLst>
+              <a:ext uri="{FF2B5EF4-FFF2-40B4-BE49-F238E27FC236}">
+                <a16:creationId xmlns:a16="http://schemas.microsoft.com/office/drawing/2014/main" id="{A04DEE74-7900-4566-985C-6A0E0B54821E}"/>
+              </a:ext>
+            </a:extLst>
+          </p:cNvPr>
+          <p:cNvSpPr txBox="1"/>
+          <p:nvPr/>
+        </p:nvSpPr>
+        <p:spPr>
+          <a:xfrm>
+            <a:off x="10337533" y="1938185"/>
+            <a:ext cx="1443789" cy="369332"/>
+          </a:xfrm>
+          <a:prstGeom prst="rect">
+            <a:avLst/>
+          </a:prstGeom>
+          <a:noFill/>
+        </p:spPr>
+        <p:txBody>
+          <a:bodyPr wrap="square" rtlCol="0">
+            <a:spAutoFit/>
+          </a:bodyPr>
+          <a:lstStyle/>
+          <a:p>
+            <a:r>
+              <a:rPr lang="en-US" altLang="zh-TW" dirty="0"/>
+              <a:t>Actor</a:t>
+            </a:r>
+            <a:endParaRPr lang="en-US" dirty="0"/>
+          </a:p>
+        </p:txBody>
+      </p:sp>
+      <p:sp>
+        <p:nvSpPr>
+          <p:cNvPr id="13" name="TextBox 12">
+            <a:extLst>
+              <a:ext uri="{FF2B5EF4-FFF2-40B4-BE49-F238E27FC236}">
+                <a16:creationId xmlns:a16="http://schemas.microsoft.com/office/drawing/2014/main" id="{467AACD1-5880-4ADF-8A40-8AD6F7938853}"/>
+              </a:ext>
+            </a:extLst>
+          </p:cNvPr>
+          <p:cNvSpPr txBox="1"/>
+          <p:nvPr/>
+        </p:nvSpPr>
+        <p:spPr>
+          <a:xfrm>
+            <a:off x="10345557" y="2483318"/>
+            <a:ext cx="1443789" cy="369332"/>
+          </a:xfrm>
+          <a:prstGeom prst="rect">
+            <a:avLst/>
+          </a:prstGeom>
+          <a:noFill/>
+        </p:spPr>
+        <p:txBody>
+          <a:bodyPr wrap="square" rtlCol="0">
+            <a:spAutoFit/>
+          </a:bodyPr>
+          <a:lstStyle/>
+          <a:p>
+            <a:r>
+              <a:rPr lang="en-US" altLang="zh-TW" dirty="0"/>
+              <a:t>Item</a:t>
+            </a:r>
+            <a:endParaRPr lang="en-US" dirty="0"/>
+          </a:p>
+        </p:txBody>
+      </p:sp>
+      <p:sp>
+        <p:nvSpPr>
+          <p:cNvPr id="14" name="Arrow: Right 13">
+            <a:extLst>
+              <a:ext uri="{FF2B5EF4-FFF2-40B4-BE49-F238E27FC236}">
+                <a16:creationId xmlns:a16="http://schemas.microsoft.com/office/drawing/2014/main" id="{6153C5DD-3D44-45C1-AB0E-8582E800A879}"/>
+              </a:ext>
+            </a:extLst>
+          </p:cNvPr>
+          <p:cNvSpPr/>
+          <p:nvPr/>
+        </p:nvSpPr>
+        <p:spPr>
+          <a:xfrm>
+            <a:off x="5606718" y="2122851"/>
+            <a:ext cx="861459" cy="184666"/>
+          </a:xfrm>
+          <a:prstGeom prst="rightArrow">
+            <a:avLst/>
+          </a:prstGeom>
+        </p:spPr>
+        <p:style>
+          <a:lnRef idx="2">
+            <a:schemeClr val="accent1">
+              <a:shade val="50000"/>
+            </a:schemeClr>
+          </a:lnRef>
+          <a:fillRef idx="1">
+            <a:schemeClr val="accent1"/>
+          </a:fillRef>
+          <a:effectRef idx="0">
+            <a:schemeClr val="accent1"/>
+          </a:effectRef>
+          <a:fontRef idx="minor">
+            <a:schemeClr val="lt1"/>
+          </a:fontRef>
+        </p:style>
+        <p:txBody>
+          <a:bodyPr rtlCol="0" anchor="ctr"/>
+          <a:lstStyle/>
+          <a:p>
+            <a:pPr algn="ctr"/>
+            <a:endParaRPr lang="en-US"/>
+          </a:p>
+        </p:txBody>
+      </p:sp>
+      <p:sp>
+        <p:nvSpPr>
+          <p:cNvPr id="15" name="TextBox 14">
+            <a:extLst>
+              <a:ext uri="{FF2B5EF4-FFF2-40B4-BE49-F238E27FC236}">
+                <a16:creationId xmlns:a16="http://schemas.microsoft.com/office/drawing/2014/main" id="{011B0E5F-64E9-4BBC-97AE-96E3FE1D47B7}"/>
+              </a:ext>
+            </a:extLst>
+          </p:cNvPr>
+          <p:cNvSpPr txBox="1"/>
+          <p:nvPr/>
+        </p:nvSpPr>
+        <p:spPr>
+          <a:xfrm>
+            <a:off x="5582654" y="2340400"/>
+            <a:ext cx="1443789" cy="369332"/>
+          </a:xfrm>
+          <a:prstGeom prst="rect">
+            <a:avLst/>
+          </a:prstGeom>
+          <a:noFill/>
+        </p:spPr>
+        <p:txBody>
+          <a:bodyPr wrap="square" rtlCol="0">
+            <a:spAutoFit/>
+          </a:bodyPr>
+          <a:lstStyle/>
+          <a:p>
+            <a:r>
+              <a:rPr lang="en-US" altLang="zh-TW" dirty="0"/>
+              <a:t>match</a:t>
+            </a:r>
+            <a:endParaRPr lang="en-US" dirty="0"/>
+          </a:p>
+        </p:txBody>
+      </p:sp>
+    </p:spTree>
+    <p:extLst>
+      <p:ext uri="{BB962C8B-B14F-4D97-AF65-F5344CB8AC3E}">
+        <p14:creationId xmlns:p14="http://schemas.microsoft.com/office/powerpoint/2010/main" val="3936181234"/>
+      </p:ext>
+    </p:extLst>
+  </p:cSld>
+  <p:clrMapOvr>
+    <a:masterClrMapping/>
+  </p:clrMapOvr>
+</p:sld>
+</file>
+
+<file path=ppt/slides/slide6.xml><?xml version="1.0" encoding="utf-8"?>
+<p:sld xmlns:a="http://schemas.openxmlformats.org/drawingml/2006/main" xmlns:r="http://schemas.openxmlformats.org/officeDocument/2006/relationships" xmlns:p="http://schemas.openxmlformats.org/presentationml/2006/main">
+  <p:cSld>
+    <p:spTree>
+      <p:nvGrpSpPr>
+        <p:cNvPr id="1" name=""/>
+        <p:cNvGrpSpPr/>
+        <p:nvPr/>
+      </p:nvGrpSpPr>
+      <p:grpSpPr>
+        <a:xfrm>
+          <a:off x="0" y="0"/>
+          <a:ext cx="0" cy="0"/>
+          <a:chOff x="0" y="0"/>
+          <a:chExt cx="0" cy="0"/>
+        </a:xfrm>
+      </p:grpSpPr>
+      <p:sp>
+        <p:nvSpPr>
+          <p:cNvPr id="2" name="Title 1">
+            <a:extLst>
+              <a:ext uri="{FF2B5EF4-FFF2-40B4-BE49-F238E27FC236}">
+                <a16:creationId xmlns:a16="http://schemas.microsoft.com/office/drawing/2014/main" id="{8B3A3254-6BAC-40DC-80A6-1F677987200D}"/>
+              </a:ext>
+            </a:extLst>
+          </p:cNvPr>
+          <p:cNvSpPr>
+            <a:spLocks noGrp="1"/>
+          </p:cNvSpPr>
+          <p:nvPr>
+            <p:ph type="title"/>
+          </p:nvPr>
+        </p:nvSpPr>
+        <p:spPr/>
+        <p:txBody>
+          <a:bodyPr/>
+          <a:lstStyle/>
+          <a:p>
+            <a:r>
+              <a:rPr lang="en-US" dirty="0"/>
+              <a:t>Link </a:t>
+            </a:r>
+            <a:r>
+              <a:rPr lang="en-US" dirty="0" err="1"/>
+              <a:t>Verbnet</a:t>
+            </a:r>
+            <a:endParaRPr lang="en-US" dirty="0"/>
+          </a:p>
+        </p:txBody>
+      </p:sp>
+      <p:sp>
+        <p:nvSpPr>
+          <p:cNvPr id="7" name="Text Placeholder 6">
+            <a:extLst>
+              <a:ext uri="{FF2B5EF4-FFF2-40B4-BE49-F238E27FC236}">
+                <a16:creationId xmlns:a16="http://schemas.microsoft.com/office/drawing/2014/main" id="{F39CDEEE-9BB8-4AC3-9E51-F9EB43C9C717}"/>
+              </a:ext>
+            </a:extLst>
+          </p:cNvPr>
+          <p:cNvSpPr>
+            <a:spLocks noGrp="1"/>
+          </p:cNvSpPr>
+          <p:nvPr>
+            <p:ph type="body" idx="1"/>
+          </p:nvPr>
+        </p:nvSpPr>
+        <p:spPr/>
+        <p:txBody>
+          <a:bodyPr/>
+          <a:lstStyle/>
+          <a:p>
+            <a:r>
+              <a:rPr lang="en-US" dirty="0"/>
+              <a:t>Simplified</a:t>
+            </a:r>
+          </a:p>
+        </p:txBody>
+      </p:sp>
+      <p:sp>
+        <p:nvSpPr>
+          <p:cNvPr id="8" name="Content Placeholder 7">
+            <a:extLst>
+              <a:ext uri="{FF2B5EF4-FFF2-40B4-BE49-F238E27FC236}">
+                <a16:creationId xmlns:a16="http://schemas.microsoft.com/office/drawing/2014/main" id="{655997AE-74A3-40D7-A0ED-553A9A423708}"/>
+              </a:ext>
+            </a:extLst>
+          </p:cNvPr>
+          <p:cNvSpPr>
+            <a:spLocks noGrp="1"/>
+          </p:cNvSpPr>
+          <p:nvPr>
+            <p:ph sz="half" idx="2"/>
+          </p:nvPr>
+        </p:nvSpPr>
+        <p:spPr/>
+        <p:txBody>
+          <a:bodyPr/>
+          <a:lstStyle/>
+          <a:p>
+            <a:endParaRPr lang="en-US" dirty="0"/>
+          </a:p>
+        </p:txBody>
+      </p:sp>
+      <p:sp>
+        <p:nvSpPr>
+          <p:cNvPr id="9" name="Text Placeholder 8">
+            <a:extLst>
+              <a:ext uri="{FF2B5EF4-FFF2-40B4-BE49-F238E27FC236}">
+                <a16:creationId xmlns:a16="http://schemas.microsoft.com/office/drawing/2014/main" id="{ABB6C4A0-BDA8-48E4-86B6-26D340D9E898}"/>
+              </a:ext>
+            </a:extLst>
+          </p:cNvPr>
+          <p:cNvSpPr>
+            <a:spLocks noGrp="1"/>
+          </p:cNvSpPr>
+          <p:nvPr>
+            <p:ph type="body" sz="quarter" idx="3"/>
+          </p:nvPr>
+        </p:nvSpPr>
+        <p:spPr/>
+        <p:txBody>
+          <a:bodyPr/>
+          <a:lstStyle/>
+          <a:p>
+            <a:r>
+              <a:rPr lang="en-US" dirty="0" err="1"/>
+              <a:t>Verbnet</a:t>
+            </a:r>
+            <a:endParaRPr lang="en-US" dirty="0"/>
+          </a:p>
+        </p:txBody>
+      </p:sp>
+      <p:sp>
+        <p:nvSpPr>
+          <p:cNvPr id="10" name="Content Placeholder 9">
+            <a:extLst>
+              <a:ext uri="{FF2B5EF4-FFF2-40B4-BE49-F238E27FC236}">
+                <a16:creationId xmlns:a16="http://schemas.microsoft.com/office/drawing/2014/main" id="{0DFA430E-153F-4B88-AF4D-CEA925C0EF4B}"/>
+              </a:ext>
+            </a:extLst>
+          </p:cNvPr>
+          <p:cNvSpPr>
+            <a:spLocks noGrp="1"/>
+          </p:cNvSpPr>
+          <p:nvPr>
+            <p:ph sz="quarter" idx="4"/>
+          </p:nvPr>
+        </p:nvSpPr>
+        <p:spPr/>
+        <p:txBody>
+          <a:bodyPr/>
+          <a:lstStyle/>
+          <a:p>
+            <a:endParaRPr lang="en-US"/>
+          </a:p>
+        </p:txBody>
+      </p:sp>
+    </p:spTree>
+    <p:extLst>
+      <p:ext uri="{BB962C8B-B14F-4D97-AF65-F5344CB8AC3E}">
+        <p14:creationId xmlns:p14="http://schemas.microsoft.com/office/powerpoint/2010/main" val="365999439"/>
+      </p:ext>
+    </p:extLst>
+  </p:cSld>
+  <p:clrMapOvr>
+    <a:masterClrMapping/>
+  </p:clrMapOvr>
+</p:sld>
+</file>
+
+<file path=ppt/slides/slide7.xml><?xml version="1.0" encoding="utf-8"?>
 <p:sld xmlns:a="http://schemas.openxmlformats.org/drawingml/2006/main" xmlns:r="http://schemas.openxmlformats.org/officeDocument/2006/relationships" xmlns:p="http://schemas.openxmlformats.org/presentationml/2006/main">
   <p:cSld>
     <p:spTree>
@@ -6278,7 +7298,7 @@
 </p:sld>
 </file>
 
-<file path=ppt/slides/slide6.xml><?xml version="1.0" encoding="utf-8"?>
+<file path=ppt/slides/slide8.xml><?xml version="1.0" encoding="utf-8"?>
 <p:sld xmlns:a="http://schemas.openxmlformats.org/drawingml/2006/main" xmlns:r="http://schemas.openxmlformats.org/officeDocument/2006/relationships" xmlns:p="http://schemas.openxmlformats.org/presentationml/2006/main">
   <p:cSld>
     <p:spTree>
@@ -6904,197 +7924,6 @@
 </p:sld>
 </file>
 
-<file path=ppt/slides/slide7.xml><?xml version="1.0" encoding="utf-8"?>
-<p:sld xmlns:a="http://schemas.openxmlformats.org/drawingml/2006/main" xmlns:r="http://schemas.openxmlformats.org/officeDocument/2006/relationships" xmlns:p="http://schemas.openxmlformats.org/presentationml/2006/main">
-  <p:cSld>
-    <p:spTree>
-      <p:nvGrpSpPr>
-        <p:cNvPr id="1" name=""/>
-        <p:cNvGrpSpPr/>
-        <p:nvPr/>
-      </p:nvGrpSpPr>
-      <p:grpSpPr>
-        <a:xfrm>
-          <a:off x="0" y="0"/>
-          <a:ext cx="0" cy="0"/>
-          <a:chOff x="0" y="0"/>
-          <a:chExt cx="0" cy="0"/>
-        </a:xfrm>
-      </p:grpSpPr>
-      <p:sp>
-        <p:nvSpPr>
-          <p:cNvPr id="2" name="Title 1">
-            <a:extLst>
-              <a:ext uri="{FF2B5EF4-FFF2-40B4-BE49-F238E27FC236}">
-                <a16:creationId xmlns:a16="http://schemas.microsoft.com/office/drawing/2014/main" id="{45A7D8F7-9FA3-4A30-BDA6-9F7EBC645BA3}"/>
-              </a:ext>
-            </a:extLst>
-          </p:cNvPr>
-          <p:cNvSpPr>
-            <a:spLocks noGrp="1"/>
-          </p:cNvSpPr>
-          <p:nvPr>
-            <p:ph type="title"/>
-          </p:nvPr>
-        </p:nvSpPr>
-        <p:spPr/>
-        <p:txBody>
-          <a:bodyPr/>
-          <a:lstStyle/>
-          <a:p>
-            <a:r>
-              <a:rPr lang="en-US" dirty="0"/>
-              <a:t>Simple learning(?)</a:t>
-            </a:r>
-          </a:p>
-        </p:txBody>
-      </p:sp>
-      <p:sp>
-        <p:nvSpPr>
-          <p:cNvPr id="3" name="Content Placeholder 2">
-            <a:extLst>
-              <a:ext uri="{FF2B5EF4-FFF2-40B4-BE49-F238E27FC236}">
-                <a16:creationId xmlns:a16="http://schemas.microsoft.com/office/drawing/2014/main" id="{30BB70A6-098B-457B-9763-C2F6C0CF03A1}"/>
-              </a:ext>
-            </a:extLst>
-          </p:cNvPr>
-          <p:cNvSpPr>
-            <a:spLocks noGrp="1"/>
-          </p:cNvSpPr>
-          <p:nvPr>
-            <p:ph idx="1"/>
-          </p:nvPr>
-        </p:nvSpPr>
-        <p:spPr/>
-        <p:txBody>
-          <a:bodyPr/>
-          <a:lstStyle/>
-          <a:p>
-            <a:r>
-              <a:rPr lang="en-US" dirty="0"/>
-              <a:t>When detect a new action in a sentence</a:t>
-            </a:r>
-          </a:p>
-          <a:p>
-            <a:pPr lvl="1"/>
-            <a:r>
-              <a:rPr lang="en-US" dirty="0"/>
-              <a:t>1. Look up the state list (Main subject of this sentence)</a:t>
-            </a:r>
-          </a:p>
-          <a:p>
-            <a:pPr lvl="1"/>
-            <a:r>
-              <a:rPr lang="en-US" dirty="0"/>
-              <a:t>2.  For each state operation (update, minus, add), choose </a:t>
-            </a:r>
-            <a:r>
-              <a:rPr lang="en-US"/>
-              <a:t>a random</a:t>
-            </a:r>
-            <a:endParaRPr lang="en-US" dirty="0"/>
-          </a:p>
-        </p:txBody>
-      </p:sp>
-    </p:spTree>
-    <p:extLst>
-      <p:ext uri="{BB962C8B-B14F-4D97-AF65-F5344CB8AC3E}">
-        <p14:creationId xmlns:p14="http://schemas.microsoft.com/office/powerpoint/2010/main" val="4264672275"/>
-      </p:ext>
-    </p:extLst>
-  </p:cSld>
-  <p:clrMapOvr>
-    <a:masterClrMapping/>
-  </p:clrMapOvr>
-</p:sld>
-</file>
-
-<file path=ppt/slides/slide8.xml><?xml version="1.0" encoding="utf-8"?>
-<p:sld xmlns:a="http://schemas.openxmlformats.org/drawingml/2006/main" xmlns:r="http://schemas.openxmlformats.org/officeDocument/2006/relationships" xmlns:p="http://schemas.openxmlformats.org/presentationml/2006/main">
-  <p:cSld>
-    <p:spTree>
-      <p:nvGrpSpPr>
-        <p:cNvPr id="1" name=""/>
-        <p:cNvGrpSpPr/>
-        <p:nvPr/>
-      </p:nvGrpSpPr>
-      <p:grpSpPr>
-        <a:xfrm>
-          <a:off x="0" y="0"/>
-          <a:ext cx="0" cy="0"/>
-          <a:chOff x="0" y="0"/>
-          <a:chExt cx="0" cy="0"/>
-        </a:xfrm>
-      </p:grpSpPr>
-      <p:sp>
-        <p:nvSpPr>
-          <p:cNvPr id="2" name="Title 1">
-            <a:extLst>
-              <a:ext uri="{FF2B5EF4-FFF2-40B4-BE49-F238E27FC236}">
-                <a16:creationId xmlns:a16="http://schemas.microsoft.com/office/drawing/2014/main" id="{0896BAB0-67B5-458A-87FA-614F1243266A}"/>
-              </a:ext>
-            </a:extLst>
-          </p:cNvPr>
-          <p:cNvSpPr>
-            <a:spLocks noGrp="1"/>
-          </p:cNvSpPr>
-          <p:nvPr>
-            <p:ph type="title"/>
-          </p:nvPr>
-        </p:nvSpPr>
-        <p:spPr/>
-        <p:txBody>
-          <a:bodyPr/>
-          <a:lstStyle/>
-          <a:p>
-            <a:r>
-              <a:rPr lang="en-US" dirty="0"/>
-              <a:t>Entities in a sentence</a:t>
-            </a:r>
-          </a:p>
-        </p:txBody>
-      </p:sp>
-      <p:sp>
-        <p:nvSpPr>
-          <p:cNvPr id="3" name="Content Placeholder 2">
-            <a:extLst>
-              <a:ext uri="{FF2B5EF4-FFF2-40B4-BE49-F238E27FC236}">
-                <a16:creationId xmlns:a16="http://schemas.microsoft.com/office/drawing/2014/main" id="{7F2AEC45-C667-4A69-9FC7-8E6751E84E77}"/>
-              </a:ext>
-            </a:extLst>
-          </p:cNvPr>
-          <p:cNvSpPr>
-            <a:spLocks noGrp="1"/>
-          </p:cNvSpPr>
-          <p:nvPr>
-            <p:ph idx="1"/>
-          </p:nvPr>
-        </p:nvSpPr>
-        <p:spPr/>
-        <p:txBody>
-          <a:bodyPr/>
-          <a:lstStyle/>
-          <a:p>
-            <a:r>
-              <a:rPr lang="en-US" dirty="0"/>
-              <a:t>Actor, location, non-actor item……</a:t>
-            </a:r>
-          </a:p>
-        </p:txBody>
-      </p:sp>
-    </p:spTree>
-    <p:extLst>
-      <p:ext uri="{BB962C8B-B14F-4D97-AF65-F5344CB8AC3E}">
-        <p14:creationId xmlns:p14="http://schemas.microsoft.com/office/powerpoint/2010/main" val="1070168866"/>
-      </p:ext>
-    </p:extLst>
-  </p:cSld>
-  <p:clrMapOvr>
-    <a:masterClrMapping/>
-  </p:clrMapOvr>
-</p:sld>
-</file>
-
 <file path=ppt/slides/slide9.xml><?xml version="1.0" encoding="utf-8"?>
 <p:sld xmlns:a="http://schemas.openxmlformats.org/drawingml/2006/main" xmlns:r="http://schemas.openxmlformats.org/officeDocument/2006/relationships" xmlns:p="http://schemas.openxmlformats.org/presentationml/2006/main">
   <p:cSld>
@@ -7117,7 +7946,7 @@
           <p:cNvPr id="2" name="Title 1">
             <a:extLst>
               <a:ext uri="{FF2B5EF4-FFF2-40B4-BE49-F238E27FC236}">
-                <a16:creationId xmlns:a16="http://schemas.microsoft.com/office/drawing/2014/main" id="{D9DD8290-0F94-4869-A15E-55897323AADF}"/>
+                <a16:creationId xmlns:a16="http://schemas.microsoft.com/office/drawing/2014/main" id="{45A7D8F7-9FA3-4A30-BDA6-9F7EBC645BA3}"/>
               </a:ext>
             </a:extLst>
           </p:cNvPr>
@@ -7135,7 +7964,7 @@
           <a:p>
             <a:r>
               <a:rPr lang="en-US" dirty="0"/>
-              <a:t>Visualization interface</a:t>
+              <a:t>Simple learning(?)</a:t>
             </a:r>
           </a:p>
         </p:txBody>
@@ -7145,7 +7974,7 @@
           <p:cNvPr id="3" name="Content Placeholder 2">
             <a:extLst>
               <a:ext uri="{FF2B5EF4-FFF2-40B4-BE49-F238E27FC236}">
-                <a16:creationId xmlns:a16="http://schemas.microsoft.com/office/drawing/2014/main" id="{99B0FBBD-26C1-4CA2-95EC-7D7F1281CB7C}"/>
+                <a16:creationId xmlns:a16="http://schemas.microsoft.com/office/drawing/2014/main" id="{30BB70A6-098B-457B-9763-C2F6C0CF03A1}"/>
               </a:ext>
             </a:extLst>
           </p:cNvPr>
@@ -7161,14 +7990,36 @@
           <a:bodyPr/>
           <a:lstStyle/>
           <a:p>
-            <a:endParaRPr lang="en-US"/>
+            <a:r>
+              <a:rPr lang="en-US" dirty="0"/>
+              <a:t>When detect a new action in a sentence</a:t>
+            </a:r>
+          </a:p>
+          <a:p>
+            <a:pPr lvl="1"/>
+            <a:r>
+              <a:rPr lang="en-US" dirty="0"/>
+              <a:t>1. Look up the state list (Main subject of this sentence)</a:t>
+            </a:r>
+          </a:p>
+          <a:p>
+            <a:pPr lvl="1"/>
+            <a:r>
+              <a:rPr lang="en-US" dirty="0"/>
+              <a:t>2.  For each state operation (update, minus, add), choose </a:t>
+            </a:r>
+            <a:r>
+              <a:rPr lang="en-US"/>
+              <a:t>a random</a:t>
+            </a:r>
+            <a:endParaRPr lang="en-US" dirty="0"/>
           </a:p>
         </p:txBody>
       </p:sp>
     </p:spTree>
     <p:extLst>
       <p:ext uri="{BB962C8B-B14F-4D97-AF65-F5344CB8AC3E}">
-        <p14:creationId xmlns:p14="http://schemas.microsoft.com/office/powerpoint/2010/main" val="3211698571"/>
+        <p14:creationId xmlns:p14="http://schemas.microsoft.com/office/powerpoint/2010/main" val="4264672275"/>
       </p:ext>
     </p:extLst>
   </p:cSld>

--- a/Weekly summary.pptx
+++ b/Weekly summary.pptx
@@ -14,10 +14,10 @@
     <p:sldId id="261" r:id="rId5"/>
     <p:sldId id="268" r:id="rId6"/>
     <p:sldId id="267" r:id="rId7"/>
-    <p:sldId id="262" r:id="rId8"/>
-    <p:sldId id="263" r:id="rId9"/>
-    <p:sldId id="266" r:id="rId10"/>
-    <p:sldId id="264" r:id="rId11"/>
+    <p:sldId id="269" r:id="rId8"/>
+    <p:sldId id="262" r:id="rId9"/>
+    <p:sldId id="263" r:id="rId10"/>
+    <p:sldId id="266" r:id="rId11"/>
     <p:sldId id="265" r:id="rId12"/>
     <p:sldId id="260" r:id="rId13"/>
     <p:sldId id="258" r:id="rId14"/>
@@ -474,90 +474,6 @@
     </a:lvl9pPr>
   </p:notesStyle>
 </p:notesMaster>
-</file>
-
-<file path=ppt/notesSlides/notesSlide1.xml><?xml version="1.0" encoding="utf-8"?>
-<p:notes xmlns:a="http://schemas.openxmlformats.org/drawingml/2006/main" xmlns:r="http://schemas.openxmlformats.org/officeDocument/2006/relationships" xmlns:p="http://schemas.openxmlformats.org/presentationml/2006/main">
-  <p:cSld>
-    <p:spTree>
-      <p:nvGrpSpPr>
-        <p:cNvPr id="1" name=""/>
-        <p:cNvGrpSpPr/>
-        <p:nvPr/>
-      </p:nvGrpSpPr>
-      <p:grpSpPr>
-        <a:xfrm>
-          <a:off x="0" y="0"/>
-          <a:ext cx="0" cy="0"/>
-          <a:chOff x="0" y="0"/>
-          <a:chExt cx="0" cy="0"/>
-        </a:xfrm>
-      </p:grpSpPr>
-      <p:sp>
-        <p:nvSpPr>
-          <p:cNvPr id="2" name="Slide Image Placeholder 1"/>
-          <p:cNvSpPr>
-            <a:spLocks noGrp="1" noRot="1" noChangeAspect="1"/>
-          </p:cNvSpPr>
-          <p:nvPr>
-            <p:ph type="sldImg"/>
-          </p:nvPr>
-        </p:nvSpPr>
-        <p:spPr/>
-      </p:sp>
-      <p:sp>
-        <p:nvSpPr>
-          <p:cNvPr id="3" name="Notes Placeholder 2"/>
-          <p:cNvSpPr>
-            <a:spLocks noGrp="1"/>
-          </p:cNvSpPr>
-          <p:nvPr>
-            <p:ph type="body" idx="1"/>
-          </p:nvPr>
-        </p:nvSpPr>
-        <p:spPr/>
-        <p:txBody>
-          <a:bodyPr/>
-          <a:lstStyle/>
-          <a:p>
-            <a:endParaRPr lang="en-US" dirty="0"/>
-          </a:p>
-        </p:txBody>
-      </p:sp>
-      <p:sp>
-        <p:nvSpPr>
-          <p:cNvPr id="4" name="Slide Number Placeholder 3"/>
-          <p:cNvSpPr>
-            <a:spLocks noGrp="1"/>
-          </p:cNvSpPr>
-          <p:nvPr>
-            <p:ph type="sldNum" sz="quarter" idx="10"/>
-          </p:nvPr>
-        </p:nvSpPr>
-        <p:spPr/>
-        <p:txBody>
-          <a:bodyPr/>
-          <a:lstStyle/>
-          <a:p>
-            <a:fld id="{AC928313-6375-4BC7-9F75-A615DAE9CC83}" type="slidenum">
-              <a:rPr lang="en-US" smtClean="0"/>
-              <a:t>10</a:t>
-            </a:fld>
-            <a:endParaRPr lang="en-US"/>
-          </a:p>
-        </p:txBody>
-      </p:sp>
-    </p:spTree>
-    <p:extLst>
-      <p:ext uri="{BB962C8B-B14F-4D97-AF65-F5344CB8AC3E}">
-        <p14:creationId xmlns:p14="http://schemas.microsoft.com/office/powerpoint/2010/main" val="1623685549"/>
-      </p:ext>
-    </p:extLst>
-  </p:cSld>
-  <p:clrMapOvr>
-    <a:masterClrMapping/>
-  </p:clrMapOvr>
-</p:notes>
 </file>
 
 <file path=ppt/slideLayouts/slideLayout1.xml><?xml version="1.0" encoding="utf-8"?>
@@ -4568,7 +4484,7 @@
           <p:cNvPr id="2" name="Title 1">
             <a:extLst>
               <a:ext uri="{FF2B5EF4-FFF2-40B4-BE49-F238E27FC236}">
-                <a16:creationId xmlns:a16="http://schemas.microsoft.com/office/drawing/2014/main" id="{0896BAB0-67B5-458A-87FA-614F1243266A}"/>
+                <a16:creationId xmlns:a16="http://schemas.microsoft.com/office/drawing/2014/main" id="{45A7D8F7-9FA3-4A30-BDA6-9F7EBC645BA3}"/>
               </a:ext>
             </a:extLst>
           </p:cNvPr>
@@ -4586,7 +4502,7 @@
           <a:p>
             <a:r>
               <a:rPr lang="en-US" dirty="0"/>
-              <a:t>Entities in a sentence</a:t>
+              <a:t>Learn state changing rules(?) </a:t>
             </a:r>
           </a:p>
         </p:txBody>
@@ -4596,7 +4512,7 @@
           <p:cNvPr id="3" name="Content Placeholder 2">
             <a:extLst>
               <a:ext uri="{FF2B5EF4-FFF2-40B4-BE49-F238E27FC236}">
-                <a16:creationId xmlns:a16="http://schemas.microsoft.com/office/drawing/2014/main" id="{7F2AEC45-C667-4A69-9FC7-8E6751E84E77}"/>
+                <a16:creationId xmlns:a16="http://schemas.microsoft.com/office/drawing/2014/main" id="{30BB70A6-098B-457B-9763-C2F6C0CF03A1}"/>
               </a:ext>
             </a:extLst>
           </p:cNvPr>
@@ -4607,14 +4523,87 @@
             <p:ph idx="1"/>
           </p:nvPr>
         </p:nvSpPr>
-        <p:spPr/>
+        <p:spPr>
+          <a:xfrm>
+            <a:off x="1069848" y="2121407"/>
+            <a:ext cx="10058400" cy="4333713"/>
+          </a:xfrm>
+        </p:spPr>
         <p:txBody>
           <a:bodyPr/>
           <a:lstStyle/>
           <a:p>
             <a:r>
               <a:rPr lang="en-US" dirty="0"/>
-              <a:t>Actor, location, non-actor item……</a:t>
+              <a:t>Possible steps</a:t>
+            </a:r>
+          </a:p>
+          <a:p>
+            <a:pPr marL="274320" lvl="1" indent="0">
+              <a:buNone/>
+            </a:pPr>
+            <a:r>
+              <a:rPr lang="en-US" dirty="0"/>
+              <a:t>If a verb not match action type…..</a:t>
+            </a:r>
+          </a:p>
+          <a:p>
+            <a:pPr lvl="1"/>
+            <a:r>
+              <a:rPr lang="en-US" dirty="0"/>
+              <a:t>Create a new type  </a:t>
+            </a:r>
+          </a:p>
+          <a:p>
+            <a:pPr lvl="1"/>
+            <a:r>
+              <a:rPr lang="en-US" dirty="0"/>
+              <a:t>Look up the state list (Theme of this sentence)</a:t>
+            </a:r>
+          </a:p>
+          <a:p>
+            <a:pPr lvl="1"/>
+            <a:r>
+              <a:rPr lang="en-US" dirty="0"/>
+              <a:t>Choose a random state type or left empty for each kind of state operation</a:t>
+            </a:r>
+          </a:p>
+          <a:p>
+            <a:pPr lvl="1"/>
+            <a:r>
+              <a:rPr lang="en-US" dirty="0"/>
+              <a:t>See if the answer correct with these state operations</a:t>
+            </a:r>
+          </a:p>
+          <a:p>
+            <a:pPr lvl="1"/>
+            <a:endParaRPr lang="en-US" dirty="0"/>
+          </a:p>
+          <a:p>
+            <a:pPr lvl="1"/>
+            <a:endParaRPr lang="en-US" dirty="0"/>
+          </a:p>
+          <a:p>
+            <a:pPr marL="274320" lvl="1" indent="0">
+              <a:buNone/>
+            </a:pPr>
+            <a:r>
+              <a:rPr lang="en-US" dirty="0"/>
+              <a:t>Problems:</a:t>
+            </a:r>
+          </a:p>
+          <a:p>
+            <a:pPr lvl="1"/>
+            <a:r>
+              <a:rPr lang="en-US" dirty="0"/>
+              <a:t>If a lot of verbs in this paragraph are unknown (the state operations might interfere each other)</a:t>
+            </a:r>
+          </a:p>
+          <a:p>
+            <a:pPr lvl="1"/>
+            <a:r>
+              <a:rPr lang="en-US" dirty="0"/>
+              <a:t>In these limited tasks, possible verbs are confined</a:t>
             </a:r>
           </a:p>
         </p:txBody>
@@ -4622,7 +4611,7 @@
     </p:spTree>
     <p:extLst>
       <p:ext uri="{BB962C8B-B14F-4D97-AF65-F5344CB8AC3E}">
-        <p14:creationId xmlns:p14="http://schemas.microsoft.com/office/powerpoint/2010/main" val="1070168866"/>
+        <p14:creationId xmlns:p14="http://schemas.microsoft.com/office/powerpoint/2010/main" val="4264672275"/>
       </p:ext>
     </p:extLst>
   </p:cSld>
@@ -4716,7 +4705,7 @@
 </file>
 
 <file path=ppt/slides/slide12.xml><?xml version="1.0" encoding="utf-8"?>
-<p:sld xmlns:a="http://schemas.openxmlformats.org/drawingml/2006/main" xmlns:r="http://schemas.openxmlformats.org/officeDocument/2006/relationships" xmlns:p="http://schemas.openxmlformats.org/presentationml/2006/main">
+<p:sld xmlns:a="http://schemas.openxmlformats.org/drawingml/2006/main" xmlns:r="http://schemas.openxmlformats.org/officeDocument/2006/relationships" xmlns:p="http://schemas.openxmlformats.org/presentationml/2006/main" show="0">
   <p:cSld>
     <p:spTree>
       <p:nvGrpSpPr>
@@ -4799,7 +4788,7 @@
 </file>
 
 <file path=ppt/slides/slide13.xml><?xml version="1.0" encoding="utf-8"?>
-<p:sld xmlns:a="http://schemas.openxmlformats.org/drawingml/2006/main" xmlns:r="http://schemas.openxmlformats.org/officeDocument/2006/relationships" xmlns:p="http://schemas.openxmlformats.org/presentationml/2006/main">
+<p:sld xmlns:a="http://schemas.openxmlformats.org/drawingml/2006/main" xmlns:r="http://schemas.openxmlformats.org/officeDocument/2006/relationships" xmlns:p="http://schemas.openxmlformats.org/presentationml/2006/main" show="0">
   <p:cSld>
     <p:spTree>
       <p:nvGrpSpPr>
@@ -5073,7 +5062,7 @@
             </a:r>
             <a:r>
               <a:rPr lang="en-US" dirty="0"/>
-              <a:t>Benchmarking task 1,2, 3, 6, 8, 10, 12, 15, 16, 20(X, because motivation needs common sense relations)</a:t>
+              <a:t>Model task 1,2, 3, 6, 8, 10, 12, 15, 16, 20(X), because motivation needs common sense relations</a:t>
             </a:r>
           </a:p>
           <a:p>
@@ -5103,8 +5092,19 @@
             </a:r>
             <a:r>
               <a:rPr lang="en-US" dirty="0"/>
-              <a:t> frame to sentence frames </a:t>
-            </a:r>
+              <a:t> frame to sentence frames</a:t>
+            </a:r>
+          </a:p>
+          <a:p>
+            <a:pPr lvl="2"/>
+            <a:r>
+              <a:rPr lang="en-US" dirty="0"/>
+              <a:t>Modify input data to see other algorithm’s performance </a:t>
+            </a:r>
+          </a:p>
+          <a:p>
+            <a:pPr lvl="2"/>
+            <a:endParaRPr lang="en-US" dirty="0"/>
           </a:p>
           <a:p>
             <a:pPr marL="548640" lvl="2" indent="0">
@@ -5159,7 +5159,7 @@
               <a:rPr lang="en-US" dirty="0">
                 <a:hlinkClick r:id="rId2" action="ppaction://hlinksldjump"/>
               </a:rPr>
-              <a:t>Other algorithm performance, when data change</a:t>
+              <a:t>Other algorithm performance, when data changed</a:t>
             </a:r>
             <a:endParaRPr lang="en-US" dirty="0"/>
           </a:p>
@@ -5204,12 +5204,20 @@
           <a:p>
             <a:pPr lvl="2"/>
             <a:r>
+              <a:rPr lang="en-US" altLang="zh-TW" dirty="0">
+                <a:hlinkClick r:id="rId4" action="ppaction://hlinksldjump"/>
+              </a:rPr>
+              <a:t>States constructing</a:t>
+            </a:r>
+            <a:r>
               <a:rPr lang="en-US" dirty="0">
                 <a:hlinkClick r:id="rId4" action="ppaction://hlinksldjump"/>
               </a:rPr>
-              <a:t>Task visualization interface</a:t>
-            </a:r>
-            <a:endParaRPr lang="en-US" dirty="0"/>
+              <a:t> process</a:t>
+            </a:r>
+            <a:endParaRPr lang="en-US" dirty="0">
+              <a:hlinkClick r:id="rId5" action="ppaction://hlinksldjump"/>
+            </a:endParaRPr>
           </a:p>
           <a:p>
             <a:pPr lvl="2"/>
@@ -5217,7 +5225,17 @@
               <a:rPr lang="en-US" dirty="0">
                 <a:hlinkClick r:id="rId5" action="ppaction://hlinksldjump"/>
               </a:rPr>
-              <a:t>Simple learning method for new verb</a:t>
+              <a:t>Task visualization interface</a:t>
+            </a:r>
+            <a:endParaRPr lang="en-US" dirty="0"/>
+          </a:p>
+          <a:p>
+            <a:pPr lvl="2"/>
+            <a:r>
+              <a:rPr lang="en-US" dirty="0">
+                <a:hlinkClick r:id="rId6" action="ppaction://hlinksldjump"/>
+              </a:rPr>
+              <a:t>Simple learning for new verb</a:t>
             </a:r>
             <a:endParaRPr lang="en-US" dirty="0"/>
           </a:p>
@@ -5304,16 +5322,6 @@
           <a:p>
             <a:r>
               <a:rPr lang="en-US" dirty="0"/>
-              <a:t>Descriptions:</a:t>
-            </a:r>
-          </a:p>
-          <a:p>
-            <a:pPr lvl="1"/>
-            <a:endParaRPr lang="en-US" dirty="0"/>
-          </a:p>
-          <a:p>
-            <a:r>
-              <a:rPr lang="en-US" dirty="0"/>
               <a:t>Results (test target QDREN):</a:t>
             </a:r>
           </a:p>
@@ -5361,6 +5369,10 @@
               <a:rPr lang="en-US" dirty="0"/>
               <a:t>Get closest non-question text to replace removed text, with old line number(O)/ line number changed (X)</a:t>
             </a:r>
+          </a:p>
+          <a:p>
+            <a:pPr lvl="2"/>
+            <a:endParaRPr lang="en-US" dirty="0"/>
           </a:p>
           <a:p>
             <a:pPr lvl="1"/>
@@ -5424,38 +5436,10 @@
       </p:grpSpPr>
       <p:sp>
         <p:nvSpPr>
-          <p:cNvPr id="2" name="Title 1">
+          <p:cNvPr id="25" name="Rectangle 24">
             <a:extLst>
               <a:ext uri="{FF2B5EF4-FFF2-40B4-BE49-F238E27FC236}">
-                <a16:creationId xmlns:a16="http://schemas.microsoft.com/office/drawing/2014/main" id="{727E0659-E569-4423-919C-6E5A040F2A45}"/>
-              </a:ext>
-            </a:extLst>
-          </p:cNvPr>
-          <p:cNvSpPr>
-            <a:spLocks noGrp="1"/>
-          </p:cNvSpPr>
-          <p:nvPr>
-            <p:ph type="title"/>
-          </p:nvPr>
-        </p:nvSpPr>
-        <p:spPr/>
-        <p:txBody>
-          <a:bodyPr/>
-          <a:lstStyle/>
-          <a:p>
-            <a:r>
-              <a:rPr lang="en-US" dirty="0"/>
-              <a:t>Process</a:t>
-            </a:r>
-          </a:p>
-        </p:txBody>
-      </p:sp>
-      <p:sp>
-        <p:nvSpPr>
-          <p:cNvPr id="4" name="Rectangle 3">
-            <a:extLst>
-              <a:ext uri="{FF2B5EF4-FFF2-40B4-BE49-F238E27FC236}">
-                <a16:creationId xmlns:a16="http://schemas.microsoft.com/office/drawing/2014/main" id="{9438CAA8-617E-4512-9BF0-29A0BE46B9E7}"/>
+                <a16:creationId xmlns:a16="http://schemas.microsoft.com/office/drawing/2014/main" id="{1DD9B165-2B2E-4A9F-BA4F-F03B4D008A8B}"/>
               </a:ext>
             </a:extLst>
           </p:cNvPr>
@@ -5464,55 +5448,8 @@
         </p:nvSpPr>
         <p:spPr>
           <a:xfrm>
-            <a:off x="914401" y="1957417"/>
-            <a:ext cx="4552749" cy="490888"/>
-          </a:xfrm>
-          <a:prstGeom prst="rect">
-            <a:avLst/>
-          </a:prstGeom>
-        </p:spPr>
-        <p:style>
-          <a:lnRef idx="2">
-            <a:schemeClr val="accent5"/>
-          </a:lnRef>
-          <a:fillRef idx="1">
-            <a:schemeClr val="lt1"/>
-          </a:fillRef>
-          <a:effectRef idx="0">
-            <a:schemeClr val="accent5"/>
-          </a:effectRef>
-          <a:fontRef idx="minor">
-            <a:schemeClr val="dk1"/>
-          </a:fontRef>
-        </p:style>
-        <p:txBody>
-          <a:bodyPr rtlCol="0" anchor="ctr"/>
-          <a:lstStyle/>
-          <a:p>
-            <a:pPr algn="ctr"/>
-            <a:r>
-              <a:rPr lang="en-US" dirty="0"/>
-              <a:t>Sentence:  Mary travelled to the hallway.</a:t>
-            </a:r>
-          </a:p>
-        </p:txBody>
-      </p:sp>
-      <p:sp>
-        <p:nvSpPr>
-          <p:cNvPr id="5" name="Rectangle 4">
-            <a:extLst>
-              <a:ext uri="{FF2B5EF4-FFF2-40B4-BE49-F238E27FC236}">
-                <a16:creationId xmlns:a16="http://schemas.microsoft.com/office/drawing/2014/main" id="{7EBDCC41-239A-45BB-ADCC-A39A5DDEA2F0}"/>
-              </a:ext>
-            </a:extLst>
-          </p:cNvPr>
-          <p:cNvSpPr/>
-          <p:nvPr/>
-        </p:nvSpPr>
-        <p:spPr>
-          <a:xfrm>
-            <a:off x="943276" y="3214837"/>
-            <a:ext cx="3214838" cy="3551723"/>
+            <a:off x="6535552" y="1113575"/>
+            <a:ext cx="3810005" cy="1997033"/>
           </a:xfrm>
           <a:prstGeom prst="rect">
             <a:avLst/>
@@ -5545,10 +5482,38 @@
       </p:sp>
       <p:sp>
         <p:nvSpPr>
-          <p:cNvPr id="6" name="Rectangle 5">
+          <p:cNvPr id="2" name="Title 1">
             <a:extLst>
               <a:ext uri="{FF2B5EF4-FFF2-40B4-BE49-F238E27FC236}">
-                <a16:creationId xmlns:a16="http://schemas.microsoft.com/office/drawing/2014/main" id="{E82C3C68-9154-49B4-84F1-2736913B7055}"/>
+                <a16:creationId xmlns:a16="http://schemas.microsoft.com/office/drawing/2014/main" id="{727E0659-E569-4423-919C-6E5A040F2A45}"/>
+              </a:ext>
+            </a:extLst>
+          </p:cNvPr>
+          <p:cNvSpPr>
+            <a:spLocks noGrp="1"/>
+          </p:cNvSpPr>
+          <p:nvPr>
+            <p:ph type="title"/>
+          </p:nvPr>
+        </p:nvSpPr>
+        <p:spPr/>
+        <p:txBody>
+          <a:bodyPr/>
+          <a:lstStyle/>
+          <a:p>
+            <a:r>
+              <a:rPr lang="en-US" dirty="0"/>
+              <a:t>Process states</a:t>
+            </a:r>
+          </a:p>
+        </p:txBody>
+      </p:sp>
+      <p:sp>
+        <p:nvSpPr>
+          <p:cNvPr id="4" name="Rectangle 3">
+            <a:extLst>
+              <a:ext uri="{FF2B5EF4-FFF2-40B4-BE49-F238E27FC236}">
+                <a16:creationId xmlns:a16="http://schemas.microsoft.com/office/drawing/2014/main" id="{9438CAA8-617E-4512-9BF0-29A0BE46B9E7}"/>
               </a:ext>
             </a:extLst>
           </p:cNvPr>
@@ -5557,8 +5522,8 @@
         </p:nvSpPr>
         <p:spPr>
           <a:xfrm>
-            <a:off x="1069848" y="3347184"/>
-            <a:ext cx="2926080" cy="1643514"/>
+            <a:off x="914401" y="1957417"/>
+            <a:ext cx="4552749" cy="490888"/>
           </a:xfrm>
           <a:prstGeom prst="rect">
             <a:avLst/>
@@ -5582,49 +5547,20 @@
           <a:bodyPr rtlCol="0" anchor="ctr"/>
           <a:lstStyle/>
           <a:p>
-            <a:r>
-              <a:rPr lang="en-US" dirty="0"/>
-              <a:t>Entities:</a:t>
-            </a:r>
-          </a:p>
-          <a:p>
-            <a:r>
-              <a:rPr lang="en-US" dirty="0"/>
-              <a:t>{</a:t>
-            </a:r>
-          </a:p>
-          <a:p>
-            <a:r>
-              <a:rPr lang="en-US" dirty="0"/>
-              <a:t>	Location:{   hallway  },</a:t>
-            </a:r>
-          </a:p>
-          <a:p>
-            <a:r>
-              <a:rPr lang="en-US" dirty="0"/>
-              <a:t>	Item: {    },</a:t>
-            </a:r>
-          </a:p>
-          <a:p>
-            <a:r>
-              <a:rPr lang="en-US" dirty="0"/>
-              <a:t>	Actor: { Mary}</a:t>
-            </a:r>
-          </a:p>
-          <a:p>
-            <a:r>
-              <a:rPr lang="en-US" dirty="0"/>
-              <a:t>}</a:t>
-            </a:r>
-          </a:p>
-        </p:txBody>
-      </p:sp>
-      <p:sp>
-        <p:nvSpPr>
-          <p:cNvPr id="7" name="Rectangle 6">
+            <a:pPr algn="ctr"/>
+            <a:r>
+              <a:rPr lang="en-US" dirty="0"/>
+              <a:t>Sentence:  Mary travelled to the hallway.</a:t>
+            </a:r>
+          </a:p>
+        </p:txBody>
+      </p:sp>
+      <p:sp>
+        <p:nvSpPr>
+          <p:cNvPr id="5" name="Rectangle 4">
             <a:extLst>
               <a:ext uri="{FF2B5EF4-FFF2-40B4-BE49-F238E27FC236}">
-                <a16:creationId xmlns:a16="http://schemas.microsoft.com/office/drawing/2014/main" id="{0924F1ED-9A29-4323-AB0F-952D2C913FEC}"/>
+                <a16:creationId xmlns:a16="http://schemas.microsoft.com/office/drawing/2014/main" id="{7EBDCC41-239A-45BB-ADCC-A39A5DDEA2F0}"/>
               </a:ext>
             </a:extLst>
           </p:cNvPr>
@@ -5633,7 +5569,53 @@
         </p:nvSpPr>
         <p:spPr>
           <a:xfrm>
-            <a:off x="1069848" y="5040026"/>
+            <a:off x="943276" y="3214837"/>
+            <a:ext cx="3214838" cy="3551723"/>
+          </a:xfrm>
+          <a:prstGeom prst="rect">
+            <a:avLst/>
+          </a:prstGeom>
+        </p:spPr>
+        <p:style>
+          <a:lnRef idx="2">
+            <a:schemeClr val="accent1">
+              <a:shade val="50000"/>
+            </a:schemeClr>
+          </a:lnRef>
+          <a:fillRef idx="1">
+            <a:schemeClr val="accent1"/>
+          </a:fillRef>
+          <a:effectRef idx="0">
+            <a:schemeClr val="accent1"/>
+          </a:effectRef>
+          <a:fontRef idx="minor">
+            <a:schemeClr val="lt1"/>
+          </a:fontRef>
+        </p:style>
+        <p:txBody>
+          <a:bodyPr rtlCol="0" anchor="ctr"/>
+          <a:lstStyle/>
+          <a:p>
+            <a:pPr algn="ctr"/>
+            <a:endParaRPr lang="en-US"/>
+          </a:p>
+        </p:txBody>
+      </p:sp>
+      <p:sp>
+        <p:nvSpPr>
+          <p:cNvPr id="6" name="Rectangle 5">
+            <a:extLst>
+              <a:ext uri="{FF2B5EF4-FFF2-40B4-BE49-F238E27FC236}">
+                <a16:creationId xmlns:a16="http://schemas.microsoft.com/office/drawing/2014/main" id="{E82C3C68-9154-49B4-84F1-2736913B7055}"/>
+              </a:ext>
+            </a:extLst>
+          </p:cNvPr>
+          <p:cNvSpPr/>
+          <p:nvPr/>
+        </p:nvSpPr>
+        <p:spPr>
+          <a:xfrm>
+            <a:off x="1069848" y="3347184"/>
             <a:ext cx="2926080" cy="1643514"/>
           </a:xfrm>
           <a:prstGeom prst="rect">
@@ -5660,7 +5642,7 @@
           <a:p>
             <a:r>
               <a:rPr lang="en-US" dirty="0"/>
-              <a:t>Action:</a:t>
+              <a:t>Entities:</a:t>
             </a:r>
           </a:p>
           <a:p>
@@ -5672,7 +5654,19 @@
           <a:p>
             <a:r>
               <a:rPr lang="en-US" dirty="0"/>
-              <a:t>	travelled</a:t>
+              <a:t>	Location:{   hallway  },</a:t>
+            </a:r>
+          </a:p>
+          <a:p>
+            <a:r>
+              <a:rPr lang="en-US" dirty="0"/>
+              <a:t>	Item: {    },</a:t>
+            </a:r>
+          </a:p>
+          <a:p>
+            <a:r>
+              <a:rPr lang="en-US" dirty="0"/>
+              <a:t>	Actor: { Mary}</a:t>
             </a:r>
           </a:p>
           <a:p>
@@ -5685,10 +5679,10 @@
       </p:sp>
       <p:sp>
         <p:nvSpPr>
-          <p:cNvPr id="8" name="Rectangle 7">
+          <p:cNvPr id="7" name="Rectangle 6">
             <a:extLst>
               <a:ext uri="{FF2B5EF4-FFF2-40B4-BE49-F238E27FC236}">
-                <a16:creationId xmlns:a16="http://schemas.microsoft.com/office/drawing/2014/main" id="{F60F136B-865E-4890-B4A7-CE9EA6E51B10}"/>
+                <a16:creationId xmlns:a16="http://schemas.microsoft.com/office/drawing/2014/main" id="{0924F1ED-9A29-4323-AB0F-952D2C913FEC}"/>
               </a:ext>
             </a:extLst>
           </p:cNvPr>
@@ -5697,8 +5691,8 @@
         </p:nvSpPr>
         <p:spPr>
           <a:xfrm>
-            <a:off x="6639830" y="1267646"/>
-            <a:ext cx="3630328" cy="490888"/>
+            <a:off x="1069848" y="5040026"/>
+            <a:ext cx="2926080" cy="1643514"/>
           </a:xfrm>
           <a:prstGeom prst="rect">
             <a:avLst/>
@@ -5724,25 +5718,35 @@
           <a:p>
             <a:r>
               <a:rPr lang="en-US" dirty="0"/>
-              <a:t>Frame 1:  TO (DT) </a:t>
-            </a:r>
-            <a:r>
-              <a:rPr lang="en-US" dirty="0">
-                <a:solidFill>
-                  <a:srgbClr val="0070C0"/>
-                </a:solidFill>
-              </a:rPr>
-              <a:t>NP</a:t>
-            </a:r>
-          </a:p>
-        </p:txBody>
-      </p:sp>
-      <p:sp>
-        <p:nvSpPr>
-          <p:cNvPr id="9" name="Rectangle 8">
+              <a:t>Verb:</a:t>
+            </a:r>
+          </a:p>
+          <a:p>
+            <a:r>
+              <a:rPr lang="en-US" dirty="0"/>
+              <a:t>{</a:t>
+            </a:r>
+          </a:p>
+          <a:p>
+            <a:r>
+              <a:rPr lang="en-US" dirty="0"/>
+              <a:t>	travelled</a:t>
+            </a:r>
+          </a:p>
+          <a:p>
+            <a:r>
+              <a:rPr lang="en-US" dirty="0"/>
+              <a:t>}</a:t>
+            </a:r>
+          </a:p>
+        </p:txBody>
+      </p:sp>
+      <p:sp>
+        <p:nvSpPr>
+          <p:cNvPr id="8" name="Rectangle 7">
             <a:extLst>
               <a:ext uri="{FF2B5EF4-FFF2-40B4-BE49-F238E27FC236}">
-                <a16:creationId xmlns:a16="http://schemas.microsoft.com/office/drawing/2014/main" id="{ADAEBD8B-04D6-454A-87FF-EEFD095AD26B}"/>
+                <a16:creationId xmlns:a16="http://schemas.microsoft.com/office/drawing/2014/main" id="{F60F136B-865E-4890-B4A7-CE9EA6E51B10}"/>
               </a:ext>
             </a:extLst>
           </p:cNvPr>
@@ -5751,7 +5755,7 @@
         </p:nvSpPr>
         <p:spPr>
           <a:xfrm>
-            <a:off x="6639830" y="1848532"/>
+            <a:off x="6639830" y="1267646"/>
             <a:ext cx="3630328" cy="490888"/>
           </a:xfrm>
           <a:prstGeom prst="rect">
@@ -5778,7 +5782,7 @@
           <a:p>
             <a:r>
               <a:rPr lang="en-US" dirty="0"/>
-              <a:t>Frame 2:  </a:t>
+              <a:t>Frame 1:  TO (DT) </a:t>
             </a:r>
             <a:r>
               <a:rPr lang="en-US" dirty="0">
@@ -5786,21 +5790,17 @@
                   <a:srgbClr val="0070C0"/>
                 </a:solidFill>
               </a:rPr>
-              <a:t>NNP</a:t>
-            </a:r>
-            <a:r>
-              <a:rPr lang="en-US" dirty="0"/>
-              <a:t>  VB</a:t>
-            </a:r>
-          </a:p>
-        </p:txBody>
-      </p:sp>
-      <p:sp>
-        <p:nvSpPr>
-          <p:cNvPr id="10" name="Rectangle 9">
+              <a:t>NP</a:t>
+            </a:r>
+          </a:p>
+        </p:txBody>
+      </p:sp>
+      <p:sp>
+        <p:nvSpPr>
+          <p:cNvPr id="9" name="Rectangle 8">
             <a:extLst>
               <a:ext uri="{FF2B5EF4-FFF2-40B4-BE49-F238E27FC236}">
-                <a16:creationId xmlns:a16="http://schemas.microsoft.com/office/drawing/2014/main" id="{AC7296E4-7791-43F7-B142-7B733D6FBCF4}"/>
+                <a16:creationId xmlns:a16="http://schemas.microsoft.com/office/drawing/2014/main" id="{ADAEBD8B-04D6-454A-87FF-EEFD095AD26B}"/>
               </a:ext>
             </a:extLst>
           </p:cNvPr>
@@ -5809,7 +5809,7 @@
         </p:nvSpPr>
         <p:spPr>
           <a:xfrm>
-            <a:off x="6639830" y="2468880"/>
+            <a:off x="6639830" y="1848532"/>
             <a:ext cx="3630328" cy="490888"/>
           </a:xfrm>
           <a:prstGeom prst="rect">
@@ -5836,6 +5836,64 @@
           <a:p>
             <a:r>
               <a:rPr lang="en-US" dirty="0"/>
+              <a:t>Frame 2:  </a:t>
+            </a:r>
+            <a:r>
+              <a:rPr lang="en-US" dirty="0">
+                <a:solidFill>
+                  <a:srgbClr val="0070C0"/>
+                </a:solidFill>
+              </a:rPr>
+              <a:t>NNP</a:t>
+            </a:r>
+            <a:r>
+              <a:rPr lang="en-US" dirty="0"/>
+              <a:t>  VB</a:t>
+            </a:r>
+          </a:p>
+        </p:txBody>
+      </p:sp>
+      <p:sp>
+        <p:nvSpPr>
+          <p:cNvPr id="10" name="Rectangle 9">
+            <a:extLst>
+              <a:ext uri="{FF2B5EF4-FFF2-40B4-BE49-F238E27FC236}">
+                <a16:creationId xmlns:a16="http://schemas.microsoft.com/office/drawing/2014/main" id="{AC7296E4-7791-43F7-B142-7B733D6FBCF4}"/>
+              </a:ext>
+            </a:extLst>
+          </p:cNvPr>
+          <p:cNvSpPr/>
+          <p:nvPr/>
+        </p:nvSpPr>
+        <p:spPr>
+          <a:xfrm>
+            <a:off x="6639830" y="2468880"/>
+            <a:ext cx="3630328" cy="490888"/>
+          </a:xfrm>
+          <a:prstGeom prst="rect">
+            <a:avLst/>
+          </a:prstGeom>
+        </p:spPr>
+        <p:style>
+          <a:lnRef idx="2">
+            <a:schemeClr val="accent5"/>
+          </a:lnRef>
+          <a:fillRef idx="1">
+            <a:schemeClr val="lt1"/>
+          </a:fillRef>
+          <a:effectRef idx="0">
+            <a:schemeClr val="accent5"/>
+          </a:effectRef>
+          <a:fontRef idx="minor">
+            <a:schemeClr val="dk1"/>
+          </a:fontRef>
+        </p:style>
+        <p:txBody>
+          <a:bodyPr rtlCol="0" anchor="ctr"/>
+          <a:lstStyle/>
+          <a:p>
+            <a:r>
+              <a:rPr lang="en-US" dirty="0"/>
               <a:t>Frame </a:t>
             </a:r>
             <a:r>
@@ -5895,10 +5953,18 @@
           <a:lstStyle/>
           <a:p>
             <a:r>
-              <a:rPr lang="en-US" altLang="zh-TW" dirty="0"/>
+              <a:rPr lang="en-US" altLang="zh-TW" dirty="0">
+                <a:solidFill>
+                  <a:srgbClr val="0070C0"/>
+                </a:solidFill>
+              </a:rPr>
               <a:t>Location</a:t>
             </a:r>
-            <a:endParaRPr lang="en-US" dirty="0"/>
+            <a:endParaRPr lang="en-US" dirty="0">
+              <a:solidFill>
+                <a:srgbClr val="0070C0"/>
+              </a:solidFill>
+            </a:endParaRPr>
           </a:p>
         </p:txBody>
       </p:sp>
@@ -5931,10 +5997,18 @@
           <a:lstStyle/>
           <a:p>
             <a:r>
-              <a:rPr lang="en-US" altLang="zh-TW" dirty="0"/>
+              <a:rPr lang="en-US" altLang="zh-TW" dirty="0">
+                <a:solidFill>
+                  <a:srgbClr val="0070C0"/>
+                </a:solidFill>
+              </a:rPr>
               <a:t>Actor</a:t>
             </a:r>
-            <a:endParaRPr lang="en-US" dirty="0"/>
+            <a:endParaRPr lang="en-US" dirty="0">
+              <a:solidFill>
+                <a:srgbClr val="0070C0"/>
+              </a:solidFill>
+            </a:endParaRPr>
           </a:p>
         </p:txBody>
       </p:sp>
@@ -5967,10 +6041,18 @@
           <a:lstStyle/>
           <a:p>
             <a:r>
-              <a:rPr lang="en-US" altLang="zh-TW" dirty="0"/>
+              <a:rPr lang="en-US" altLang="zh-TW" dirty="0">
+                <a:solidFill>
+                  <a:srgbClr val="0070C0"/>
+                </a:solidFill>
+              </a:rPr>
               <a:t>Item</a:t>
             </a:r>
-            <a:endParaRPr lang="en-US" dirty="0"/>
+            <a:endParaRPr lang="en-US" dirty="0">
+              <a:solidFill>
+                <a:srgbClr val="0070C0"/>
+              </a:solidFill>
+            </a:endParaRPr>
           </a:p>
         </p:txBody>
       </p:sp>
@@ -6051,6 +6133,590 @@
             <a:r>
               <a:rPr lang="en-US" altLang="zh-TW" dirty="0"/>
               <a:t>match</a:t>
+            </a:r>
+            <a:endParaRPr lang="en-US" dirty="0"/>
+          </a:p>
+        </p:txBody>
+      </p:sp>
+      <p:sp>
+        <p:nvSpPr>
+          <p:cNvPr id="16" name="Rectangle 15">
+            <a:extLst>
+              <a:ext uri="{FF2B5EF4-FFF2-40B4-BE49-F238E27FC236}">
+                <a16:creationId xmlns:a16="http://schemas.microsoft.com/office/drawing/2014/main" id="{71AA9EA1-82A0-4193-8DFF-2C35147889BA}"/>
+              </a:ext>
+            </a:extLst>
+          </p:cNvPr>
+          <p:cNvSpPr/>
+          <p:nvPr/>
+        </p:nvSpPr>
+        <p:spPr>
+          <a:xfrm>
+            <a:off x="5232903" y="5103397"/>
+            <a:ext cx="2154724" cy="1541843"/>
+          </a:xfrm>
+          <a:prstGeom prst="rect">
+            <a:avLst/>
+          </a:prstGeom>
+        </p:spPr>
+        <p:style>
+          <a:lnRef idx="2">
+            <a:schemeClr val="accent1">
+              <a:shade val="50000"/>
+            </a:schemeClr>
+          </a:lnRef>
+          <a:fillRef idx="1">
+            <a:schemeClr val="accent1"/>
+          </a:fillRef>
+          <a:effectRef idx="0">
+            <a:schemeClr val="accent1"/>
+          </a:effectRef>
+          <a:fontRef idx="minor">
+            <a:schemeClr val="lt1"/>
+          </a:fontRef>
+        </p:style>
+        <p:txBody>
+          <a:bodyPr rtlCol="0" anchor="ctr"/>
+          <a:lstStyle/>
+          <a:p>
+            <a:pPr algn="ctr"/>
+            <a:endParaRPr lang="en-US"/>
+          </a:p>
+        </p:txBody>
+      </p:sp>
+      <p:sp>
+        <p:nvSpPr>
+          <p:cNvPr id="3" name="Rectangle 2">
+            <a:extLst>
+              <a:ext uri="{FF2B5EF4-FFF2-40B4-BE49-F238E27FC236}">
+                <a16:creationId xmlns:a16="http://schemas.microsoft.com/office/drawing/2014/main" id="{9E0556CC-D47C-4D4F-BCDF-74E487013AA5}"/>
+              </a:ext>
+            </a:extLst>
+          </p:cNvPr>
+          <p:cNvSpPr/>
+          <p:nvPr/>
+        </p:nvSpPr>
+        <p:spPr>
+          <a:xfrm>
+            <a:off x="5275598" y="5157216"/>
+            <a:ext cx="2045079" cy="1424653"/>
+          </a:xfrm>
+          <a:prstGeom prst="rect">
+            <a:avLst/>
+          </a:prstGeom>
+        </p:spPr>
+        <p:style>
+          <a:lnRef idx="2">
+            <a:schemeClr val="accent5"/>
+          </a:lnRef>
+          <a:fillRef idx="1">
+            <a:schemeClr val="lt1"/>
+          </a:fillRef>
+          <a:effectRef idx="0">
+            <a:schemeClr val="accent5"/>
+          </a:effectRef>
+          <a:fontRef idx="minor">
+            <a:schemeClr val="dk1"/>
+          </a:fontRef>
+        </p:style>
+        <p:txBody>
+          <a:bodyPr rtlCol="0" anchor="ctr"/>
+          <a:lstStyle/>
+          <a:p>
+            <a:r>
+              <a:rPr lang="en-US" altLang="zh-TW" dirty="0"/>
+              <a:t>Action categories:</a:t>
+            </a:r>
+          </a:p>
+          <a:p>
+            <a:r>
+              <a:rPr lang="en-US" altLang="zh-TW" dirty="0"/>
+              <a:t>Move</a:t>
+            </a:r>
+          </a:p>
+          <a:p>
+            <a:r>
+              <a:rPr lang="en-US" altLang="zh-TW" dirty="0"/>
+              <a:t>Link</a:t>
+            </a:r>
+          </a:p>
+          <a:p>
+            <a:r>
+              <a:rPr lang="en-US" altLang="zh-TW" dirty="0"/>
+              <a:t>Cut</a:t>
+            </a:r>
+          </a:p>
+        </p:txBody>
+      </p:sp>
+      <p:sp>
+        <p:nvSpPr>
+          <p:cNvPr id="17" name="Arrow: Right 16">
+            <a:extLst>
+              <a:ext uri="{FF2B5EF4-FFF2-40B4-BE49-F238E27FC236}">
+                <a16:creationId xmlns:a16="http://schemas.microsoft.com/office/drawing/2014/main" id="{040CDFC2-DBE2-4507-8737-6DE12CEE131D}"/>
+              </a:ext>
+            </a:extLst>
+          </p:cNvPr>
+          <p:cNvSpPr/>
+          <p:nvPr/>
+        </p:nvSpPr>
+        <p:spPr>
+          <a:xfrm>
+            <a:off x="4291343" y="5869542"/>
+            <a:ext cx="851026" cy="307818"/>
+          </a:xfrm>
+          <a:prstGeom prst="rightArrow">
+            <a:avLst/>
+          </a:prstGeom>
+        </p:spPr>
+        <p:style>
+          <a:lnRef idx="2">
+            <a:schemeClr val="accent1">
+              <a:shade val="50000"/>
+            </a:schemeClr>
+          </a:lnRef>
+          <a:fillRef idx="1">
+            <a:schemeClr val="accent1"/>
+          </a:fillRef>
+          <a:effectRef idx="0">
+            <a:schemeClr val="accent1"/>
+          </a:effectRef>
+          <a:fontRef idx="minor">
+            <a:schemeClr val="lt1"/>
+          </a:fontRef>
+        </p:style>
+        <p:txBody>
+          <a:bodyPr rtlCol="0" anchor="ctr"/>
+          <a:lstStyle/>
+          <a:p>
+            <a:pPr algn="ctr"/>
+            <a:endParaRPr lang="en-US"/>
+          </a:p>
+        </p:txBody>
+      </p:sp>
+      <p:sp>
+        <p:nvSpPr>
+          <p:cNvPr id="18" name="TextBox 17">
+            <a:extLst>
+              <a:ext uri="{FF2B5EF4-FFF2-40B4-BE49-F238E27FC236}">
+                <a16:creationId xmlns:a16="http://schemas.microsoft.com/office/drawing/2014/main" id="{39E792C5-E68F-4935-AFFA-8A0985AC81C3}"/>
+              </a:ext>
+            </a:extLst>
+          </p:cNvPr>
+          <p:cNvSpPr txBox="1"/>
+          <p:nvPr/>
+        </p:nvSpPr>
+        <p:spPr>
+          <a:xfrm>
+            <a:off x="4208973" y="6244223"/>
+            <a:ext cx="1443789" cy="369332"/>
+          </a:xfrm>
+          <a:prstGeom prst="rect">
+            <a:avLst/>
+          </a:prstGeom>
+          <a:noFill/>
+        </p:spPr>
+        <p:txBody>
+          <a:bodyPr wrap="square" rtlCol="0">
+            <a:spAutoFit/>
+          </a:bodyPr>
+          <a:lstStyle/>
+          <a:p>
+            <a:r>
+              <a:rPr lang="en-US" altLang="zh-TW" dirty="0"/>
+              <a:t>classify</a:t>
+            </a:r>
+            <a:endParaRPr lang="en-US" dirty="0"/>
+          </a:p>
+        </p:txBody>
+      </p:sp>
+      <p:sp>
+        <p:nvSpPr>
+          <p:cNvPr id="19" name="Rectangle 18">
+            <a:extLst>
+              <a:ext uri="{FF2B5EF4-FFF2-40B4-BE49-F238E27FC236}">
+                <a16:creationId xmlns:a16="http://schemas.microsoft.com/office/drawing/2014/main" id="{E2FF4C08-4A38-4F00-9C40-8DF9E2B6292A}"/>
+              </a:ext>
+            </a:extLst>
+          </p:cNvPr>
+          <p:cNvSpPr/>
+          <p:nvPr/>
+        </p:nvSpPr>
+        <p:spPr>
+          <a:xfrm>
+            <a:off x="8160629" y="3228299"/>
+            <a:ext cx="3214838" cy="3455241"/>
+          </a:xfrm>
+          <a:prstGeom prst="rect">
+            <a:avLst/>
+          </a:prstGeom>
+        </p:spPr>
+        <p:style>
+          <a:lnRef idx="2">
+            <a:schemeClr val="accent1">
+              <a:shade val="50000"/>
+            </a:schemeClr>
+          </a:lnRef>
+          <a:fillRef idx="1">
+            <a:schemeClr val="accent1"/>
+          </a:fillRef>
+          <a:effectRef idx="0">
+            <a:schemeClr val="accent1"/>
+          </a:effectRef>
+          <a:fontRef idx="minor">
+            <a:schemeClr val="lt1"/>
+          </a:fontRef>
+        </p:style>
+        <p:txBody>
+          <a:bodyPr rtlCol="0" anchor="ctr"/>
+          <a:lstStyle/>
+          <a:p>
+            <a:pPr algn="ctr"/>
+            <a:endParaRPr lang="en-US"/>
+          </a:p>
+        </p:txBody>
+      </p:sp>
+      <p:sp>
+        <p:nvSpPr>
+          <p:cNvPr id="20" name="Rectangle 19">
+            <a:extLst>
+              <a:ext uri="{FF2B5EF4-FFF2-40B4-BE49-F238E27FC236}">
+                <a16:creationId xmlns:a16="http://schemas.microsoft.com/office/drawing/2014/main" id="{4ECD6AC9-C8A9-4A4B-8E41-350FF6BD9305}"/>
+              </a:ext>
+            </a:extLst>
+          </p:cNvPr>
+          <p:cNvSpPr/>
+          <p:nvPr/>
+        </p:nvSpPr>
+        <p:spPr>
+          <a:xfrm>
+            <a:off x="8196840" y="3389737"/>
+            <a:ext cx="3052055" cy="1164155"/>
+          </a:xfrm>
+          <a:prstGeom prst="rect">
+            <a:avLst/>
+          </a:prstGeom>
+        </p:spPr>
+        <p:style>
+          <a:lnRef idx="2">
+            <a:schemeClr val="accent5"/>
+          </a:lnRef>
+          <a:fillRef idx="1">
+            <a:schemeClr val="lt1"/>
+          </a:fillRef>
+          <a:effectRef idx="0">
+            <a:schemeClr val="accent5"/>
+          </a:effectRef>
+          <a:fontRef idx="minor">
+            <a:schemeClr val="dk1"/>
+          </a:fontRef>
+        </p:style>
+        <p:txBody>
+          <a:bodyPr rtlCol="0" anchor="ctr"/>
+          <a:lstStyle/>
+          <a:p>
+            <a:r>
+              <a:rPr lang="en-US" altLang="zh-TW" dirty="0"/>
+              <a:t>Move{</a:t>
+            </a:r>
+          </a:p>
+          <a:p>
+            <a:r>
+              <a:rPr lang="en-US" altLang="zh-TW" dirty="0"/>
+              <a:t>	minus (old </a:t>
+            </a:r>
+            <a:r>
+              <a:rPr lang="en-US" altLang="zh-TW" dirty="0">
+                <a:solidFill>
+                  <a:srgbClr val="0070C0"/>
+                </a:solidFill>
+              </a:rPr>
+              <a:t>at(location)</a:t>
+            </a:r>
+            <a:r>
+              <a:rPr lang="en-US" altLang="zh-TW" dirty="0"/>
+              <a:t>)</a:t>
+            </a:r>
+          </a:p>
+          <a:p>
+            <a:r>
+              <a:rPr lang="en-US" altLang="zh-TW" dirty="0"/>
+              <a:t>	add(new </a:t>
+            </a:r>
+            <a:r>
+              <a:rPr lang="en-US" altLang="zh-TW" dirty="0">
+                <a:solidFill>
+                  <a:srgbClr val="0070C0"/>
+                </a:solidFill>
+              </a:rPr>
+              <a:t>at(location)</a:t>
+            </a:r>
+            <a:r>
+              <a:rPr lang="en-US" altLang="zh-TW" dirty="0"/>
+              <a:t>)</a:t>
+            </a:r>
+          </a:p>
+          <a:p>
+            <a:r>
+              <a:rPr lang="en-US" altLang="zh-TW" dirty="0"/>
+              <a:t>}</a:t>
+            </a:r>
+          </a:p>
+        </p:txBody>
+      </p:sp>
+      <p:sp>
+        <p:nvSpPr>
+          <p:cNvPr id="21" name="Rectangle 20">
+            <a:extLst>
+              <a:ext uri="{FF2B5EF4-FFF2-40B4-BE49-F238E27FC236}">
+                <a16:creationId xmlns:a16="http://schemas.microsoft.com/office/drawing/2014/main" id="{B35958D5-26DD-4E0B-81E3-EA6BD94E1C49}"/>
+              </a:ext>
+            </a:extLst>
+          </p:cNvPr>
+          <p:cNvSpPr/>
+          <p:nvPr/>
+        </p:nvSpPr>
+        <p:spPr>
+          <a:xfrm>
+            <a:off x="8196840" y="4673484"/>
+            <a:ext cx="3052055" cy="916870"/>
+          </a:xfrm>
+          <a:prstGeom prst="rect">
+            <a:avLst/>
+          </a:prstGeom>
+        </p:spPr>
+        <p:style>
+          <a:lnRef idx="2">
+            <a:schemeClr val="accent5"/>
+          </a:lnRef>
+          <a:fillRef idx="1">
+            <a:schemeClr val="lt1"/>
+          </a:fillRef>
+          <a:effectRef idx="0">
+            <a:schemeClr val="accent5"/>
+          </a:effectRef>
+          <a:fontRef idx="minor">
+            <a:schemeClr val="dk1"/>
+          </a:fontRef>
+        </p:style>
+        <p:txBody>
+          <a:bodyPr rtlCol="0" anchor="ctr"/>
+          <a:lstStyle/>
+          <a:p>
+            <a:r>
+              <a:rPr lang="en-US" altLang="zh-TW" dirty="0"/>
+              <a:t>Link{</a:t>
+            </a:r>
+          </a:p>
+          <a:p>
+            <a:r>
+              <a:rPr lang="en-US" altLang="zh-TW" dirty="0"/>
+              <a:t>	add(</a:t>
+            </a:r>
+            <a:r>
+              <a:rPr lang="en-US" altLang="zh-TW" dirty="0">
+                <a:solidFill>
+                  <a:srgbClr val="0070C0"/>
+                </a:solidFill>
+              </a:rPr>
+              <a:t>has(item)</a:t>
+            </a:r>
+            <a:r>
+              <a:rPr lang="en-US" altLang="zh-TW" dirty="0"/>
+              <a:t>)</a:t>
+            </a:r>
+          </a:p>
+          <a:p>
+            <a:r>
+              <a:rPr lang="en-US" altLang="zh-TW" dirty="0"/>
+              <a:t>}</a:t>
+            </a:r>
+          </a:p>
+        </p:txBody>
+      </p:sp>
+      <p:sp>
+        <p:nvSpPr>
+          <p:cNvPr id="22" name="Rectangle 21">
+            <a:extLst>
+              <a:ext uri="{FF2B5EF4-FFF2-40B4-BE49-F238E27FC236}">
+                <a16:creationId xmlns:a16="http://schemas.microsoft.com/office/drawing/2014/main" id="{3749E366-DF92-47B0-A6CF-75A2F6A69D2C}"/>
+              </a:ext>
+            </a:extLst>
+          </p:cNvPr>
+          <p:cNvSpPr/>
+          <p:nvPr/>
+        </p:nvSpPr>
+        <p:spPr>
+          <a:xfrm>
+            <a:off x="8204388" y="5685967"/>
+            <a:ext cx="3052055" cy="916870"/>
+          </a:xfrm>
+          <a:prstGeom prst="rect">
+            <a:avLst/>
+          </a:prstGeom>
+        </p:spPr>
+        <p:style>
+          <a:lnRef idx="2">
+            <a:schemeClr val="accent5"/>
+          </a:lnRef>
+          <a:fillRef idx="1">
+            <a:schemeClr val="lt1"/>
+          </a:fillRef>
+          <a:effectRef idx="0">
+            <a:schemeClr val="accent5"/>
+          </a:effectRef>
+          <a:fontRef idx="minor">
+            <a:schemeClr val="dk1"/>
+          </a:fontRef>
+        </p:style>
+        <p:txBody>
+          <a:bodyPr rtlCol="0" anchor="ctr"/>
+          <a:lstStyle/>
+          <a:p>
+            <a:r>
+              <a:rPr lang="en-US" altLang="zh-TW" dirty="0"/>
+              <a:t>Cut{</a:t>
+            </a:r>
+          </a:p>
+          <a:p>
+            <a:r>
+              <a:rPr lang="en-US" altLang="zh-TW" dirty="0"/>
+              <a:t>	minus(</a:t>
+            </a:r>
+            <a:r>
+              <a:rPr lang="en-US" altLang="zh-TW" dirty="0">
+                <a:solidFill>
+                  <a:srgbClr val="0070C0"/>
+                </a:solidFill>
+              </a:rPr>
+              <a:t>has(item)</a:t>
+            </a:r>
+            <a:r>
+              <a:rPr lang="en-US" altLang="zh-TW" dirty="0"/>
+              <a:t>)</a:t>
+            </a:r>
+          </a:p>
+          <a:p>
+            <a:r>
+              <a:rPr lang="en-US" altLang="zh-TW" dirty="0"/>
+              <a:t>}</a:t>
+            </a:r>
+          </a:p>
+        </p:txBody>
+      </p:sp>
+      <p:sp>
+        <p:nvSpPr>
+          <p:cNvPr id="23" name="Arrow: Right 22">
+            <a:extLst>
+              <a:ext uri="{FF2B5EF4-FFF2-40B4-BE49-F238E27FC236}">
+                <a16:creationId xmlns:a16="http://schemas.microsoft.com/office/drawing/2014/main" id="{0FDE8DF1-BF1B-4BAF-B509-476F213DDB77}"/>
+              </a:ext>
+            </a:extLst>
+          </p:cNvPr>
+          <p:cNvSpPr/>
+          <p:nvPr/>
+        </p:nvSpPr>
+        <p:spPr>
+          <a:xfrm>
+            <a:off x="7439701" y="5829129"/>
+            <a:ext cx="720928" cy="307818"/>
+          </a:xfrm>
+          <a:prstGeom prst="rightArrow">
+            <a:avLst/>
+          </a:prstGeom>
+        </p:spPr>
+        <p:style>
+          <a:lnRef idx="2">
+            <a:schemeClr val="accent1">
+              <a:shade val="50000"/>
+            </a:schemeClr>
+          </a:lnRef>
+          <a:fillRef idx="1">
+            <a:schemeClr val="accent1"/>
+          </a:fillRef>
+          <a:effectRef idx="0">
+            <a:schemeClr val="accent1"/>
+          </a:effectRef>
+          <a:fontRef idx="minor">
+            <a:schemeClr val="lt1"/>
+          </a:fontRef>
+        </p:style>
+        <p:txBody>
+          <a:bodyPr rtlCol="0" anchor="ctr"/>
+          <a:lstStyle/>
+          <a:p>
+            <a:pPr algn="ctr"/>
+            <a:endParaRPr lang="en-US"/>
+          </a:p>
+        </p:txBody>
+      </p:sp>
+      <p:sp>
+        <p:nvSpPr>
+          <p:cNvPr id="24" name="TextBox 23">
+            <a:extLst>
+              <a:ext uri="{FF2B5EF4-FFF2-40B4-BE49-F238E27FC236}">
+                <a16:creationId xmlns:a16="http://schemas.microsoft.com/office/drawing/2014/main" id="{CC358114-CAC8-4533-82FB-78A9584A111A}"/>
+              </a:ext>
+            </a:extLst>
+          </p:cNvPr>
+          <p:cNvSpPr txBox="1"/>
+          <p:nvPr/>
+        </p:nvSpPr>
+        <p:spPr>
+          <a:xfrm>
+            <a:off x="7348200" y="6244223"/>
+            <a:ext cx="1443789" cy="369332"/>
+          </a:xfrm>
+          <a:prstGeom prst="rect">
+            <a:avLst/>
+          </a:prstGeom>
+          <a:noFill/>
+        </p:spPr>
+        <p:txBody>
+          <a:bodyPr wrap="square" rtlCol="0">
+            <a:spAutoFit/>
+          </a:bodyPr>
+          <a:lstStyle/>
+          <a:p>
+            <a:r>
+              <a:rPr lang="en-US" altLang="zh-TW" dirty="0"/>
+              <a:t>invoke</a:t>
+            </a:r>
+            <a:endParaRPr lang="en-US" dirty="0"/>
+          </a:p>
+        </p:txBody>
+      </p:sp>
+      <p:sp>
+        <p:nvSpPr>
+          <p:cNvPr id="26" name="TextBox 25">
+            <a:extLst>
+              <a:ext uri="{FF2B5EF4-FFF2-40B4-BE49-F238E27FC236}">
+                <a16:creationId xmlns:a16="http://schemas.microsoft.com/office/drawing/2014/main" id="{2AC10216-7B1F-4A5B-A6CF-B0F6F53F852F}"/>
+              </a:ext>
+            </a:extLst>
+          </p:cNvPr>
+          <p:cNvSpPr txBox="1"/>
+          <p:nvPr/>
+        </p:nvSpPr>
+        <p:spPr>
+          <a:xfrm>
+            <a:off x="6468177" y="745974"/>
+            <a:ext cx="1648805" cy="369332"/>
+          </a:xfrm>
+          <a:prstGeom prst="rect">
+            <a:avLst/>
+          </a:prstGeom>
+          <a:noFill/>
+        </p:spPr>
+        <p:txBody>
+          <a:bodyPr wrap="square" rtlCol="0">
+            <a:spAutoFit/>
+          </a:bodyPr>
+          <a:lstStyle/>
+          <a:p>
+            <a:r>
+              <a:rPr lang="en-US" dirty="0" err="1"/>
+              <a:t>Rensa</a:t>
             </a:r>
             <a:endParaRPr lang="en-US" dirty="0"/>
           </a:p>
@@ -6119,113 +6785,283 @@
           </a:p>
         </p:txBody>
       </p:sp>
-      <p:sp>
-        <p:nvSpPr>
-          <p:cNvPr id="7" name="Text Placeholder 6">
+      <p:graphicFrame>
+        <p:nvGraphicFramePr>
+          <p:cNvPr id="5" name="Table 4">
             <a:extLst>
               <a:ext uri="{FF2B5EF4-FFF2-40B4-BE49-F238E27FC236}">
-                <a16:creationId xmlns:a16="http://schemas.microsoft.com/office/drawing/2014/main" id="{F39CDEEE-9BB8-4AC3-9E51-F9EB43C9C717}"/>
+                <a16:creationId xmlns:a16="http://schemas.microsoft.com/office/drawing/2014/main" id="{EED79D96-FE3C-437D-A4E2-E08CEECDB51D}"/>
               </a:ext>
             </a:extLst>
           </p:cNvPr>
-          <p:cNvSpPr>
-            <a:spLocks noGrp="1"/>
-          </p:cNvSpPr>
+          <p:cNvGraphicFramePr>
+            <a:graphicFrameLocks noGrp="1"/>
+          </p:cNvGraphicFramePr>
           <p:nvPr>
-            <p:ph type="body" idx="1"/>
+            <p:extLst>
+              <p:ext uri="{D42A27DB-BD31-4B8C-83A1-F6EECF244321}">
+                <p14:modId xmlns:p14="http://schemas.microsoft.com/office/powerpoint/2010/main" val="152125421"/>
+              </p:ext>
+            </p:extLst>
           </p:nvPr>
-        </p:nvSpPr>
-        <p:spPr/>
-        <p:txBody>
-          <a:bodyPr/>
-          <a:lstStyle/>
-          <a:p>
-            <a:r>
-              <a:rPr lang="en-US" dirty="0"/>
-              <a:t>Simplified</a:t>
-            </a:r>
-          </a:p>
-        </p:txBody>
-      </p:sp>
-      <p:sp>
-        <p:nvSpPr>
-          <p:cNvPr id="8" name="Content Placeholder 7">
+        </p:nvGraphicFramePr>
+        <p:xfrm>
+          <a:off x="1808065" y="4127927"/>
+          <a:ext cx="8128000" cy="1854200"/>
+        </p:xfrm>
+        <a:graphic>
+          <a:graphicData uri="http://schemas.openxmlformats.org/drawingml/2006/table">
+            <a:tbl>
+              <a:tblPr firstRow="1" bandRow="1">
+                <a:tableStyleId>{5C22544A-7EE6-4342-B048-85BDC9FD1C3A}</a:tableStyleId>
+              </a:tblPr>
+              <a:tblGrid>
+                <a:gridCol w="4064000">
+                  <a:extLst>
+                    <a:ext uri="{9D8B030D-6E8A-4147-A177-3AD203B41FA5}">
+                      <a16:colId xmlns:a16="http://schemas.microsoft.com/office/drawing/2014/main" val="2742746140"/>
+                    </a:ext>
+                  </a:extLst>
+                </a:gridCol>
+                <a:gridCol w="4064000">
+                  <a:extLst>
+                    <a:ext uri="{9D8B030D-6E8A-4147-A177-3AD203B41FA5}">
+                      <a16:colId xmlns:a16="http://schemas.microsoft.com/office/drawing/2014/main" val="3236143225"/>
+                    </a:ext>
+                  </a:extLst>
+                </a:gridCol>
+              </a:tblGrid>
+              <a:tr h="370840">
+                <a:tc>
+                  <a:txBody>
+                    <a:bodyPr/>
+                    <a:lstStyle/>
+                    <a:p>
+                      <a:r>
+                        <a:rPr lang="en-US" dirty="0"/>
+                        <a:t>Current version</a:t>
+                      </a:r>
+                    </a:p>
+                  </a:txBody>
+                  <a:tcPr/>
+                </a:tc>
+                <a:tc>
+                  <a:txBody>
+                    <a:bodyPr/>
+                    <a:lstStyle/>
+                    <a:p>
+                      <a:r>
+                        <a:rPr lang="en-US" dirty="0" err="1"/>
+                        <a:t>Verbnet</a:t>
+                      </a:r>
+                      <a:endParaRPr lang="en-US" dirty="0"/>
+                    </a:p>
+                  </a:txBody>
+                  <a:tcPr/>
+                </a:tc>
+                <a:extLst>
+                  <a:ext uri="{0D108BD9-81ED-4DB2-BD59-A6C34878D82A}">
+                    <a16:rowId xmlns:a16="http://schemas.microsoft.com/office/drawing/2014/main" val="1689685270"/>
+                  </a:ext>
+                </a:extLst>
+              </a:tr>
+              <a:tr h="370840">
+                <a:tc>
+                  <a:txBody>
+                    <a:bodyPr/>
+                    <a:lstStyle/>
+                    <a:p>
+                      <a:r>
+                        <a:rPr lang="en-US" dirty="0"/>
+                        <a:t>Entity tags (actor, item, location)</a:t>
+                      </a:r>
+                    </a:p>
+                  </a:txBody>
+                  <a:tcPr/>
+                </a:tc>
+                <a:tc>
+                  <a:txBody>
+                    <a:bodyPr/>
+                    <a:lstStyle/>
+                    <a:p>
+                      <a:r>
+                        <a:rPr lang="en-US" dirty="0"/>
+                        <a:t>Thematic Roles (E, Theme, Location)</a:t>
+                      </a:r>
+                    </a:p>
+                  </a:txBody>
+                  <a:tcPr/>
+                </a:tc>
+                <a:extLst>
+                  <a:ext uri="{0D108BD9-81ED-4DB2-BD59-A6C34878D82A}">
+                    <a16:rowId xmlns:a16="http://schemas.microsoft.com/office/drawing/2014/main" val="2776658488"/>
+                  </a:ext>
+                </a:extLst>
+              </a:tr>
+              <a:tr h="370840">
+                <a:tc>
+                  <a:txBody>
+                    <a:bodyPr/>
+                    <a:lstStyle/>
+                    <a:p>
+                      <a:r>
+                        <a:rPr lang="en-US" dirty="0">
+                          <a:solidFill>
+                            <a:srgbClr val="FF0000"/>
+                          </a:solidFill>
+                        </a:rPr>
+                        <a:t>State relation(at, has)</a:t>
+                      </a:r>
+                    </a:p>
+                  </a:txBody>
+                  <a:tcPr/>
+                </a:tc>
+                <a:tc>
+                  <a:txBody>
+                    <a:bodyPr/>
+                    <a:lstStyle/>
+                    <a:p>
+                      <a:r>
+                        <a:rPr lang="en-US" dirty="0">
+                          <a:solidFill>
+                            <a:srgbClr val="FF0000"/>
+                          </a:solidFill>
+                        </a:rPr>
+                        <a:t>Predicate(Motion, Via, During)</a:t>
+                      </a:r>
+                    </a:p>
+                  </a:txBody>
+                  <a:tcPr/>
+                </a:tc>
+                <a:extLst>
+                  <a:ext uri="{0D108BD9-81ED-4DB2-BD59-A6C34878D82A}">
+                    <a16:rowId xmlns:a16="http://schemas.microsoft.com/office/drawing/2014/main" val="3609607727"/>
+                  </a:ext>
+                </a:extLst>
+              </a:tr>
+              <a:tr h="370840">
+                <a:tc>
+                  <a:txBody>
+                    <a:bodyPr/>
+                    <a:lstStyle/>
+                    <a:p>
+                      <a:r>
+                        <a:rPr lang="en-US" dirty="0"/>
+                        <a:t>Frame (NNP  VB  NN)</a:t>
+                      </a:r>
+                    </a:p>
+                  </a:txBody>
+                  <a:tcPr/>
+                </a:tc>
+                <a:tc>
+                  <a:txBody>
+                    <a:bodyPr/>
+                    <a:lstStyle/>
+                    <a:p>
+                      <a:pPr marL="0" marR="0" lvl="0" indent="0" algn="l" defTabSz="914400" rtl="0" eaLnBrk="1" fontAlgn="auto" latinLnBrk="0" hangingPunct="1">
+                        <a:lnSpc>
+                          <a:spcPct val="100000"/>
+                        </a:lnSpc>
+                        <a:spcBef>
+                          <a:spcPts val="0"/>
+                        </a:spcBef>
+                        <a:spcAft>
+                          <a:spcPts val="0"/>
+                        </a:spcAft>
+                        <a:buClrTx/>
+                        <a:buSzTx/>
+                        <a:buFontTx/>
+                        <a:buNone/>
+                        <a:tabLst/>
+                        <a:defRPr/>
+                      </a:pPr>
+                      <a:r>
+                        <a:rPr lang="en-US" dirty="0"/>
+                        <a:t>Frame (NP  V  NP)</a:t>
+                      </a:r>
+                    </a:p>
+                  </a:txBody>
+                  <a:tcPr/>
+                </a:tc>
+                <a:extLst>
+                  <a:ext uri="{0D108BD9-81ED-4DB2-BD59-A6C34878D82A}">
+                    <a16:rowId xmlns:a16="http://schemas.microsoft.com/office/drawing/2014/main" val="3036222547"/>
+                  </a:ext>
+                </a:extLst>
+              </a:tr>
+              <a:tr h="370840">
+                <a:tc>
+                  <a:txBody>
+                    <a:bodyPr/>
+                    <a:lstStyle/>
+                    <a:p>
+                      <a:r>
+                        <a:rPr lang="en-US" dirty="0"/>
+                        <a:t>Hand crafted rules (NNP  V Location)</a:t>
+                      </a:r>
+                    </a:p>
+                  </a:txBody>
+                  <a:tcPr/>
+                </a:tc>
+                <a:tc>
+                  <a:txBody>
+                    <a:bodyPr/>
+                    <a:lstStyle/>
+                    <a:p>
+                      <a:r>
+                        <a:rPr lang="en-US" dirty="0"/>
+                        <a:t>Syntax (Theme  V  Location)</a:t>
+                      </a:r>
+                    </a:p>
+                  </a:txBody>
+                  <a:tcPr/>
+                </a:tc>
+                <a:extLst>
+                  <a:ext uri="{0D108BD9-81ED-4DB2-BD59-A6C34878D82A}">
+                    <a16:rowId xmlns:a16="http://schemas.microsoft.com/office/drawing/2014/main" val="1836887221"/>
+                  </a:ext>
+                </a:extLst>
+              </a:tr>
+            </a:tbl>
+          </a:graphicData>
+        </a:graphic>
+      </p:graphicFrame>
+      <p:pic>
+        <p:nvPicPr>
+          <p:cNvPr id="11" name="Picture 10">
             <a:extLst>
               <a:ext uri="{FF2B5EF4-FFF2-40B4-BE49-F238E27FC236}">
-                <a16:creationId xmlns:a16="http://schemas.microsoft.com/office/drawing/2014/main" id="{655997AE-74A3-40D7-A0ED-553A9A423708}"/>
+                <a16:creationId xmlns:a16="http://schemas.microsoft.com/office/drawing/2014/main" id="{50F22344-7432-4DBB-9953-BA6D654210D9}"/>
               </a:ext>
             </a:extLst>
           </p:cNvPr>
-          <p:cNvSpPr>
-            <a:spLocks noGrp="1"/>
-          </p:cNvSpPr>
-          <p:nvPr>
-            <p:ph sz="half" idx="2"/>
-          </p:nvPr>
-        </p:nvSpPr>
-        <p:spPr/>
-        <p:txBody>
-          <a:bodyPr/>
-          <a:lstStyle/>
-          <a:p>
-            <a:endParaRPr lang="en-US" dirty="0"/>
-          </a:p>
-        </p:txBody>
-      </p:sp>
-      <p:sp>
-        <p:nvSpPr>
-          <p:cNvPr id="9" name="Text Placeholder 8">
+          <p:cNvPicPr>
+            <a:picLocks noChangeAspect="1"/>
+          </p:cNvPicPr>
+          <p:nvPr/>
+        </p:nvPicPr>
+        <p:blipFill>
+          <a:blip r:embed="rId2">
             <a:extLst>
-              <a:ext uri="{FF2B5EF4-FFF2-40B4-BE49-F238E27FC236}">
-                <a16:creationId xmlns:a16="http://schemas.microsoft.com/office/drawing/2014/main" id="{ABB6C4A0-BDA8-48E4-86B6-26D340D9E898}"/>
+              <a:ext uri="{28A0092B-C50C-407E-A947-70E740481C1C}">
+                <a14:useLocalDpi xmlns:a14="http://schemas.microsoft.com/office/drawing/2010/main" val="0"/>
               </a:ext>
             </a:extLst>
-          </p:cNvPr>
-          <p:cNvSpPr>
-            <a:spLocks noGrp="1"/>
-          </p:cNvSpPr>
-          <p:nvPr>
-            <p:ph type="body" sz="quarter" idx="3"/>
-          </p:nvPr>
-        </p:nvSpPr>
-        <p:spPr/>
-        <p:txBody>
-          <a:bodyPr/>
-          <a:lstStyle/>
-          <a:p>
-            <a:r>
-              <a:rPr lang="en-US" dirty="0" err="1"/>
-              <a:t>Verbnet</a:t>
-            </a:r>
-            <a:endParaRPr lang="en-US" dirty="0"/>
-          </a:p>
-        </p:txBody>
-      </p:sp>
-      <p:sp>
-        <p:nvSpPr>
-          <p:cNvPr id="10" name="Content Placeholder 9">
-            <a:extLst>
-              <a:ext uri="{FF2B5EF4-FFF2-40B4-BE49-F238E27FC236}">
-                <a16:creationId xmlns:a16="http://schemas.microsoft.com/office/drawing/2014/main" id="{0DFA430E-153F-4B88-AF4D-CEA925C0EF4B}"/>
-              </a:ext>
-            </a:extLst>
-          </p:cNvPr>
-          <p:cNvSpPr>
-            <a:spLocks noGrp="1"/>
-          </p:cNvSpPr>
-          <p:nvPr>
-            <p:ph sz="quarter" idx="4"/>
-          </p:nvPr>
-        </p:nvSpPr>
-        <p:spPr/>
-        <p:txBody>
-          <a:bodyPr/>
-          <a:lstStyle/>
-          <a:p>
-            <a:endParaRPr lang="en-US"/>
-          </a:p>
-        </p:txBody>
-      </p:sp>
+          </a:blip>
+          <a:stretch>
+            <a:fillRect/>
+          </a:stretch>
+        </p:blipFill>
+        <p:spPr>
+          <a:xfrm>
+            <a:off x="2918903" y="2322909"/>
+            <a:ext cx="5906324" cy="1267002"/>
+          </a:xfrm>
+          <a:prstGeom prst="rect">
+            <a:avLst/>
+          </a:prstGeom>
+        </p:spPr>
+      </p:pic>
     </p:spTree>
     <p:extLst>
       <p:ext uri="{BB962C8B-B14F-4D97-AF65-F5344CB8AC3E}">
@@ -6261,6 +7097,146 @@
           <p:cNvPr id="2" name="Title 1">
             <a:extLst>
               <a:ext uri="{FF2B5EF4-FFF2-40B4-BE49-F238E27FC236}">
+                <a16:creationId xmlns:a16="http://schemas.microsoft.com/office/drawing/2014/main" id="{99AB1E37-FB91-428B-88CB-4A68E5C414BF}"/>
+              </a:ext>
+            </a:extLst>
+          </p:cNvPr>
+          <p:cNvSpPr>
+            <a:spLocks noGrp="1"/>
+          </p:cNvSpPr>
+          <p:nvPr>
+            <p:ph type="title"/>
+          </p:nvPr>
+        </p:nvSpPr>
+        <p:spPr/>
+        <p:txBody>
+          <a:bodyPr/>
+          <a:lstStyle/>
+          <a:p>
+            <a:r>
+              <a:rPr lang="en-US" dirty="0"/>
+              <a:t>Link </a:t>
+            </a:r>
+            <a:r>
+              <a:rPr lang="en-US" dirty="0" err="1"/>
+              <a:t>Verbnet</a:t>
+            </a:r>
+            <a:r>
+              <a:rPr lang="en-US" dirty="0"/>
+              <a:t> (Process)</a:t>
+            </a:r>
+          </a:p>
+        </p:txBody>
+      </p:sp>
+      <p:sp>
+        <p:nvSpPr>
+          <p:cNvPr id="3" name="Content Placeholder 2">
+            <a:extLst>
+              <a:ext uri="{FF2B5EF4-FFF2-40B4-BE49-F238E27FC236}">
+                <a16:creationId xmlns:a16="http://schemas.microsoft.com/office/drawing/2014/main" id="{0C31A8D8-535C-4DFE-B7F5-8D9430FA627F}"/>
+              </a:ext>
+            </a:extLst>
+          </p:cNvPr>
+          <p:cNvSpPr>
+            <a:spLocks noGrp="1"/>
+          </p:cNvSpPr>
+          <p:nvPr>
+            <p:ph idx="1"/>
+          </p:nvPr>
+        </p:nvSpPr>
+        <p:spPr/>
+        <p:txBody>
+          <a:bodyPr/>
+          <a:lstStyle/>
+          <a:p>
+            <a:r>
+              <a:rPr lang="en-US" dirty="0"/>
+              <a:t>Get the action verb from a sentence</a:t>
+            </a:r>
+          </a:p>
+          <a:p>
+            <a:r>
+              <a:rPr lang="en-US" dirty="0"/>
+              <a:t>Get syntax and frame pair list from </a:t>
+            </a:r>
+            <a:r>
+              <a:rPr lang="en-US" dirty="0" err="1"/>
+              <a:t>verbnet</a:t>
+            </a:r>
+            <a:endParaRPr lang="en-US" dirty="0"/>
+          </a:p>
+          <a:p>
+            <a:r>
+              <a:rPr lang="en-US" dirty="0"/>
+              <a:t>Compare sentence tags to frames</a:t>
+            </a:r>
+          </a:p>
+          <a:p>
+            <a:r>
+              <a:rPr lang="en-US" dirty="0"/>
+              <a:t>Choose a possible frame and identify roles of entities</a:t>
+            </a:r>
+          </a:p>
+          <a:p>
+            <a:endParaRPr lang="en-US" dirty="0"/>
+          </a:p>
+          <a:p>
+            <a:r>
+              <a:rPr lang="en-US" dirty="0">
+                <a:solidFill>
+                  <a:srgbClr val="0070C0"/>
+                </a:solidFill>
+              </a:rPr>
+              <a:t>(Current hand crafted)</a:t>
+            </a:r>
+            <a:r>
+              <a:rPr lang="en-US" dirty="0"/>
+              <a:t> Match the verb to an action type</a:t>
+            </a:r>
+          </a:p>
+          <a:p>
+            <a:r>
+              <a:rPr lang="en-US" dirty="0"/>
+              <a:t> Modify states according to action type</a:t>
+            </a:r>
+          </a:p>
+        </p:txBody>
+      </p:sp>
+    </p:spTree>
+    <p:extLst>
+      <p:ext uri="{BB962C8B-B14F-4D97-AF65-F5344CB8AC3E}">
+        <p14:creationId xmlns:p14="http://schemas.microsoft.com/office/powerpoint/2010/main" val="3343477991"/>
+      </p:ext>
+    </p:extLst>
+  </p:cSld>
+  <p:clrMapOvr>
+    <a:masterClrMapping/>
+  </p:clrMapOvr>
+</p:sld>
+</file>
+
+<file path=ppt/slides/slide8.xml><?xml version="1.0" encoding="utf-8"?>
+<p:sld xmlns:a="http://schemas.openxmlformats.org/drawingml/2006/main" xmlns:r="http://schemas.openxmlformats.org/officeDocument/2006/relationships" xmlns:p="http://schemas.openxmlformats.org/presentationml/2006/main">
+  <p:cSld>
+    <p:spTree>
+      <p:nvGrpSpPr>
+        <p:cNvPr id="1" name=""/>
+        <p:cNvGrpSpPr/>
+        <p:nvPr/>
+      </p:nvGrpSpPr>
+      <p:grpSpPr>
+        <a:xfrm>
+          <a:off x="0" y="0"/>
+          <a:ext cx="0" cy="0"/>
+          <a:chOff x="0" y="0"/>
+          <a:chExt cx="0" cy="0"/>
+        </a:xfrm>
+      </p:grpSpPr>
+      <p:sp>
+        <p:nvSpPr>
+          <p:cNvPr id="2" name="Title 1">
+            <a:extLst>
+              <a:ext uri="{FF2B5EF4-FFF2-40B4-BE49-F238E27FC236}">
                 <a16:creationId xmlns:a16="http://schemas.microsoft.com/office/drawing/2014/main" id="{B87D798A-64B7-40E7-9082-7E4E7B4FDFC3}"/>
               </a:ext>
             </a:extLst>
@@ -6279,7 +7255,7 @@
           <a:p>
             <a:r>
               <a:rPr lang="en-US" dirty="0"/>
-              <a:t>Simple learning(?)     </a:t>
+              <a:t>Learn state changing rules(?) </a:t>
             </a:r>
           </a:p>
         </p:txBody>
@@ -6312,35 +7288,35 @@
           <a:p>
             <a:r>
               <a:rPr lang="en-US" dirty="0"/>
-              <a:t>Add unknown verbs (how new verbs influence states?)</a:t>
+              <a:t>Add unknown actions (how new verbs influence states?)</a:t>
             </a:r>
           </a:p>
           <a:p>
             <a:pPr lvl="1"/>
             <a:r>
               <a:rPr lang="en-US" dirty="0"/>
-              <a:t>Action</a:t>
+              <a:t>State operations</a:t>
             </a:r>
           </a:p>
           <a:p>
             <a:pPr lvl="2"/>
             <a:r>
               <a:rPr lang="en-US" dirty="0"/>
-              <a:t>Add states list</a:t>
+              <a:t>Add states</a:t>
             </a:r>
           </a:p>
           <a:p>
             <a:pPr lvl="2"/>
             <a:r>
               <a:rPr lang="en-US" dirty="0"/>
-              <a:t>Minus states list</a:t>
+              <a:t>Minus states</a:t>
             </a:r>
           </a:p>
           <a:p>
             <a:pPr lvl="2"/>
             <a:r>
               <a:rPr lang="en-US" dirty="0"/>
-              <a:t>Update states list  - Minus(old),  Add(new)</a:t>
+              <a:t>Update states  - Minus(old),  Add(new)</a:t>
             </a:r>
           </a:p>
           <a:p>
@@ -7221,8 +8197,8 @@
         </p:nvSpPr>
         <p:spPr>
           <a:xfrm>
-            <a:off x="10544783" y="4017523"/>
-            <a:ext cx="1243964" cy="369332"/>
+            <a:off x="10544782" y="4120372"/>
+            <a:ext cx="1432943" cy="369332"/>
           </a:xfrm>
           <a:prstGeom prst="rect">
             <a:avLst/>
@@ -7241,7 +8217,7 @@
                   <a:srgbClr val="0070C0"/>
                 </a:solidFill>
               </a:rPr>
-              <a:t>Action</a:t>
+              <a:t>Action type</a:t>
             </a:r>
           </a:p>
         </p:txBody>
@@ -7298,7 +8274,7 @@
 </p:sld>
 </file>
 
-<file path=ppt/slides/slide8.xml><?xml version="1.0" encoding="utf-8"?>
+<file path=ppt/slides/slide9.xml><?xml version="1.0" encoding="utf-8"?>
 <p:sld xmlns:a="http://schemas.openxmlformats.org/drawingml/2006/main" xmlns:r="http://schemas.openxmlformats.org/officeDocument/2006/relationships" xmlns:p="http://schemas.openxmlformats.org/presentationml/2006/main">
   <p:cSld>
     <p:spTree>
@@ -7338,7 +8314,7 @@
           <a:p>
             <a:r>
               <a:rPr lang="en-US" dirty="0"/>
-              <a:t>Simple learning(?)</a:t>
+              <a:t>Learn state changing rules(?) </a:t>
             </a:r>
           </a:p>
         </p:txBody>
@@ -7915,111 +8891,6 @@
     <p:extLst>
       <p:ext uri="{BB962C8B-B14F-4D97-AF65-F5344CB8AC3E}">
         <p14:creationId xmlns:p14="http://schemas.microsoft.com/office/powerpoint/2010/main" val="452047759"/>
-      </p:ext>
-    </p:extLst>
-  </p:cSld>
-  <p:clrMapOvr>
-    <a:masterClrMapping/>
-  </p:clrMapOvr>
-</p:sld>
-</file>
-
-<file path=ppt/slides/slide9.xml><?xml version="1.0" encoding="utf-8"?>
-<p:sld xmlns:a="http://schemas.openxmlformats.org/drawingml/2006/main" xmlns:r="http://schemas.openxmlformats.org/officeDocument/2006/relationships" xmlns:p="http://schemas.openxmlformats.org/presentationml/2006/main">
-  <p:cSld>
-    <p:spTree>
-      <p:nvGrpSpPr>
-        <p:cNvPr id="1" name=""/>
-        <p:cNvGrpSpPr/>
-        <p:nvPr/>
-      </p:nvGrpSpPr>
-      <p:grpSpPr>
-        <a:xfrm>
-          <a:off x="0" y="0"/>
-          <a:ext cx="0" cy="0"/>
-          <a:chOff x="0" y="0"/>
-          <a:chExt cx="0" cy="0"/>
-        </a:xfrm>
-      </p:grpSpPr>
-      <p:sp>
-        <p:nvSpPr>
-          <p:cNvPr id="2" name="Title 1">
-            <a:extLst>
-              <a:ext uri="{FF2B5EF4-FFF2-40B4-BE49-F238E27FC236}">
-                <a16:creationId xmlns:a16="http://schemas.microsoft.com/office/drawing/2014/main" id="{45A7D8F7-9FA3-4A30-BDA6-9F7EBC645BA3}"/>
-              </a:ext>
-            </a:extLst>
-          </p:cNvPr>
-          <p:cNvSpPr>
-            <a:spLocks noGrp="1"/>
-          </p:cNvSpPr>
-          <p:nvPr>
-            <p:ph type="title"/>
-          </p:nvPr>
-        </p:nvSpPr>
-        <p:spPr/>
-        <p:txBody>
-          <a:bodyPr/>
-          <a:lstStyle/>
-          <a:p>
-            <a:r>
-              <a:rPr lang="en-US" dirty="0"/>
-              <a:t>Simple learning(?)</a:t>
-            </a:r>
-          </a:p>
-        </p:txBody>
-      </p:sp>
-      <p:sp>
-        <p:nvSpPr>
-          <p:cNvPr id="3" name="Content Placeholder 2">
-            <a:extLst>
-              <a:ext uri="{FF2B5EF4-FFF2-40B4-BE49-F238E27FC236}">
-                <a16:creationId xmlns:a16="http://schemas.microsoft.com/office/drawing/2014/main" id="{30BB70A6-098B-457B-9763-C2F6C0CF03A1}"/>
-              </a:ext>
-            </a:extLst>
-          </p:cNvPr>
-          <p:cNvSpPr>
-            <a:spLocks noGrp="1"/>
-          </p:cNvSpPr>
-          <p:nvPr>
-            <p:ph idx="1"/>
-          </p:nvPr>
-        </p:nvSpPr>
-        <p:spPr/>
-        <p:txBody>
-          <a:bodyPr/>
-          <a:lstStyle/>
-          <a:p>
-            <a:r>
-              <a:rPr lang="en-US" dirty="0"/>
-              <a:t>When detect a new action in a sentence</a:t>
-            </a:r>
-          </a:p>
-          <a:p>
-            <a:pPr lvl="1"/>
-            <a:r>
-              <a:rPr lang="en-US" dirty="0"/>
-              <a:t>1. Look up the state list (Main subject of this sentence)</a:t>
-            </a:r>
-          </a:p>
-          <a:p>
-            <a:pPr lvl="1"/>
-            <a:r>
-              <a:rPr lang="en-US" dirty="0"/>
-              <a:t>2.  For each state operation (update, minus, add), choose </a:t>
-            </a:r>
-            <a:r>
-              <a:rPr lang="en-US"/>
-              <a:t>a random</a:t>
-            </a:r>
-            <a:endParaRPr lang="en-US" dirty="0"/>
-          </a:p>
-        </p:txBody>
-      </p:sp>
-    </p:spTree>
-    <p:extLst>
-      <p:ext uri="{BB962C8B-B14F-4D97-AF65-F5344CB8AC3E}">
-        <p14:creationId xmlns:p14="http://schemas.microsoft.com/office/powerpoint/2010/main" val="4264672275"/>
       </p:ext>
     </p:extLst>
   </p:cSld>
